--- a/IntroR/BSTAT5 - IntroR - 1.pptx
+++ b/IntroR/BSTAT5 - IntroR - 1.pptx
@@ -8,22 +8,27 @@
     <p:sldId id="256" r:id="rId2"/>
     <p:sldId id="257" r:id="rId3"/>
     <p:sldId id="271" r:id="rId4"/>
-    <p:sldId id="258" r:id="rId5"/>
-    <p:sldId id="259" r:id="rId6"/>
-    <p:sldId id="260" r:id="rId7"/>
-    <p:sldId id="261" r:id="rId8"/>
-    <p:sldId id="262" r:id="rId9"/>
-    <p:sldId id="263" r:id="rId10"/>
-    <p:sldId id="264" r:id="rId11"/>
-    <p:sldId id="274" r:id="rId12"/>
-    <p:sldId id="266" r:id="rId13"/>
-    <p:sldId id="267" r:id="rId14"/>
-    <p:sldId id="268" r:id="rId15"/>
-    <p:sldId id="272" r:id="rId16"/>
-    <p:sldId id="273" r:id="rId17"/>
-    <p:sldId id="265" r:id="rId18"/>
-    <p:sldId id="269" r:id="rId19"/>
-    <p:sldId id="270" r:id="rId20"/>
+    <p:sldId id="259" r:id="rId5"/>
+    <p:sldId id="279" r:id="rId6"/>
+    <p:sldId id="258" r:id="rId7"/>
+    <p:sldId id="260" r:id="rId8"/>
+    <p:sldId id="261" r:id="rId9"/>
+    <p:sldId id="262" r:id="rId10"/>
+    <p:sldId id="263" r:id="rId11"/>
+    <p:sldId id="264" r:id="rId12"/>
+    <p:sldId id="274" r:id="rId13"/>
+    <p:sldId id="266" r:id="rId14"/>
+    <p:sldId id="267" r:id="rId15"/>
+    <p:sldId id="268" r:id="rId16"/>
+    <p:sldId id="272" r:id="rId17"/>
+    <p:sldId id="273" r:id="rId18"/>
+    <p:sldId id="265" r:id="rId19"/>
+    <p:sldId id="275" r:id="rId20"/>
+    <p:sldId id="276" r:id="rId21"/>
+    <p:sldId id="277" r:id="rId22"/>
+    <p:sldId id="278" r:id="rId23"/>
+    <p:sldId id="269" r:id="rId24"/>
+    <p:sldId id="270" r:id="rId25"/>
   </p:sldIdLst>
   <p:sldSz cx="12192000" cy="6858000"/>
   <p:notesSz cx="6858000" cy="9144000"/>
@@ -277,7 +282,7 @@
           <a:p>
             <a:fld id="{9BC484E4-5986-4641-8001-5AB15EC72EEF}" type="datetimeFigureOut">
               <a:rPr lang="it-IT" smtClean="0"/>
-              <a:t>03/02/2025</a:t>
+              <a:t>04/02/2025</a:t>
             </a:fld>
             <a:endParaRPr lang="it-IT"/>
           </a:p>
@@ -475,7 +480,7 @@
           <a:p>
             <a:fld id="{9BC484E4-5986-4641-8001-5AB15EC72EEF}" type="datetimeFigureOut">
               <a:rPr lang="it-IT" smtClean="0"/>
-              <a:t>03/02/2025</a:t>
+              <a:t>04/02/2025</a:t>
             </a:fld>
             <a:endParaRPr lang="it-IT"/>
           </a:p>
@@ -683,7 +688,7 @@
           <a:p>
             <a:fld id="{9BC484E4-5986-4641-8001-5AB15EC72EEF}" type="datetimeFigureOut">
               <a:rPr lang="it-IT" smtClean="0"/>
-              <a:t>03/02/2025</a:t>
+              <a:t>04/02/2025</a:t>
             </a:fld>
             <a:endParaRPr lang="it-IT"/>
           </a:p>
@@ -881,7 +886,7 @@
           <a:p>
             <a:fld id="{9BC484E4-5986-4641-8001-5AB15EC72EEF}" type="datetimeFigureOut">
               <a:rPr lang="it-IT" smtClean="0"/>
-              <a:t>03/02/2025</a:t>
+              <a:t>04/02/2025</a:t>
             </a:fld>
             <a:endParaRPr lang="it-IT"/>
           </a:p>
@@ -1156,7 +1161,7 @@
           <a:p>
             <a:fld id="{9BC484E4-5986-4641-8001-5AB15EC72EEF}" type="datetimeFigureOut">
               <a:rPr lang="it-IT" smtClean="0"/>
-              <a:t>03/02/2025</a:t>
+              <a:t>04/02/2025</a:t>
             </a:fld>
             <a:endParaRPr lang="it-IT"/>
           </a:p>
@@ -1421,7 +1426,7 @@
           <a:p>
             <a:fld id="{9BC484E4-5986-4641-8001-5AB15EC72EEF}" type="datetimeFigureOut">
               <a:rPr lang="it-IT" smtClean="0"/>
-              <a:t>03/02/2025</a:t>
+              <a:t>04/02/2025</a:t>
             </a:fld>
             <a:endParaRPr lang="it-IT"/>
           </a:p>
@@ -1833,7 +1838,7 @@
           <a:p>
             <a:fld id="{9BC484E4-5986-4641-8001-5AB15EC72EEF}" type="datetimeFigureOut">
               <a:rPr lang="it-IT" smtClean="0"/>
-              <a:t>03/02/2025</a:t>
+              <a:t>04/02/2025</a:t>
             </a:fld>
             <a:endParaRPr lang="it-IT"/>
           </a:p>
@@ -1974,7 +1979,7 @@
           <a:p>
             <a:fld id="{9BC484E4-5986-4641-8001-5AB15EC72EEF}" type="datetimeFigureOut">
               <a:rPr lang="it-IT" smtClean="0"/>
-              <a:t>03/02/2025</a:t>
+              <a:t>04/02/2025</a:t>
             </a:fld>
             <a:endParaRPr lang="it-IT"/>
           </a:p>
@@ -2087,7 +2092,7 @@
           <a:p>
             <a:fld id="{9BC484E4-5986-4641-8001-5AB15EC72EEF}" type="datetimeFigureOut">
               <a:rPr lang="it-IT" smtClean="0"/>
-              <a:t>03/02/2025</a:t>
+              <a:t>04/02/2025</a:t>
             </a:fld>
             <a:endParaRPr lang="it-IT"/>
           </a:p>
@@ -2398,7 +2403,7 @@
           <a:p>
             <a:fld id="{9BC484E4-5986-4641-8001-5AB15EC72EEF}" type="datetimeFigureOut">
               <a:rPr lang="it-IT" smtClean="0"/>
-              <a:t>03/02/2025</a:t>
+              <a:t>04/02/2025</a:t>
             </a:fld>
             <a:endParaRPr lang="it-IT"/>
           </a:p>
@@ -2686,7 +2691,7 @@
           <a:p>
             <a:fld id="{9BC484E4-5986-4641-8001-5AB15EC72EEF}" type="datetimeFigureOut">
               <a:rPr lang="it-IT" smtClean="0"/>
-              <a:t>03/02/2025</a:t>
+              <a:t>04/02/2025</a:t>
             </a:fld>
             <a:endParaRPr lang="it-IT"/>
           </a:p>
@@ -2927,7 +2932,7 @@
           <a:p>
             <a:fld id="{9BC484E4-5986-4641-8001-5AB15EC72EEF}" type="datetimeFigureOut">
               <a:rPr lang="it-IT" smtClean="0"/>
-              <a:t>03/02/2025</a:t>
+              <a:t>04/02/2025</a:t>
             </a:fld>
             <a:endParaRPr lang="it-IT"/>
           </a:p>
@@ -3362,8 +3367,8 @@
         </p:nvSpPr>
         <p:spPr>
           <a:xfrm>
-            <a:off x="1524000" y="564223"/>
-            <a:ext cx="9144000" cy="2387600"/>
+            <a:off x="365760" y="564223"/>
+            <a:ext cx="11411711" cy="2387600"/>
           </a:xfrm>
         </p:spPr>
         <p:txBody>
@@ -3496,7 +3501,7 @@
           <p:cNvPr id="2" name="Titolo 1">
             <a:extLst>
               <a:ext uri="{FF2B5EF4-FFF2-40B4-BE49-F238E27FC236}">
-                <a16:creationId xmlns:a16="http://schemas.microsoft.com/office/drawing/2014/main" id="{D2B76FBB-BE38-8B8F-C8DE-39D3BA2EF06F}"/>
+                <a16:creationId xmlns:a16="http://schemas.microsoft.com/office/drawing/2014/main" id="{80B752DB-F46D-58D4-5A42-33DAB96055B3}"/>
               </a:ext>
             </a:extLst>
           </p:cNvPr>
@@ -3528,6 +3533,314 @@
         <mc:Choice Requires="a14">
           <p:sp>
             <p:nvSpPr>
+              <p:cNvPr id="3" name="Segnaposto contenuto 2">
+                <a:extLst>
+                  <a:ext uri="{FF2B5EF4-FFF2-40B4-BE49-F238E27FC236}">
+                    <a16:creationId xmlns:a16="http://schemas.microsoft.com/office/drawing/2014/main" id="{1C4A1405-366C-212F-5091-12FE73481DA8}"/>
+                  </a:ext>
+                </a:extLst>
+              </p:cNvPr>
+              <p:cNvSpPr>
+                <a:spLocks noGrp="1"/>
+              </p:cNvSpPr>
+              <p:nvPr>
+                <p:ph idx="1"/>
+              </p:nvPr>
+            </p:nvSpPr>
+            <p:spPr>
+              <a:xfrm>
+                <a:off x="838200" y="998149"/>
+                <a:ext cx="10985205" cy="5689730"/>
+              </a:xfrm>
+            </p:spPr>
+            <p:txBody>
+              <a:bodyPr>
+                <a:normAutofit/>
+              </a:bodyPr>
+              <a:lstStyle/>
+              <a:p>
+                <a:r>
+                  <a:rPr lang="it-IT" b="1" dirty="0">
+                    <a:solidFill>
+                      <a:srgbClr val="C00000"/>
+                    </a:solidFill>
+                  </a:rPr>
+                  <a:t>Quantili</a:t>
+                </a:r>
+                <a:r>
+                  <a:rPr lang="it-IT" dirty="0">
+                    <a:solidFill>
+                      <a:srgbClr val="C00000"/>
+                    </a:solidFill>
+                  </a:rPr>
+                  <a:t>.</a:t>
+                </a:r>
+                <a:r>
+                  <a:rPr lang="it-IT" dirty="0"/>
+                  <a:t> Il quantile di ordine </a:t>
+                </a:r>
+                <a14:m>
+                  <m:oMath xmlns:m="http://schemas.openxmlformats.org/officeDocument/2006/math">
+                    <m:r>
+                      <a:rPr lang="it-IT" b="0" i="1" smtClean="0">
+                        <a:latin typeface="Cambria Math" panose="02040503050406030204" pitchFamily="18" charset="0"/>
+                      </a:rPr>
+                      <m:t>𝑝</m:t>
+                    </m:r>
+                  </m:oMath>
+                </a14:m>
+                <a:r>
+                  <a:rPr lang="it-IT" dirty="0"/>
+                  <a:t> è quel valore che, </a:t>
+                </a:r>
+                <a:r>
+                  <a:rPr lang="it-IT" b="1" dirty="0"/>
+                  <a:t>nella successione ordinata dei dati</a:t>
+                </a:r>
+                <a:r>
+                  <a:rPr lang="it-IT" dirty="0"/>
+                  <a:t>, lascia a sinistra il </a:t>
+                </a:r>
+                <a14:m>
+                  <m:oMath xmlns:m="http://schemas.openxmlformats.org/officeDocument/2006/math">
+                    <m:r>
+                      <a:rPr lang="it-IT" b="0" i="1" smtClean="0">
+                        <a:latin typeface="Cambria Math" panose="02040503050406030204" pitchFamily="18" charset="0"/>
+                      </a:rPr>
+                      <m:t>𝑝</m:t>
+                    </m:r>
+                  </m:oMath>
+                </a14:m>
+                <a:r>
+                  <a:rPr lang="it-IT" dirty="0"/>
+                  <a:t>% dei dati. In altre parole, è quel valore che è </a:t>
+                </a:r>
+                <a:r>
+                  <a:rPr lang="it-IT" b="1" dirty="0"/>
+                  <a:t>più grande o uguale </a:t>
+                </a:r>
+                <a:r>
+                  <a:rPr lang="it-IT" dirty="0"/>
+                  <a:t>del </a:t>
+                </a:r>
+                <a14:m>
+                  <m:oMath xmlns:m="http://schemas.openxmlformats.org/officeDocument/2006/math">
+                    <m:r>
+                      <a:rPr lang="it-IT" b="0" i="1" smtClean="0">
+                        <a:latin typeface="Cambria Math" panose="02040503050406030204" pitchFamily="18" charset="0"/>
+                      </a:rPr>
+                      <m:t>𝑝</m:t>
+                    </m:r>
+                  </m:oMath>
+                </a14:m>
+                <a:r>
+                  <a:rPr lang="it-IT" dirty="0"/>
+                  <a:t>% dei dati.</a:t>
+                </a:r>
+              </a:p>
+              <a:p>
+                <a:endParaRPr lang="it-IT" sz="100" dirty="0"/>
+              </a:p>
+              <a:p>
+                <a:r>
+                  <a:rPr lang="it-IT" dirty="0"/>
+                  <a:t>Se </a:t>
+                </a:r>
+                <a14:m>
+                  <m:oMath xmlns:m="http://schemas.openxmlformats.org/officeDocument/2006/math">
+                    <m:r>
+                      <a:rPr lang="it-IT" b="0" i="1" smtClean="0">
+                        <a:latin typeface="Cambria Math" panose="02040503050406030204" pitchFamily="18" charset="0"/>
+                      </a:rPr>
+                      <m:t>𝑝</m:t>
+                    </m:r>
+                    <m:r>
+                      <a:rPr lang="it-IT" b="0" i="1" smtClean="0">
+                        <a:latin typeface="Cambria Math" panose="02040503050406030204" pitchFamily="18" charset="0"/>
+                      </a:rPr>
+                      <m:t>∈</m:t>
+                    </m:r>
+                    <m:r>
+                      <m:rPr>
+                        <m:lit/>
+                      </m:rPr>
+                      <a:rPr lang="it-IT" b="0" i="1" smtClean="0">
+                        <a:latin typeface="Cambria Math" panose="02040503050406030204" pitchFamily="18" charset="0"/>
+                      </a:rPr>
+                      <m:t>{</m:t>
+                    </m:r>
+                    <m:r>
+                      <a:rPr lang="it-IT" b="0" i="1" smtClean="0">
+                        <a:latin typeface="Cambria Math" panose="02040503050406030204" pitchFamily="18" charset="0"/>
+                      </a:rPr>
+                      <m:t>0.25, 0.5, 0.75}</m:t>
+                    </m:r>
+                  </m:oMath>
+                </a14:m>
+                <a:r>
+                  <a:rPr lang="it-IT" dirty="0"/>
+                  <a:t>, i quantili prendono il nome di </a:t>
+                </a:r>
+                <a:r>
+                  <a:rPr lang="it-IT" b="1" dirty="0">
+                    <a:solidFill>
+                      <a:srgbClr val="C00000"/>
+                    </a:solidFill>
+                  </a:rPr>
+                  <a:t>quartili</a:t>
+                </a:r>
+                <a:r>
+                  <a:rPr lang="it-IT" dirty="0"/>
+                  <a:t>, dato che suddividono la variabile in 4 parti, ciascuna contenente il 25% dei dati.</a:t>
+                </a:r>
+              </a:p>
+              <a:p>
+                <a:endParaRPr lang="it-IT" sz="1200" dirty="0"/>
+              </a:p>
+            </p:txBody>
+          </p:sp>
+        </mc:Choice>
+        <mc:Fallback xmlns="">
+          <p:sp>
+            <p:nvSpPr>
+              <p:cNvPr id="3" name="Segnaposto contenuto 2">
+                <a:extLst>
+                  <a:ext uri="{FF2B5EF4-FFF2-40B4-BE49-F238E27FC236}">
+                    <a16:creationId xmlns:a16="http://schemas.microsoft.com/office/drawing/2014/main" id="{1C4A1405-366C-212F-5091-12FE73481DA8}"/>
+                  </a:ext>
+                </a:extLst>
+              </p:cNvPr>
+              <p:cNvSpPr>
+                <a:spLocks noGrp="1" noRot="1" noChangeAspect="1" noMove="1" noResize="1" noEditPoints="1" noAdjustHandles="1" noChangeArrowheads="1" noChangeShapeType="1" noTextEdit="1"/>
+              </p:cNvSpPr>
+              <p:nvPr>
+                <p:ph idx="1"/>
+              </p:nvPr>
+            </p:nvSpPr>
+            <p:spPr>
+              <a:xfrm>
+                <a:off x="838200" y="998149"/>
+                <a:ext cx="10985205" cy="5689730"/>
+              </a:xfrm>
+              <a:blipFill>
+                <a:blip r:embed="rId2"/>
+                <a:stretch>
+                  <a:fillRect l="-999" t="-1822" r="-111"/>
+                </a:stretch>
+              </a:blipFill>
+            </p:spPr>
+            <p:txBody>
+              <a:bodyPr/>
+              <a:lstStyle/>
+              <a:p>
+                <a:r>
+                  <a:rPr lang="it-IT">
+                    <a:noFill/>
+                  </a:rPr>
+                  <a:t> </a:t>
+                </a:r>
+              </a:p>
+            </p:txBody>
+          </p:sp>
+        </mc:Fallback>
+      </mc:AlternateContent>
+      <p:pic>
+        <p:nvPicPr>
+          <p:cNvPr id="7" name="Immagine 6">
+            <a:extLst>
+              <a:ext uri="{FF2B5EF4-FFF2-40B4-BE49-F238E27FC236}">
+                <a16:creationId xmlns:a16="http://schemas.microsoft.com/office/drawing/2014/main" id="{42EE31DA-4B8B-BAF6-4982-53430CF8E033}"/>
+              </a:ext>
+            </a:extLst>
+          </p:cNvPr>
+          <p:cNvPicPr>
+            <a:picLocks noChangeAspect="1"/>
+          </p:cNvPicPr>
+          <p:nvPr/>
+        </p:nvPicPr>
+        <p:blipFill>
+          <a:blip r:embed="rId3"/>
+          <a:stretch>
+            <a:fillRect/>
+          </a:stretch>
+        </p:blipFill>
+        <p:spPr>
+          <a:xfrm>
+            <a:off x="2648867" y="3503603"/>
+            <a:ext cx="5528113" cy="3271741"/>
+          </a:xfrm>
+          <a:prstGeom prst="rect">
+            <a:avLst/>
+          </a:prstGeom>
+        </p:spPr>
+      </p:pic>
+    </p:spTree>
+    <p:extLst>
+      <p:ext uri="{BB962C8B-B14F-4D97-AF65-F5344CB8AC3E}">
+        <p14:creationId xmlns:p14="http://schemas.microsoft.com/office/powerpoint/2010/main" val="2955274663"/>
+      </p:ext>
+    </p:extLst>
+  </p:cSld>
+  <p:clrMapOvr>
+    <a:masterClrMapping/>
+  </p:clrMapOvr>
+</p:sld>
+</file>
+
+<file path=ppt/slides/slide11.xml><?xml version="1.0" encoding="utf-8"?>
+<p:sld xmlns:a="http://schemas.openxmlformats.org/drawingml/2006/main" xmlns:r="http://schemas.openxmlformats.org/officeDocument/2006/relationships" xmlns:p="http://schemas.openxmlformats.org/presentationml/2006/main">
+  <p:cSld>
+    <p:spTree>
+      <p:nvGrpSpPr>
+        <p:cNvPr id="1" name=""/>
+        <p:cNvGrpSpPr/>
+        <p:nvPr/>
+      </p:nvGrpSpPr>
+      <p:grpSpPr>
+        <a:xfrm>
+          <a:off x="0" y="0"/>
+          <a:ext cx="0" cy="0"/>
+          <a:chOff x="0" y="0"/>
+          <a:chExt cx="0" cy="0"/>
+        </a:xfrm>
+      </p:grpSpPr>
+      <p:sp>
+        <p:nvSpPr>
+          <p:cNvPr id="2" name="Titolo 1">
+            <a:extLst>
+              <a:ext uri="{FF2B5EF4-FFF2-40B4-BE49-F238E27FC236}">
+                <a16:creationId xmlns:a16="http://schemas.microsoft.com/office/drawing/2014/main" id="{D2B76FBB-BE38-8B8F-C8DE-39D3BA2EF06F}"/>
+              </a:ext>
+            </a:extLst>
+          </p:cNvPr>
+          <p:cNvSpPr>
+            <a:spLocks noGrp="1"/>
+          </p:cNvSpPr>
+          <p:nvPr>
+            <p:ph type="title"/>
+          </p:nvPr>
+        </p:nvSpPr>
+        <p:spPr>
+          <a:xfrm>
+            <a:off x="838200" y="18255"/>
+            <a:ext cx="10515600" cy="1325563"/>
+          </a:xfrm>
+        </p:spPr>
+        <p:txBody>
+          <a:bodyPr/>
+          <a:lstStyle/>
+          <a:p>
+            <a:r>
+              <a:rPr lang="it-IT" dirty="0"/>
+              <a:t>Indici di posizione (3)</a:t>
+            </a:r>
+          </a:p>
+        </p:txBody>
+      </p:sp>
+      <mc:AlternateContent xmlns:mc="http://schemas.openxmlformats.org/markup-compatibility/2006">
+        <mc:Choice xmlns:a14="http://schemas.microsoft.com/office/drawing/2010/main" Requires="a14">
+          <p:sp>
+            <p:nvSpPr>
               <p:cNvPr id="7" name="Segnaposto contenuto 6">
                 <a:extLst>
                   <a:ext uri="{FF2B5EF4-FFF2-40B4-BE49-F238E27FC236}">
@@ -3550,7 +3863,7 @@
             </p:spPr>
             <p:txBody>
               <a:bodyPr>
-                <a:normAutofit fontScale="92500"/>
+                <a:normAutofit fontScale="92500" lnSpcReduction="10000"/>
               </a:bodyPr>
               <a:lstStyle/>
               <a:p>
@@ -4143,7 +4456,7 @@
             </p:txBody>
           </p:sp>
         </mc:Choice>
-        <mc:Fallback xmlns="">
+        <mc:Fallback>
           <p:sp>
             <p:nvSpPr>
               <p:cNvPr id="7" name="Segnaposto contenuto 6">
@@ -4168,7 +4481,7 @@
               <a:blipFill>
                 <a:blip r:embed="rId2"/>
                 <a:stretch>
-                  <a:fillRect l="-1043" t="-1742" r="-986" b="-2671"/>
+                  <a:fillRect l="-1043" t="-2323"/>
                 </a:stretch>
               </a:blipFill>
             </p:spPr>
@@ -4200,7 +4513,7 @@
 </p:sld>
 </file>
 
-<file path=ppt/slides/slide11.xml><?xml version="1.0" encoding="utf-8"?>
+<file path=ppt/slides/slide12.xml><?xml version="1.0" encoding="utf-8"?>
 <p:sld xmlns:a="http://schemas.openxmlformats.org/drawingml/2006/main" xmlns:r="http://schemas.openxmlformats.org/officeDocument/2006/relationships" xmlns:p="http://schemas.openxmlformats.org/presentationml/2006/main">
   <p:cSld>
     <p:spTree>
@@ -4696,7 +5009,7 @@
         </p:nvGraphicFramePr>
         <p:xfrm>
           <a:off x="384333" y="1434871"/>
-          <a:ext cx="11068491" cy="741680"/>
+          <a:ext cx="11068491" cy="1010920"/>
         </p:xfrm>
         <a:graphic>
           <a:graphicData uri="http://schemas.openxmlformats.org/drawingml/2006/table">
@@ -5014,7 +5327,7 @@
             </p:nvGraphicFramePr>
             <p:xfrm>
               <a:off x="384332" y="2699735"/>
-              <a:ext cx="11068491" cy="1133856"/>
+              <a:ext cx="11068491" cy="1403096"/>
             </p:xfrm>
             <a:graphic>
               <a:graphicData uri="http://schemas.openxmlformats.org/drawingml/2006/table">
@@ -6134,7 +6447,7 @@
 </p:sld>
 </file>
 
-<file path=ppt/slides/slide12.xml><?xml version="1.0" encoding="utf-8"?>
+<file path=ppt/slides/slide13.xml><?xml version="1.0" encoding="utf-8"?>
 <p:sld xmlns:a="http://schemas.openxmlformats.org/drawingml/2006/main" xmlns:r="http://schemas.openxmlformats.org/officeDocument/2006/relationships" xmlns:p="http://schemas.openxmlformats.org/presentationml/2006/main">
   <p:cSld>
     <p:spTree>
@@ -6676,7 +6989,7 @@
 </p:sld>
 </file>
 
-<file path=ppt/slides/slide13.xml><?xml version="1.0" encoding="utf-8"?>
+<file path=ppt/slides/slide14.xml><?xml version="1.0" encoding="utf-8"?>
 <p:sld xmlns:a="http://schemas.openxmlformats.org/drawingml/2006/main" xmlns:r="http://schemas.openxmlformats.org/officeDocument/2006/relationships" xmlns:p="http://schemas.openxmlformats.org/presentationml/2006/main">
   <p:cSld>
     <p:spTree>
@@ -6726,8 +7039,8 @@
           </a:p>
         </p:txBody>
       </p:sp>
-      <mc:AlternateContent xmlns:mc="http://schemas.openxmlformats.org/markup-compatibility/2006" xmlns:a14="http://schemas.microsoft.com/office/drawing/2010/main">
-        <mc:Choice Requires="a14">
+      <mc:AlternateContent xmlns:mc="http://schemas.openxmlformats.org/markup-compatibility/2006">
+        <mc:Choice xmlns:a14="http://schemas.microsoft.com/office/drawing/2010/main" Requires="a14">
           <p:sp>
             <p:nvSpPr>
               <p:cNvPr id="3" name="Segnaposto contenuto 2">
@@ -6752,7 +7065,7 @@
             </p:spPr>
             <p:txBody>
               <a:bodyPr>
-                <a:normAutofit/>
+                <a:normAutofit lnSpcReduction="10000"/>
               </a:bodyPr>
               <a:lstStyle/>
               <a:p>
@@ -7096,7 +7409,7 @@
             </p:txBody>
           </p:sp>
         </mc:Choice>
-        <mc:Fallback xmlns="">
+        <mc:Fallback>
           <p:sp>
             <p:nvSpPr>
               <p:cNvPr id="3" name="Segnaposto contenuto 2">
@@ -7121,7 +7434,7 @@
               <a:blipFill>
                 <a:blip r:embed="rId2"/>
                 <a:stretch>
-                  <a:fillRect l="-956" t="-1795"/>
+                  <a:fillRect l="-956" t="-2429" r="-1062"/>
                 </a:stretch>
               </a:blipFill>
             </p:spPr>
@@ -7153,7 +7466,7 @@
 </p:sld>
 </file>
 
-<file path=ppt/slides/slide14.xml><?xml version="1.0" encoding="utf-8"?>
+<file path=ppt/slides/slide15.xml><?xml version="1.0" encoding="utf-8"?>
 <p:sld xmlns:a="http://schemas.openxmlformats.org/drawingml/2006/main" xmlns:r="http://schemas.openxmlformats.org/officeDocument/2006/relationships" xmlns:p="http://schemas.openxmlformats.org/presentationml/2006/main">
   <p:cSld>
     <p:spTree>
@@ -7823,7 +8136,7 @@
 </p:sld>
 </file>
 
-<file path=ppt/slides/slide15.xml><?xml version="1.0" encoding="utf-8"?>
+<file path=ppt/slides/slide16.xml><?xml version="1.0" encoding="utf-8"?>
 <p:sld xmlns:a="http://schemas.openxmlformats.org/drawingml/2006/main" xmlns:r="http://schemas.openxmlformats.org/officeDocument/2006/relationships" xmlns:p="http://schemas.openxmlformats.org/presentationml/2006/main">
   <p:cSld>
     <p:spTree>
@@ -7911,7 +8224,7 @@
 </p:sld>
 </file>
 
-<file path=ppt/slides/slide16.xml><?xml version="1.0" encoding="utf-8"?>
+<file path=ppt/slides/slide17.xml><?xml version="1.0" encoding="utf-8"?>
 <p:sld xmlns:a="http://schemas.openxmlformats.org/drawingml/2006/main" xmlns:r="http://schemas.openxmlformats.org/officeDocument/2006/relationships" xmlns:p="http://schemas.openxmlformats.org/presentationml/2006/main">
   <p:cSld>
     <p:spTree>
@@ -8048,7 +8361,7 @@
 </p:sld>
 </file>
 
-<file path=ppt/slides/slide17.xml><?xml version="1.0" encoding="utf-8"?>
+<file path=ppt/slides/slide18.xml><?xml version="1.0" encoding="utf-8"?>
 <p:sld xmlns:a="http://schemas.openxmlformats.org/drawingml/2006/main" xmlns:r="http://schemas.openxmlformats.org/officeDocument/2006/relationships" xmlns:p="http://schemas.openxmlformats.org/presentationml/2006/main">
   <p:cSld>
     <p:spTree>
@@ -8145,104 +8458,6 @@
 </p:sld>
 </file>
 
-<file path=ppt/slides/slide18.xml><?xml version="1.0" encoding="utf-8"?>
-<p:sld xmlns:a="http://schemas.openxmlformats.org/drawingml/2006/main" xmlns:r="http://schemas.openxmlformats.org/officeDocument/2006/relationships" xmlns:p="http://schemas.openxmlformats.org/presentationml/2006/main">
-  <p:cSld>
-    <p:spTree>
-      <p:nvGrpSpPr>
-        <p:cNvPr id="1" name=""/>
-        <p:cNvGrpSpPr/>
-        <p:nvPr/>
-      </p:nvGrpSpPr>
-      <p:grpSpPr>
-        <a:xfrm>
-          <a:off x="0" y="0"/>
-          <a:ext cx="0" cy="0"/>
-          <a:chOff x="0" y="0"/>
-          <a:chExt cx="0" cy="0"/>
-        </a:xfrm>
-      </p:grpSpPr>
-      <p:sp>
-        <p:nvSpPr>
-          <p:cNvPr id="2" name="Titolo 1">
-            <a:extLst>
-              <a:ext uri="{FF2B5EF4-FFF2-40B4-BE49-F238E27FC236}">
-                <a16:creationId xmlns:a16="http://schemas.microsoft.com/office/drawing/2014/main" id="{344B8799-E9C0-4B0C-AE2D-1F63B2C10052}"/>
-              </a:ext>
-            </a:extLst>
-          </p:cNvPr>
-          <p:cNvSpPr>
-            <a:spLocks noGrp="1"/>
-          </p:cNvSpPr>
-          <p:nvPr>
-            <p:ph type="title"/>
-          </p:nvPr>
-        </p:nvSpPr>
-        <p:spPr>
-          <a:xfrm>
-            <a:off x="838199" y="18255"/>
-            <a:ext cx="10515600" cy="1325563"/>
-          </a:xfrm>
-        </p:spPr>
-        <p:txBody>
-          <a:bodyPr/>
-          <a:lstStyle/>
-          <a:p>
-            <a:r>
-              <a:rPr lang="it-IT" dirty="0"/>
-              <a:t>Tipologia punti</a:t>
-            </a:r>
-          </a:p>
-        </p:txBody>
-      </p:sp>
-      <p:pic>
-        <p:nvPicPr>
-          <p:cNvPr id="5" name="Segnaposto contenuto 4">
-            <a:extLst>
-              <a:ext uri="{FF2B5EF4-FFF2-40B4-BE49-F238E27FC236}">
-                <a16:creationId xmlns:a16="http://schemas.microsoft.com/office/drawing/2014/main" id="{83904F76-3F7A-4744-A9FD-E0BC5F1FE866}"/>
-              </a:ext>
-            </a:extLst>
-          </p:cNvPr>
-          <p:cNvPicPr>
-            <a:picLocks noGrp="1" noChangeAspect="1"/>
-          </p:cNvPicPr>
-          <p:nvPr>
-            <p:ph idx="1"/>
-          </p:nvPr>
-        </p:nvPicPr>
-        <p:blipFill>
-          <a:blip r:embed="rId2">
-            <a:extLst>
-              <a:ext uri="{28A0092B-C50C-407E-A947-70E740481C1C}">
-                <a14:useLocalDpi xmlns:a14="http://schemas.microsoft.com/office/drawing/2010/main" val="0"/>
-              </a:ext>
-            </a:extLst>
-          </a:blip>
-          <a:stretch>
-            <a:fillRect/>
-          </a:stretch>
-        </p:blipFill>
-        <p:spPr>
-          <a:xfrm>
-            <a:off x="2928578" y="1343818"/>
-            <a:ext cx="5826932" cy="5240193"/>
-          </a:xfrm>
-        </p:spPr>
-      </p:pic>
-    </p:spTree>
-    <p:extLst>
-      <p:ext uri="{BB962C8B-B14F-4D97-AF65-F5344CB8AC3E}">
-        <p14:creationId xmlns:p14="http://schemas.microsoft.com/office/powerpoint/2010/main" val="1330872198"/>
-      </p:ext>
-    </p:extLst>
-  </p:cSld>
-  <p:clrMapOvr>
-    <a:masterClrMapping/>
-  </p:clrMapOvr>
-</p:sld>
-</file>
-
 <file path=ppt/slides/slide19.xml><?xml version="1.0" encoding="utf-8"?>
 <p:sld xmlns:a="http://schemas.openxmlformats.org/drawingml/2006/main" xmlns:r="http://schemas.openxmlformats.org/officeDocument/2006/relationships" xmlns:p="http://schemas.openxmlformats.org/presentationml/2006/main">
   <p:cSld>
@@ -8265,7 +8480,7 @@
           <p:cNvPr id="2" name="Titolo 1">
             <a:extLst>
               <a:ext uri="{FF2B5EF4-FFF2-40B4-BE49-F238E27FC236}">
-                <a16:creationId xmlns:a16="http://schemas.microsoft.com/office/drawing/2014/main" id="{CCF94974-FB81-4E10-8BD2-CDD527C268AF}"/>
+                <a16:creationId xmlns:a16="http://schemas.microsoft.com/office/drawing/2014/main" id="{D69DD4FF-438E-CDDD-0D93-7427ECA8A040}"/>
               </a:ext>
             </a:extLst>
           </p:cNvPr>
@@ -8288,50 +8503,685 @@
           <a:p>
             <a:r>
               <a:rPr lang="it-IT" dirty="0"/>
-              <a:t>Tipologia linee</a:t>
+              <a:t>Coefficiente di correlazione lineare</a:t>
             </a:r>
           </a:p>
         </p:txBody>
       </p:sp>
-      <p:pic>
-        <p:nvPicPr>
-          <p:cNvPr id="5" name="Segnaposto contenuto 4">
-            <a:extLst>
-              <a:ext uri="{FF2B5EF4-FFF2-40B4-BE49-F238E27FC236}">
-                <a16:creationId xmlns:a16="http://schemas.microsoft.com/office/drawing/2014/main" id="{415170CA-291C-4C8F-BE03-58F537A41A17}"/>
-              </a:ext>
-            </a:extLst>
-          </p:cNvPr>
-          <p:cNvPicPr>
-            <a:picLocks noGrp="1" noChangeAspect="1"/>
-          </p:cNvPicPr>
-          <p:nvPr>
-            <p:ph idx="1"/>
-          </p:nvPr>
-        </p:nvPicPr>
-        <p:blipFill>
-          <a:blip r:embed="rId2">
-            <a:extLst>
-              <a:ext uri="{28A0092B-C50C-407E-A947-70E740481C1C}">
-                <a14:useLocalDpi xmlns:a14="http://schemas.microsoft.com/office/drawing/2010/main" val="0"/>
-              </a:ext>
-            </a:extLst>
-          </a:blip>
-          <a:stretch>
-            <a:fillRect/>
-          </a:stretch>
-        </p:blipFill>
-        <p:spPr>
-          <a:xfrm>
-            <a:off x="3350316" y="1343818"/>
-            <a:ext cx="5176167" cy="5176167"/>
-          </a:xfrm>
-        </p:spPr>
-      </p:pic>
+      <mc:AlternateContent xmlns:mc="http://schemas.openxmlformats.org/markup-compatibility/2006">
+        <mc:Choice xmlns:a14="http://schemas.microsoft.com/office/drawing/2010/main" Requires="a14">
+          <p:sp>
+            <p:nvSpPr>
+              <p:cNvPr id="3" name="Segnaposto contenuto 2">
+                <a:extLst>
+                  <a:ext uri="{FF2B5EF4-FFF2-40B4-BE49-F238E27FC236}">
+                    <a16:creationId xmlns:a16="http://schemas.microsoft.com/office/drawing/2014/main" id="{483ADF91-8F43-A85F-CE22-0131D7713F68}"/>
+                  </a:ext>
+                </a:extLst>
+              </p:cNvPr>
+              <p:cNvSpPr>
+                <a:spLocks noGrp="1"/>
+              </p:cNvSpPr>
+              <p:nvPr>
+                <p:ph idx="1"/>
+              </p:nvPr>
+            </p:nvSpPr>
+            <p:spPr>
+              <a:xfrm>
+                <a:off x="838200" y="1185544"/>
+                <a:ext cx="10515600" cy="5462143"/>
+              </a:xfrm>
+            </p:spPr>
+            <p:txBody>
+              <a:bodyPr/>
+              <a:lstStyle/>
+              <a:p>
+                <a:r>
+                  <a:rPr lang="it-IT" dirty="0">
+                    <a:solidFill>
+                      <a:srgbClr val="C00000"/>
+                    </a:solidFill>
+                  </a:rPr>
+                  <a:t>Il coefficiente di correlazione lineare</a:t>
+                </a:r>
+                <a:r>
+                  <a:rPr lang="it-IT" dirty="0"/>
+                  <a:t> </a:t>
+                </a:r>
+                <a14:m>
+                  <m:oMath xmlns:m="http://schemas.openxmlformats.org/officeDocument/2006/math">
+                    <m:sSub>
+                      <m:sSubPr>
+                        <m:ctrlPr>
+                          <a:rPr lang="it-IT" i="1" smtClean="0">
+                            <a:latin typeface="Cambria Math" panose="02040503050406030204" pitchFamily="18" charset="0"/>
+                          </a:rPr>
+                        </m:ctrlPr>
+                      </m:sSubPr>
+                      <m:e>
+                        <m:r>
+                          <a:rPr lang="it-IT" b="0" i="1" smtClean="0">
+                            <a:latin typeface="Cambria Math" panose="02040503050406030204" pitchFamily="18" charset="0"/>
+                          </a:rPr>
+                          <m:t>𝜌</m:t>
+                        </m:r>
+                      </m:e>
+                      <m:sub>
+                        <m:r>
+                          <a:rPr lang="it-IT" b="0" i="1" smtClean="0">
+                            <a:latin typeface="Cambria Math" panose="02040503050406030204" pitchFamily="18" charset="0"/>
+                          </a:rPr>
+                          <m:t>𝑋</m:t>
+                        </m:r>
+                        <m:r>
+                          <a:rPr lang="it-IT" b="0" i="1" smtClean="0">
+                            <a:latin typeface="Cambria Math" panose="02040503050406030204" pitchFamily="18" charset="0"/>
+                          </a:rPr>
+                          <m:t>,</m:t>
+                        </m:r>
+                        <m:r>
+                          <a:rPr lang="it-IT" b="0" i="1" smtClean="0">
+                            <a:latin typeface="Cambria Math" panose="02040503050406030204" pitchFamily="18" charset="0"/>
+                          </a:rPr>
+                          <m:t>𝑌</m:t>
+                        </m:r>
+                      </m:sub>
+                    </m:sSub>
+                  </m:oMath>
+                </a14:m>
+                <a:r>
+                  <a:rPr lang="it-IT" dirty="0"/>
+                  <a:t> misura la dipendenza lineare tra le variabili </a:t>
+                </a:r>
+                <a14:m>
+                  <m:oMath xmlns:m="http://schemas.openxmlformats.org/officeDocument/2006/math">
+                    <m:r>
+                      <a:rPr lang="it-IT" b="0" i="1" smtClean="0">
+                        <a:latin typeface="Cambria Math" panose="02040503050406030204" pitchFamily="18" charset="0"/>
+                      </a:rPr>
+                      <m:t>𝑋</m:t>
+                    </m:r>
+                  </m:oMath>
+                </a14:m>
+                <a:r>
+                  <a:rPr lang="it-IT" dirty="0"/>
+                  <a:t> e </a:t>
+                </a:r>
+                <a14:m>
+                  <m:oMath xmlns:m="http://schemas.openxmlformats.org/officeDocument/2006/math">
+                    <m:r>
+                      <a:rPr lang="it-IT" b="0" i="1" smtClean="0">
+                        <a:latin typeface="Cambria Math" panose="02040503050406030204" pitchFamily="18" charset="0"/>
+                      </a:rPr>
+                      <m:t>𝑌</m:t>
+                    </m:r>
+                  </m:oMath>
+                </a14:m>
+                <a:r>
+                  <a:rPr lang="it-IT" dirty="0"/>
+                  <a:t>. </a:t>
+                </a:r>
+                <a:br>
+                  <a:rPr lang="it-IT" dirty="0"/>
+                </a:br>
+                <a:endParaRPr lang="it-IT" dirty="0"/>
+              </a:p>
+              <a:p>
+                <a:pPr marL="0" indent="0">
+                  <a:buNone/>
+                </a:pPr>
+                <a14:m>
+                  <m:oMathPara xmlns:m="http://schemas.openxmlformats.org/officeDocument/2006/math">
+                    <m:oMathParaPr>
+                      <m:jc m:val="centerGroup"/>
+                    </m:oMathParaPr>
+                    <m:oMath xmlns:m="http://schemas.openxmlformats.org/officeDocument/2006/math">
+                      <m:sSub>
+                        <m:sSubPr>
+                          <m:ctrlPr>
+                            <a:rPr lang="it-IT" i="1" smtClean="0">
+                              <a:latin typeface="Cambria Math" panose="02040503050406030204" pitchFamily="18" charset="0"/>
+                            </a:rPr>
+                          </m:ctrlPr>
+                        </m:sSubPr>
+                        <m:e>
+                          <m:r>
+                            <a:rPr lang="it-IT" b="0" i="1" smtClean="0">
+                              <a:latin typeface="Cambria Math" panose="02040503050406030204" pitchFamily="18" charset="0"/>
+                            </a:rPr>
+                            <m:t>𝜌</m:t>
+                          </m:r>
+                        </m:e>
+                        <m:sub>
+                          <m:r>
+                            <a:rPr lang="it-IT" b="0" i="1" smtClean="0">
+                              <a:latin typeface="Cambria Math" panose="02040503050406030204" pitchFamily="18" charset="0"/>
+                            </a:rPr>
+                            <m:t>𝑋</m:t>
+                          </m:r>
+                          <m:r>
+                            <a:rPr lang="it-IT" b="0" i="1" smtClean="0">
+                              <a:latin typeface="Cambria Math" panose="02040503050406030204" pitchFamily="18" charset="0"/>
+                            </a:rPr>
+                            <m:t>,</m:t>
+                          </m:r>
+                          <m:r>
+                            <a:rPr lang="it-IT" b="0" i="1" smtClean="0">
+                              <a:latin typeface="Cambria Math" panose="02040503050406030204" pitchFamily="18" charset="0"/>
+                            </a:rPr>
+                            <m:t>𝑌</m:t>
+                          </m:r>
+                        </m:sub>
+                      </m:sSub>
+                      <m:r>
+                        <a:rPr lang="it-IT" b="0" i="1" smtClean="0">
+                          <a:latin typeface="Cambria Math" panose="02040503050406030204" pitchFamily="18" charset="0"/>
+                        </a:rPr>
+                        <m:t>=</m:t>
+                      </m:r>
+                      <m:f>
+                        <m:fPr>
+                          <m:ctrlPr>
+                            <a:rPr lang="it-IT" b="0" i="1" smtClean="0">
+                              <a:latin typeface="Cambria Math" panose="02040503050406030204" pitchFamily="18" charset="0"/>
+                            </a:rPr>
+                          </m:ctrlPr>
+                        </m:fPr>
+                        <m:num>
+                          <m:f>
+                            <m:fPr>
+                              <m:ctrlPr>
+                                <a:rPr lang="it-IT" b="0" i="1" smtClean="0">
+                                  <a:latin typeface="Cambria Math" panose="02040503050406030204" pitchFamily="18" charset="0"/>
+                                </a:rPr>
+                              </m:ctrlPr>
+                            </m:fPr>
+                            <m:num>
+                              <m:r>
+                                <a:rPr lang="it-IT" b="0" i="1" smtClean="0">
+                                  <a:latin typeface="Cambria Math" panose="02040503050406030204" pitchFamily="18" charset="0"/>
+                                </a:rPr>
+                                <m:t>1</m:t>
+                              </m:r>
+                            </m:num>
+                            <m:den>
+                              <m:r>
+                                <a:rPr lang="it-IT" b="0" i="1" smtClean="0">
+                                  <a:latin typeface="Cambria Math" panose="02040503050406030204" pitchFamily="18" charset="0"/>
+                                </a:rPr>
+                                <m:t>𝑁</m:t>
+                              </m:r>
+                            </m:den>
+                          </m:f>
+                          <m:nary>
+                            <m:naryPr>
+                              <m:chr m:val="∑"/>
+                              <m:ctrlPr>
+                                <a:rPr lang="it-IT" b="0" i="1" smtClean="0">
+                                  <a:latin typeface="Cambria Math" panose="02040503050406030204" pitchFamily="18" charset="0"/>
+                                </a:rPr>
+                              </m:ctrlPr>
+                            </m:naryPr>
+                            <m:sub>
+                              <m:r>
+                                <m:rPr>
+                                  <m:brk m:alnAt="23"/>
+                                </m:rPr>
+                                <a:rPr lang="it-IT" b="0" i="1" smtClean="0">
+                                  <a:latin typeface="Cambria Math" panose="02040503050406030204" pitchFamily="18" charset="0"/>
+                                </a:rPr>
+                                <m:t>𝑖</m:t>
+                              </m:r>
+                              <m:r>
+                                <a:rPr lang="it-IT" b="0" i="1" smtClean="0">
+                                  <a:latin typeface="Cambria Math" panose="02040503050406030204" pitchFamily="18" charset="0"/>
+                                </a:rPr>
+                                <m:t>=1</m:t>
+                              </m:r>
+                            </m:sub>
+                            <m:sup>
+                              <m:r>
+                                <a:rPr lang="it-IT" b="0" i="1" smtClean="0">
+                                  <a:latin typeface="Cambria Math" panose="02040503050406030204" pitchFamily="18" charset="0"/>
+                                </a:rPr>
+                                <m:t>𝑁</m:t>
+                              </m:r>
+                            </m:sup>
+                            <m:e>
+                              <m:r>
+                                <a:rPr lang="it-IT" b="0" i="1" smtClean="0">
+                                  <a:latin typeface="Cambria Math" panose="02040503050406030204" pitchFamily="18" charset="0"/>
+                                </a:rPr>
+                                <m:t>(</m:t>
+                              </m:r>
+                              <m:sSub>
+                                <m:sSubPr>
+                                  <m:ctrlPr>
+                                    <a:rPr lang="it-IT" b="0" i="1" smtClean="0">
+                                      <a:latin typeface="Cambria Math" panose="02040503050406030204" pitchFamily="18" charset="0"/>
+                                    </a:rPr>
+                                  </m:ctrlPr>
+                                </m:sSubPr>
+                                <m:e>
+                                  <m:r>
+                                    <a:rPr lang="it-IT" b="0" i="1" smtClean="0">
+                                      <a:latin typeface="Cambria Math" panose="02040503050406030204" pitchFamily="18" charset="0"/>
+                                    </a:rPr>
+                                    <m:t>𝑥</m:t>
+                                  </m:r>
+                                </m:e>
+                                <m:sub>
+                                  <m:r>
+                                    <a:rPr lang="it-IT" b="0" i="1" smtClean="0">
+                                      <a:latin typeface="Cambria Math" panose="02040503050406030204" pitchFamily="18" charset="0"/>
+                                    </a:rPr>
+                                    <m:t>𝑖</m:t>
+                                  </m:r>
+                                </m:sub>
+                              </m:sSub>
+                              <m:r>
+                                <a:rPr lang="it-IT" b="0" i="1" smtClean="0">
+                                  <a:latin typeface="Cambria Math" panose="02040503050406030204" pitchFamily="18" charset="0"/>
+                                </a:rPr>
+                                <m:t>−</m:t>
+                              </m:r>
+                              <m:sSub>
+                                <m:sSubPr>
+                                  <m:ctrlPr>
+                                    <a:rPr lang="it-IT" b="0" i="1" smtClean="0">
+                                      <a:latin typeface="Cambria Math" panose="02040503050406030204" pitchFamily="18" charset="0"/>
+                                    </a:rPr>
+                                  </m:ctrlPr>
+                                </m:sSubPr>
+                                <m:e>
+                                  <m:r>
+                                    <a:rPr lang="it-IT" b="0" i="1" smtClean="0">
+                                      <a:latin typeface="Cambria Math" panose="02040503050406030204" pitchFamily="18" charset="0"/>
+                                    </a:rPr>
+                                    <m:t>𝜇</m:t>
+                                  </m:r>
+                                </m:e>
+                                <m:sub>
+                                  <m:r>
+                                    <a:rPr lang="it-IT" b="0" i="1" smtClean="0">
+                                      <a:latin typeface="Cambria Math" panose="02040503050406030204" pitchFamily="18" charset="0"/>
+                                    </a:rPr>
+                                    <m:t>𝑋</m:t>
+                                  </m:r>
+                                </m:sub>
+                              </m:sSub>
+                              <m:r>
+                                <a:rPr lang="it-IT" b="0" i="1" smtClean="0">
+                                  <a:latin typeface="Cambria Math" panose="02040503050406030204" pitchFamily="18" charset="0"/>
+                                </a:rPr>
+                                <m:t>)(</m:t>
+                              </m:r>
+                              <m:sSub>
+                                <m:sSubPr>
+                                  <m:ctrlPr>
+                                    <a:rPr lang="it-IT" b="0" i="1" smtClean="0">
+                                      <a:latin typeface="Cambria Math" panose="02040503050406030204" pitchFamily="18" charset="0"/>
+                                    </a:rPr>
+                                  </m:ctrlPr>
+                                </m:sSubPr>
+                                <m:e>
+                                  <m:r>
+                                    <a:rPr lang="it-IT" b="0" i="1" smtClean="0">
+                                      <a:latin typeface="Cambria Math" panose="02040503050406030204" pitchFamily="18" charset="0"/>
+                                    </a:rPr>
+                                    <m:t>𝑦</m:t>
+                                  </m:r>
+                                </m:e>
+                                <m:sub>
+                                  <m:r>
+                                    <a:rPr lang="it-IT" b="0" i="1" smtClean="0">
+                                      <a:latin typeface="Cambria Math" panose="02040503050406030204" pitchFamily="18" charset="0"/>
+                                    </a:rPr>
+                                    <m:t>𝑖</m:t>
+                                  </m:r>
+                                </m:sub>
+                              </m:sSub>
+                              <m:r>
+                                <a:rPr lang="it-IT" b="0" i="1" smtClean="0">
+                                  <a:latin typeface="Cambria Math" panose="02040503050406030204" pitchFamily="18" charset="0"/>
+                                </a:rPr>
+                                <m:t>−</m:t>
+                              </m:r>
+                              <m:sSub>
+                                <m:sSubPr>
+                                  <m:ctrlPr>
+                                    <a:rPr lang="it-IT" b="0" i="1" smtClean="0">
+                                      <a:latin typeface="Cambria Math" panose="02040503050406030204" pitchFamily="18" charset="0"/>
+                                    </a:rPr>
+                                  </m:ctrlPr>
+                                </m:sSubPr>
+                                <m:e>
+                                  <m:r>
+                                    <a:rPr lang="it-IT" b="0" i="1" smtClean="0">
+                                      <a:latin typeface="Cambria Math" panose="02040503050406030204" pitchFamily="18" charset="0"/>
+                                    </a:rPr>
+                                    <m:t>𝜇</m:t>
+                                  </m:r>
+                                </m:e>
+                                <m:sub>
+                                  <m:r>
+                                    <a:rPr lang="it-IT" b="0" i="1" smtClean="0">
+                                      <a:latin typeface="Cambria Math" panose="02040503050406030204" pitchFamily="18" charset="0"/>
+                                    </a:rPr>
+                                    <m:t>𝑌</m:t>
+                                  </m:r>
+                                </m:sub>
+                              </m:sSub>
+                              <m:r>
+                                <a:rPr lang="it-IT" b="0" i="1" smtClean="0">
+                                  <a:latin typeface="Cambria Math" panose="02040503050406030204" pitchFamily="18" charset="0"/>
+                                </a:rPr>
+                                <m:t>)</m:t>
+                              </m:r>
+                            </m:e>
+                          </m:nary>
+                        </m:num>
+                        <m:den>
+                          <m:rad>
+                            <m:radPr>
+                              <m:degHide m:val="on"/>
+                              <m:ctrlPr>
+                                <a:rPr lang="it-IT" b="0" i="1" smtClean="0">
+                                  <a:latin typeface="Cambria Math" panose="02040503050406030204" pitchFamily="18" charset="0"/>
+                                </a:rPr>
+                              </m:ctrlPr>
+                            </m:radPr>
+                            <m:deg/>
+                            <m:e>
+                              <m:sSubSup>
+                                <m:sSubSupPr>
+                                  <m:ctrlPr>
+                                    <a:rPr lang="it-IT" b="0" i="1" smtClean="0">
+                                      <a:latin typeface="Cambria Math" panose="02040503050406030204" pitchFamily="18" charset="0"/>
+                                    </a:rPr>
+                                  </m:ctrlPr>
+                                </m:sSubSupPr>
+                                <m:e>
+                                  <m:r>
+                                    <a:rPr lang="it-IT" b="0" i="1" smtClean="0">
+                                      <a:latin typeface="Cambria Math" panose="02040503050406030204" pitchFamily="18" charset="0"/>
+                                    </a:rPr>
+                                    <m:t>𝜎</m:t>
+                                  </m:r>
+                                </m:e>
+                                <m:sub>
+                                  <m:r>
+                                    <a:rPr lang="it-IT" b="0" i="1" smtClean="0">
+                                      <a:latin typeface="Cambria Math" panose="02040503050406030204" pitchFamily="18" charset="0"/>
+                                    </a:rPr>
+                                    <m:t>𝑋</m:t>
+                                  </m:r>
+                                </m:sub>
+                                <m:sup>
+                                  <m:r>
+                                    <a:rPr lang="it-IT" b="0" i="1" smtClean="0">
+                                      <a:latin typeface="Cambria Math" panose="02040503050406030204" pitchFamily="18" charset="0"/>
+                                    </a:rPr>
+                                    <m:t>2</m:t>
+                                  </m:r>
+                                </m:sup>
+                              </m:sSubSup>
+                              <m:r>
+                                <a:rPr lang="it-IT" b="0" i="1" smtClean="0">
+                                  <a:latin typeface="Cambria Math" panose="02040503050406030204" pitchFamily="18" charset="0"/>
+                                </a:rPr>
+                                <m:t>⋅</m:t>
+                              </m:r>
+                              <m:sSubSup>
+                                <m:sSubSupPr>
+                                  <m:ctrlPr>
+                                    <a:rPr lang="it-IT" b="0" i="1" smtClean="0">
+                                      <a:latin typeface="Cambria Math" panose="02040503050406030204" pitchFamily="18" charset="0"/>
+                                    </a:rPr>
+                                  </m:ctrlPr>
+                                </m:sSubSupPr>
+                                <m:e>
+                                  <m:r>
+                                    <a:rPr lang="it-IT" b="0" i="1" smtClean="0">
+                                      <a:latin typeface="Cambria Math" panose="02040503050406030204" pitchFamily="18" charset="0"/>
+                                    </a:rPr>
+                                    <m:t>𝜎</m:t>
+                                  </m:r>
+                                </m:e>
+                                <m:sub>
+                                  <m:r>
+                                    <a:rPr lang="it-IT" b="0" i="1" smtClean="0">
+                                      <a:latin typeface="Cambria Math" panose="02040503050406030204" pitchFamily="18" charset="0"/>
+                                    </a:rPr>
+                                    <m:t>𝑌</m:t>
+                                  </m:r>
+                                </m:sub>
+                                <m:sup>
+                                  <m:r>
+                                    <a:rPr lang="it-IT" b="0" i="1" smtClean="0">
+                                      <a:latin typeface="Cambria Math" panose="02040503050406030204" pitchFamily="18" charset="0"/>
+                                    </a:rPr>
+                                    <m:t>2</m:t>
+                                  </m:r>
+                                </m:sup>
+                              </m:sSubSup>
+                            </m:e>
+                          </m:rad>
+                        </m:den>
+                      </m:f>
+                      <m:r>
+                        <a:rPr lang="it-IT" b="0" i="1" smtClean="0">
+                          <a:latin typeface="Cambria Math" panose="02040503050406030204" pitchFamily="18" charset="0"/>
+                        </a:rPr>
+                        <m:t>.</m:t>
+                      </m:r>
+                    </m:oMath>
+                  </m:oMathPara>
+                </a14:m>
+                <a:endParaRPr lang="it-IT" dirty="0"/>
+              </a:p>
+              <a:p>
+                <a:pPr marL="0" indent="0">
+                  <a:buNone/>
+                </a:pPr>
+                <a:endParaRPr lang="it-IT" dirty="0"/>
+              </a:p>
+              <a:p>
+                <a14:m>
+                  <m:oMath xmlns:m="http://schemas.openxmlformats.org/officeDocument/2006/math">
+                    <m:sSub>
+                      <m:sSubPr>
+                        <m:ctrlPr>
+                          <a:rPr lang="it-IT" i="1" smtClean="0">
+                            <a:latin typeface="Cambria Math" panose="02040503050406030204" pitchFamily="18" charset="0"/>
+                          </a:rPr>
+                        </m:ctrlPr>
+                      </m:sSubPr>
+                      <m:e>
+                        <m:r>
+                          <a:rPr lang="it-IT" b="0" i="1" smtClean="0">
+                            <a:latin typeface="Cambria Math" panose="02040503050406030204" pitchFamily="18" charset="0"/>
+                          </a:rPr>
+                          <m:t>𝜌</m:t>
+                        </m:r>
+                      </m:e>
+                      <m:sub>
+                        <m:r>
+                          <a:rPr lang="it-IT" b="0" i="1" smtClean="0">
+                            <a:latin typeface="Cambria Math" panose="02040503050406030204" pitchFamily="18" charset="0"/>
+                          </a:rPr>
+                          <m:t>𝑋</m:t>
+                        </m:r>
+                        <m:r>
+                          <a:rPr lang="it-IT" b="0" i="1" smtClean="0">
+                            <a:latin typeface="Cambria Math" panose="02040503050406030204" pitchFamily="18" charset="0"/>
+                          </a:rPr>
+                          <m:t>,</m:t>
+                        </m:r>
+                        <m:r>
+                          <a:rPr lang="it-IT" b="0" i="1" smtClean="0">
+                            <a:latin typeface="Cambria Math" panose="02040503050406030204" pitchFamily="18" charset="0"/>
+                          </a:rPr>
+                          <m:t>𝑌</m:t>
+                        </m:r>
+                      </m:sub>
+                    </m:sSub>
+                  </m:oMath>
+                </a14:m>
+                <a:r>
+                  <a:rPr lang="it-IT" dirty="0"/>
+                  <a:t> assume valori nell’intervallo </a:t>
+                </a:r>
+                <a14:m>
+                  <m:oMath xmlns:m="http://schemas.openxmlformats.org/officeDocument/2006/math">
+                    <m:r>
+                      <a:rPr lang="it-IT" b="0" i="1" smtClean="0">
+                        <a:latin typeface="Cambria Math" panose="02040503050406030204" pitchFamily="18" charset="0"/>
+                      </a:rPr>
+                      <m:t>[−1, 1]</m:t>
+                    </m:r>
+                  </m:oMath>
+                </a14:m>
+                <a:r>
+                  <a:rPr lang="it-IT" dirty="0"/>
+                  <a:t> dove:</a:t>
+                </a:r>
+                <a:br>
+                  <a:rPr lang="it-IT" dirty="0"/>
+                </a:br>
+                <a:endParaRPr lang="it-IT" sz="1200" dirty="0"/>
+              </a:p>
+              <a:p>
+                <a:pPr lvl="1">
+                  <a:buFont typeface="Wingdings" panose="05000000000000000000" pitchFamily="2" charset="2"/>
+                  <a:buChar char="Ø"/>
+                </a:pPr>
+                <a14:m>
+                  <m:oMath xmlns:m="http://schemas.openxmlformats.org/officeDocument/2006/math">
+                    <m:r>
+                      <a:rPr lang="it-IT" b="0" i="1" smtClean="0">
+                        <a:latin typeface="Cambria Math" panose="02040503050406030204" pitchFamily="18" charset="0"/>
+                      </a:rPr>
+                      <m:t>−1</m:t>
+                    </m:r>
+                  </m:oMath>
+                </a14:m>
+                <a:r>
+                  <a:rPr lang="it-IT" dirty="0"/>
+                  <a:t> indica una perfetta relazione lineare negativa;</a:t>
+                </a:r>
+                <a:br>
+                  <a:rPr lang="it-IT" dirty="0"/>
+                </a:br>
+                <a:endParaRPr lang="it-IT" sz="1000" dirty="0"/>
+              </a:p>
+              <a:p>
+                <a:pPr lvl="1">
+                  <a:buFont typeface="Wingdings" panose="05000000000000000000" pitchFamily="2" charset="2"/>
+                  <a:buChar char="Ø"/>
+                </a:pPr>
+                <a14:m>
+                  <m:oMath xmlns:m="http://schemas.openxmlformats.org/officeDocument/2006/math">
+                    <m:r>
+                      <a:rPr lang="it-IT" b="0" i="1" smtClean="0">
+                        <a:latin typeface="Cambria Math" panose="02040503050406030204" pitchFamily="18" charset="0"/>
+                      </a:rPr>
+                      <m:t>0</m:t>
+                    </m:r>
+                  </m:oMath>
+                </a14:m>
+                <a:r>
+                  <a:rPr lang="it-IT" dirty="0"/>
+                  <a:t> indica assenza di legame </a:t>
+                </a:r>
+                <a:r>
+                  <a:rPr lang="it-IT" b="1" dirty="0">
+                    <a:solidFill>
+                      <a:srgbClr val="C00000"/>
+                    </a:solidFill>
+                  </a:rPr>
+                  <a:t>lineare</a:t>
+                </a:r>
+                <a:r>
+                  <a:rPr lang="it-IT" dirty="0"/>
+                  <a:t>;</a:t>
+                </a:r>
+                <a:br>
+                  <a:rPr lang="it-IT" dirty="0"/>
+                </a:br>
+                <a:endParaRPr lang="it-IT" sz="1000" dirty="0"/>
+              </a:p>
+              <a:p>
+                <a:pPr lvl="1">
+                  <a:buFont typeface="Wingdings" panose="05000000000000000000" pitchFamily="2" charset="2"/>
+                  <a:buChar char="Ø"/>
+                </a:pPr>
+                <a14:m>
+                  <m:oMath xmlns:m="http://schemas.openxmlformats.org/officeDocument/2006/math">
+                    <m:r>
+                      <a:rPr lang="it-IT" b="0" i="1" smtClean="0">
+                        <a:latin typeface="Cambria Math" panose="02040503050406030204" pitchFamily="18" charset="0"/>
+                      </a:rPr>
+                      <m:t>1</m:t>
+                    </m:r>
+                  </m:oMath>
+                </a14:m>
+                <a:r>
+                  <a:rPr lang="it-IT" dirty="0"/>
+                  <a:t> indica una perfetta relazione lineare positiva.</a:t>
+                </a:r>
+              </a:p>
+            </p:txBody>
+          </p:sp>
+        </mc:Choice>
+        <mc:Fallback>
+          <p:sp>
+            <p:nvSpPr>
+              <p:cNvPr id="3" name="Segnaposto contenuto 2">
+                <a:extLst>
+                  <a:ext uri="{FF2B5EF4-FFF2-40B4-BE49-F238E27FC236}">
+                    <a16:creationId xmlns:a16="http://schemas.microsoft.com/office/drawing/2014/main" id="{483ADF91-8F43-A85F-CE22-0131D7713F68}"/>
+                  </a:ext>
+                </a:extLst>
+              </p:cNvPr>
+              <p:cNvSpPr>
+                <a:spLocks noGrp="1" noRot="1" noChangeAspect="1" noMove="1" noResize="1" noEditPoints="1" noAdjustHandles="1" noChangeArrowheads="1" noChangeShapeType="1" noTextEdit="1"/>
+              </p:cNvSpPr>
+              <p:nvPr>
+                <p:ph idx="1"/>
+              </p:nvPr>
+            </p:nvSpPr>
+            <p:spPr>
+              <a:xfrm>
+                <a:off x="838200" y="1185544"/>
+                <a:ext cx="10515600" cy="5462143"/>
+              </a:xfrm>
+              <a:blipFill>
+                <a:blip r:embed="rId2"/>
+                <a:stretch>
+                  <a:fillRect l="-1043" t="-1674"/>
+                </a:stretch>
+              </a:blipFill>
+            </p:spPr>
+            <p:txBody>
+              <a:bodyPr/>
+              <a:lstStyle/>
+              <a:p>
+                <a:r>
+                  <a:rPr lang="it-IT">
+                    <a:noFill/>
+                  </a:rPr>
+                  <a:t> </a:t>
+                </a:r>
+              </a:p>
+            </p:txBody>
+          </p:sp>
+        </mc:Fallback>
+      </mc:AlternateContent>
     </p:spTree>
     <p:extLst>
       <p:ext uri="{BB962C8B-B14F-4D97-AF65-F5344CB8AC3E}">
-        <p14:creationId xmlns:p14="http://schemas.microsoft.com/office/powerpoint/2010/main" val="4013241099"/>
+        <p14:creationId xmlns:p14="http://schemas.microsoft.com/office/powerpoint/2010/main" val="3281788937"/>
       </p:ext>
     </p:extLst>
   </p:cSld>
@@ -8445,6 +9295,1365 @@
 </p:sld>
 </file>
 
+<file path=ppt/slides/slide20.xml><?xml version="1.0" encoding="utf-8"?>
+<p:sld xmlns:a="http://schemas.openxmlformats.org/drawingml/2006/main" xmlns:r="http://schemas.openxmlformats.org/officeDocument/2006/relationships" xmlns:p="http://schemas.openxmlformats.org/presentationml/2006/main">
+  <p:cSld>
+    <p:spTree>
+      <p:nvGrpSpPr>
+        <p:cNvPr id="1" name=""/>
+        <p:cNvGrpSpPr/>
+        <p:nvPr/>
+      </p:nvGrpSpPr>
+      <p:grpSpPr>
+        <a:xfrm>
+          <a:off x="0" y="0"/>
+          <a:ext cx="0" cy="0"/>
+          <a:chOff x="0" y="0"/>
+          <a:chExt cx="0" cy="0"/>
+        </a:xfrm>
+      </p:grpSpPr>
+      <p:sp>
+        <p:nvSpPr>
+          <p:cNvPr id="2" name="Titolo 1">
+            <a:extLst>
+              <a:ext uri="{FF2B5EF4-FFF2-40B4-BE49-F238E27FC236}">
+                <a16:creationId xmlns:a16="http://schemas.microsoft.com/office/drawing/2014/main" id="{2420F350-364E-1877-C1A3-125AD06D1A07}"/>
+              </a:ext>
+            </a:extLst>
+          </p:cNvPr>
+          <p:cNvSpPr>
+            <a:spLocks noGrp="1"/>
+          </p:cNvSpPr>
+          <p:nvPr>
+            <p:ph type="title"/>
+          </p:nvPr>
+        </p:nvSpPr>
+        <p:spPr>
+          <a:xfrm>
+            <a:off x="838200" y="0"/>
+            <a:ext cx="10515600" cy="1325563"/>
+          </a:xfrm>
+        </p:spPr>
+        <p:txBody>
+          <a:bodyPr/>
+          <a:lstStyle/>
+          <a:p>
+            <a:r>
+              <a:rPr lang="it-IT" dirty="0"/>
+              <a:t>Coefficiente di correlazione lineare</a:t>
+            </a:r>
+          </a:p>
+        </p:txBody>
+      </p:sp>
+      <p:pic>
+        <p:nvPicPr>
+          <p:cNvPr id="7" name="Immagine 6">
+            <a:extLst>
+              <a:ext uri="{FF2B5EF4-FFF2-40B4-BE49-F238E27FC236}">
+                <a16:creationId xmlns:a16="http://schemas.microsoft.com/office/drawing/2014/main" id="{78148FA5-D8A9-2601-226D-A60990778697}"/>
+              </a:ext>
+            </a:extLst>
+          </p:cNvPr>
+          <p:cNvPicPr>
+            <a:picLocks noChangeAspect="1"/>
+          </p:cNvPicPr>
+          <p:nvPr/>
+        </p:nvPicPr>
+        <p:blipFill>
+          <a:blip r:embed="rId2"/>
+          <a:stretch>
+            <a:fillRect/>
+          </a:stretch>
+        </p:blipFill>
+        <p:spPr>
+          <a:xfrm>
+            <a:off x="941522" y="1237196"/>
+            <a:ext cx="10412278" cy="1457528"/>
+          </a:xfrm>
+          <a:prstGeom prst="rect">
+            <a:avLst/>
+          </a:prstGeom>
+        </p:spPr>
+      </p:pic>
+      <p:pic>
+        <p:nvPicPr>
+          <p:cNvPr id="9" name="Immagine 8">
+            <a:extLst>
+              <a:ext uri="{FF2B5EF4-FFF2-40B4-BE49-F238E27FC236}">
+                <a16:creationId xmlns:a16="http://schemas.microsoft.com/office/drawing/2014/main" id="{8EDBE607-D883-FFE2-8C01-F1E28E963EAB}"/>
+              </a:ext>
+            </a:extLst>
+          </p:cNvPr>
+          <p:cNvPicPr>
+            <a:picLocks noChangeAspect="1"/>
+          </p:cNvPicPr>
+          <p:nvPr/>
+        </p:nvPicPr>
+        <p:blipFill>
+          <a:blip r:embed="rId3"/>
+          <a:stretch>
+            <a:fillRect/>
+          </a:stretch>
+        </p:blipFill>
+        <p:spPr>
+          <a:xfrm>
+            <a:off x="941522" y="3200479"/>
+            <a:ext cx="10469436" cy="1590897"/>
+          </a:xfrm>
+          <a:prstGeom prst="rect">
+            <a:avLst/>
+          </a:prstGeom>
+        </p:spPr>
+      </p:pic>
+      <p:pic>
+        <p:nvPicPr>
+          <p:cNvPr id="11" name="Immagine 10">
+            <a:extLst>
+              <a:ext uri="{FF2B5EF4-FFF2-40B4-BE49-F238E27FC236}">
+                <a16:creationId xmlns:a16="http://schemas.microsoft.com/office/drawing/2014/main" id="{B612669C-7A19-A0F9-9F01-D52D70CD93A4}"/>
+              </a:ext>
+            </a:extLst>
+          </p:cNvPr>
+          <p:cNvPicPr>
+            <a:picLocks noChangeAspect="1"/>
+          </p:cNvPicPr>
+          <p:nvPr/>
+        </p:nvPicPr>
+        <p:blipFill>
+          <a:blip r:embed="rId4"/>
+          <a:stretch>
+            <a:fillRect/>
+          </a:stretch>
+        </p:blipFill>
+        <p:spPr>
+          <a:xfrm>
+            <a:off x="1027259" y="5169115"/>
+            <a:ext cx="10383699" cy="1457528"/>
+          </a:xfrm>
+          <a:prstGeom prst="rect">
+            <a:avLst/>
+          </a:prstGeom>
+        </p:spPr>
+      </p:pic>
+      <p:cxnSp>
+        <p:nvCxnSpPr>
+          <p:cNvPr id="13" name="Connettore diritto 12">
+            <a:extLst>
+              <a:ext uri="{FF2B5EF4-FFF2-40B4-BE49-F238E27FC236}">
+                <a16:creationId xmlns:a16="http://schemas.microsoft.com/office/drawing/2014/main" id="{0E150E73-FCD5-0BF9-C185-3236D223FEDE}"/>
+              </a:ext>
+            </a:extLst>
+          </p:cNvPr>
+          <p:cNvCxnSpPr/>
+          <p:nvPr/>
+        </p:nvCxnSpPr>
+        <p:spPr>
+          <a:xfrm>
+            <a:off x="521208" y="2962656"/>
+            <a:ext cx="11457432" cy="0"/>
+          </a:xfrm>
+          <a:prstGeom prst="line">
+            <a:avLst/>
+          </a:prstGeom>
+        </p:spPr>
+        <p:style>
+          <a:lnRef idx="2">
+            <a:schemeClr val="dk1"/>
+          </a:lnRef>
+          <a:fillRef idx="0">
+            <a:schemeClr val="dk1"/>
+          </a:fillRef>
+          <a:effectRef idx="1">
+            <a:schemeClr val="dk1"/>
+          </a:effectRef>
+          <a:fontRef idx="minor">
+            <a:schemeClr val="tx1"/>
+          </a:fontRef>
+        </p:style>
+      </p:cxnSp>
+      <p:cxnSp>
+        <p:nvCxnSpPr>
+          <p:cNvPr id="14" name="Connettore diritto 13">
+            <a:extLst>
+              <a:ext uri="{FF2B5EF4-FFF2-40B4-BE49-F238E27FC236}">
+                <a16:creationId xmlns:a16="http://schemas.microsoft.com/office/drawing/2014/main" id="{028FCF07-C9E4-F676-8845-35F3DD7E3244}"/>
+              </a:ext>
+            </a:extLst>
+          </p:cNvPr>
+          <p:cNvCxnSpPr/>
+          <p:nvPr/>
+        </p:nvCxnSpPr>
+        <p:spPr>
+          <a:xfrm>
+            <a:off x="609290" y="5017008"/>
+            <a:ext cx="11457432" cy="0"/>
+          </a:xfrm>
+          <a:prstGeom prst="line">
+            <a:avLst/>
+          </a:prstGeom>
+        </p:spPr>
+        <p:style>
+          <a:lnRef idx="2">
+            <a:schemeClr val="dk1"/>
+          </a:lnRef>
+          <a:fillRef idx="0">
+            <a:schemeClr val="dk1"/>
+          </a:fillRef>
+          <a:effectRef idx="1">
+            <a:schemeClr val="dk1"/>
+          </a:effectRef>
+          <a:fontRef idx="minor">
+            <a:schemeClr val="tx1"/>
+          </a:fontRef>
+        </p:style>
+      </p:cxnSp>
+    </p:spTree>
+    <p:extLst>
+      <p:ext uri="{BB962C8B-B14F-4D97-AF65-F5344CB8AC3E}">
+        <p14:creationId xmlns:p14="http://schemas.microsoft.com/office/powerpoint/2010/main" val="1254765468"/>
+      </p:ext>
+    </p:extLst>
+  </p:cSld>
+  <p:clrMapOvr>
+    <a:masterClrMapping/>
+  </p:clrMapOvr>
+</p:sld>
+</file>
+
+<file path=ppt/slides/slide21.xml><?xml version="1.0" encoding="utf-8"?>
+<p:sld xmlns:a="http://schemas.openxmlformats.org/drawingml/2006/main" xmlns:r="http://schemas.openxmlformats.org/officeDocument/2006/relationships" xmlns:p="http://schemas.openxmlformats.org/presentationml/2006/main">
+  <p:cSld>
+    <p:spTree>
+      <p:nvGrpSpPr>
+        <p:cNvPr id="1" name=""/>
+        <p:cNvGrpSpPr/>
+        <p:nvPr/>
+      </p:nvGrpSpPr>
+      <p:grpSpPr>
+        <a:xfrm>
+          <a:off x="0" y="0"/>
+          <a:ext cx="0" cy="0"/>
+          <a:chOff x="0" y="0"/>
+          <a:chExt cx="0" cy="0"/>
+        </a:xfrm>
+      </p:grpSpPr>
+      <p:sp>
+        <p:nvSpPr>
+          <p:cNvPr id="2" name="Titolo 1">
+            <a:extLst>
+              <a:ext uri="{FF2B5EF4-FFF2-40B4-BE49-F238E27FC236}">
+                <a16:creationId xmlns:a16="http://schemas.microsoft.com/office/drawing/2014/main" id="{D759B64D-F3AB-4D86-6FF9-E8966128465F}"/>
+              </a:ext>
+            </a:extLst>
+          </p:cNvPr>
+          <p:cNvSpPr>
+            <a:spLocks noGrp="1"/>
+          </p:cNvSpPr>
+          <p:nvPr>
+            <p:ph type="title"/>
+          </p:nvPr>
+        </p:nvSpPr>
+        <p:spPr>
+          <a:xfrm>
+            <a:off x="838200" y="18255"/>
+            <a:ext cx="10515600" cy="1325563"/>
+          </a:xfrm>
+        </p:spPr>
+        <p:txBody>
+          <a:bodyPr/>
+          <a:lstStyle/>
+          <a:p>
+            <a:r>
+              <a:rPr lang="it-IT" dirty="0"/>
+              <a:t>Retta dei Minimi Quadrati</a:t>
+            </a:r>
+          </a:p>
+        </p:txBody>
+      </p:sp>
+      <mc:AlternateContent xmlns:mc="http://schemas.openxmlformats.org/markup-compatibility/2006">
+        <mc:Choice xmlns:a14="http://schemas.microsoft.com/office/drawing/2010/main" Requires="a14">
+          <p:sp>
+            <p:nvSpPr>
+              <p:cNvPr id="3" name="Segnaposto contenuto 2">
+                <a:extLst>
+                  <a:ext uri="{FF2B5EF4-FFF2-40B4-BE49-F238E27FC236}">
+                    <a16:creationId xmlns:a16="http://schemas.microsoft.com/office/drawing/2014/main" id="{9A429608-71A7-8451-8B04-AB187E6EF559}"/>
+                  </a:ext>
+                </a:extLst>
+              </p:cNvPr>
+              <p:cNvSpPr>
+                <a:spLocks noGrp="1"/>
+              </p:cNvSpPr>
+              <p:nvPr>
+                <p:ph idx="1"/>
+              </p:nvPr>
+            </p:nvSpPr>
+            <p:spPr>
+              <a:xfrm>
+                <a:off x="838200" y="1066672"/>
+                <a:ext cx="10515600" cy="5599303"/>
+              </a:xfrm>
+            </p:spPr>
+            <p:txBody>
+              <a:bodyPr/>
+              <a:lstStyle/>
+              <a:p>
+                <a:r>
+                  <a:rPr lang="it-IT" dirty="0"/>
+                  <a:t>Si tratta di quella retta </a:t>
+                </a:r>
+                <a14:m>
+                  <m:oMath xmlns:m="http://schemas.openxmlformats.org/officeDocument/2006/math">
+                    <m:r>
+                      <a:rPr lang="it-IT" b="0" i="1" smtClean="0">
+                        <a:solidFill>
+                          <a:srgbClr val="C00000"/>
+                        </a:solidFill>
+                        <a:latin typeface="Cambria Math" panose="02040503050406030204" pitchFamily="18" charset="0"/>
+                      </a:rPr>
+                      <m:t>𝑦</m:t>
+                    </m:r>
+                    <m:r>
+                      <a:rPr lang="it-IT" b="0" i="1" smtClean="0">
+                        <a:solidFill>
+                          <a:srgbClr val="C00000"/>
+                        </a:solidFill>
+                        <a:latin typeface="Cambria Math" panose="02040503050406030204" pitchFamily="18" charset="0"/>
+                      </a:rPr>
+                      <m:t>=</m:t>
+                    </m:r>
+                    <m:r>
+                      <a:rPr lang="it-IT" b="0" i="1" smtClean="0">
+                        <a:solidFill>
+                          <a:srgbClr val="C00000"/>
+                        </a:solidFill>
+                        <a:latin typeface="Cambria Math" panose="02040503050406030204" pitchFamily="18" charset="0"/>
+                      </a:rPr>
+                      <m:t>𝑎</m:t>
+                    </m:r>
+                    <m:r>
+                      <a:rPr lang="it-IT" b="0" i="1" smtClean="0">
+                        <a:solidFill>
+                          <a:srgbClr val="C00000"/>
+                        </a:solidFill>
+                        <a:latin typeface="Cambria Math" panose="02040503050406030204" pitchFamily="18" charset="0"/>
+                      </a:rPr>
+                      <m:t>+</m:t>
+                    </m:r>
+                    <m:r>
+                      <a:rPr lang="it-IT" b="0" i="1" smtClean="0">
+                        <a:solidFill>
+                          <a:srgbClr val="C00000"/>
+                        </a:solidFill>
+                        <a:latin typeface="Cambria Math" panose="02040503050406030204" pitchFamily="18" charset="0"/>
+                      </a:rPr>
+                      <m:t>𝑏𝑥</m:t>
+                    </m:r>
+                  </m:oMath>
+                </a14:m>
+                <a:r>
+                  <a:rPr lang="it-IT" dirty="0">
+                    <a:solidFill>
+                      <a:srgbClr val="C00000"/>
+                    </a:solidFill>
+                  </a:rPr>
+                  <a:t> </a:t>
+                </a:r>
+                <a:r>
+                  <a:rPr lang="it-IT" dirty="0"/>
+                  <a:t>che meglio approssima la relazione tra le variabili </a:t>
+                </a:r>
+                <a14:m>
+                  <m:oMath xmlns:m="http://schemas.openxmlformats.org/officeDocument/2006/math">
+                    <m:r>
+                      <a:rPr lang="it-IT" b="0" i="1" smtClean="0">
+                        <a:latin typeface="Cambria Math" panose="02040503050406030204" pitchFamily="18" charset="0"/>
+                      </a:rPr>
+                      <m:t>𝑋</m:t>
+                    </m:r>
+                  </m:oMath>
+                </a14:m>
+                <a:r>
+                  <a:rPr lang="it-IT" dirty="0"/>
+                  <a:t> e </a:t>
+                </a:r>
+                <a14:m>
+                  <m:oMath xmlns:m="http://schemas.openxmlformats.org/officeDocument/2006/math">
+                    <m:r>
+                      <a:rPr lang="it-IT" b="0" i="1" smtClean="0">
+                        <a:latin typeface="Cambria Math" panose="02040503050406030204" pitchFamily="18" charset="0"/>
+                      </a:rPr>
+                      <m:t>𝑌</m:t>
+                    </m:r>
+                  </m:oMath>
+                </a14:m>
+                <a:r>
+                  <a:rPr lang="it-IT" dirty="0"/>
+                  <a:t>. </a:t>
+                </a:r>
+              </a:p>
+              <a:p>
+                <a:r>
+                  <a:rPr lang="it-IT" dirty="0"/>
+                  <a:t>Si trovano quei valori </a:t>
+                </a:r>
+                <a14:m>
+                  <m:oMath xmlns:m="http://schemas.openxmlformats.org/officeDocument/2006/math">
+                    <m:r>
+                      <a:rPr lang="it-IT" b="0" i="1" smtClean="0">
+                        <a:latin typeface="Cambria Math" panose="02040503050406030204" pitchFamily="18" charset="0"/>
+                      </a:rPr>
+                      <m:t>𝑎</m:t>
+                    </m:r>
+                  </m:oMath>
+                </a14:m>
+                <a:r>
+                  <a:rPr lang="it-IT" dirty="0"/>
+                  <a:t> e </a:t>
+                </a:r>
+                <a14:m>
+                  <m:oMath xmlns:m="http://schemas.openxmlformats.org/officeDocument/2006/math">
+                    <m:r>
+                      <a:rPr lang="it-IT" b="0" i="1" smtClean="0">
+                        <a:latin typeface="Cambria Math" panose="02040503050406030204" pitchFamily="18" charset="0"/>
+                      </a:rPr>
+                      <m:t>𝑏</m:t>
+                    </m:r>
+                  </m:oMath>
+                </a14:m>
+                <a:r>
+                  <a:rPr lang="it-IT" dirty="0"/>
+                  <a:t> che minimizzano la seguente quantità:</a:t>
+                </a:r>
+              </a:p>
+              <a:p>
+                <a:pPr marL="0" indent="0">
+                  <a:buNone/>
+                </a:pPr>
+                <a14:m>
+                  <m:oMathPara xmlns:m="http://schemas.openxmlformats.org/officeDocument/2006/math">
+                    <m:oMathParaPr>
+                      <m:jc m:val="centerGroup"/>
+                    </m:oMathParaPr>
+                    <m:oMath xmlns:m="http://schemas.openxmlformats.org/officeDocument/2006/math">
+                      <m:r>
+                        <a:rPr lang="it-IT" b="0" i="1" smtClean="0">
+                          <a:latin typeface="Cambria Math" panose="02040503050406030204" pitchFamily="18" charset="0"/>
+                        </a:rPr>
+                        <m:t>𝑄</m:t>
+                      </m:r>
+                      <m:d>
+                        <m:dPr>
+                          <m:ctrlPr>
+                            <a:rPr lang="it-IT" b="0" i="1" smtClean="0">
+                              <a:latin typeface="Cambria Math" panose="02040503050406030204" pitchFamily="18" charset="0"/>
+                            </a:rPr>
+                          </m:ctrlPr>
+                        </m:dPr>
+                        <m:e>
+                          <m:r>
+                            <a:rPr lang="it-IT" b="0" i="1" smtClean="0">
+                              <a:latin typeface="Cambria Math" panose="02040503050406030204" pitchFamily="18" charset="0"/>
+                            </a:rPr>
+                            <m:t>𝑎</m:t>
+                          </m:r>
+                          <m:r>
+                            <a:rPr lang="it-IT" b="0" i="1" smtClean="0">
+                              <a:latin typeface="Cambria Math" panose="02040503050406030204" pitchFamily="18" charset="0"/>
+                            </a:rPr>
+                            <m:t>,</m:t>
+                          </m:r>
+                          <m:r>
+                            <a:rPr lang="it-IT" b="0" i="1" smtClean="0">
+                              <a:latin typeface="Cambria Math" panose="02040503050406030204" pitchFamily="18" charset="0"/>
+                            </a:rPr>
+                            <m:t>𝑏</m:t>
+                          </m:r>
+                        </m:e>
+                      </m:d>
+                      <m:r>
+                        <a:rPr lang="it-IT" b="0" i="1" smtClean="0">
+                          <a:latin typeface="Cambria Math" panose="02040503050406030204" pitchFamily="18" charset="0"/>
+                        </a:rPr>
+                        <m:t>=</m:t>
+                      </m:r>
+                      <m:nary>
+                        <m:naryPr>
+                          <m:chr m:val="∑"/>
+                          <m:ctrlPr>
+                            <a:rPr lang="it-IT" b="0" i="1" smtClean="0">
+                              <a:latin typeface="Cambria Math" panose="02040503050406030204" pitchFamily="18" charset="0"/>
+                            </a:rPr>
+                          </m:ctrlPr>
+                        </m:naryPr>
+                        <m:sub>
+                          <m:r>
+                            <m:rPr>
+                              <m:brk m:alnAt="23"/>
+                            </m:rPr>
+                            <a:rPr lang="it-IT" b="0" i="1" smtClean="0">
+                              <a:latin typeface="Cambria Math" panose="02040503050406030204" pitchFamily="18" charset="0"/>
+                            </a:rPr>
+                            <m:t>𝑖</m:t>
+                          </m:r>
+                          <m:r>
+                            <a:rPr lang="it-IT" b="0" i="1" smtClean="0">
+                              <a:latin typeface="Cambria Math" panose="02040503050406030204" pitchFamily="18" charset="0"/>
+                            </a:rPr>
+                            <m:t>=1</m:t>
+                          </m:r>
+                        </m:sub>
+                        <m:sup>
+                          <m:r>
+                            <a:rPr lang="it-IT" b="0" i="1" smtClean="0">
+                              <a:latin typeface="Cambria Math" panose="02040503050406030204" pitchFamily="18" charset="0"/>
+                            </a:rPr>
+                            <m:t>𝑁</m:t>
+                          </m:r>
+                        </m:sup>
+                        <m:e>
+                          <m:sSup>
+                            <m:sSupPr>
+                              <m:ctrlPr>
+                                <a:rPr lang="it-IT" b="0" i="1" smtClean="0">
+                                  <a:latin typeface="Cambria Math" panose="02040503050406030204" pitchFamily="18" charset="0"/>
+                                </a:rPr>
+                              </m:ctrlPr>
+                            </m:sSupPr>
+                            <m:e>
+                              <m:d>
+                                <m:dPr>
+                                  <m:begChr m:val="["/>
+                                  <m:endChr m:val="]"/>
+                                  <m:ctrlPr>
+                                    <a:rPr lang="it-IT" b="0" i="1" smtClean="0">
+                                      <a:latin typeface="Cambria Math" panose="02040503050406030204" pitchFamily="18" charset="0"/>
+                                    </a:rPr>
+                                  </m:ctrlPr>
+                                </m:dPr>
+                                <m:e>
+                                  <m:sSub>
+                                    <m:sSubPr>
+                                      <m:ctrlPr>
+                                        <a:rPr lang="it-IT" b="0" i="1" smtClean="0">
+                                          <a:latin typeface="Cambria Math" panose="02040503050406030204" pitchFamily="18" charset="0"/>
+                                        </a:rPr>
+                                      </m:ctrlPr>
+                                    </m:sSubPr>
+                                    <m:e>
+                                      <m:r>
+                                        <a:rPr lang="it-IT" b="0" i="1" smtClean="0">
+                                          <a:latin typeface="Cambria Math" panose="02040503050406030204" pitchFamily="18" charset="0"/>
+                                        </a:rPr>
+                                        <m:t>𝑦</m:t>
+                                      </m:r>
+                                    </m:e>
+                                    <m:sub>
+                                      <m:r>
+                                        <a:rPr lang="it-IT" b="0" i="1" smtClean="0">
+                                          <a:latin typeface="Cambria Math" panose="02040503050406030204" pitchFamily="18" charset="0"/>
+                                        </a:rPr>
+                                        <m:t>𝑖</m:t>
+                                      </m:r>
+                                    </m:sub>
+                                  </m:sSub>
+                                  <m:r>
+                                    <a:rPr lang="it-IT" b="0" i="1" smtClean="0">
+                                      <a:latin typeface="Cambria Math" panose="02040503050406030204" pitchFamily="18" charset="0"/>
+                                    </a:rPr>
+                                    <m:t>−(</m:t>
+                                  </m:r>
+                                  <m:r>
+                                    <a:rPr lang="it-IT" b="0" i="1" smtClean="0">
+                                      <a:latin typeface="Cambria Math" panose="02040503050406030204" pitchFamily="18" charset="0"/>
+                                    </a:rPr>
+                                    <m:t>𝑎</m:t>
+                                  </m:r>
+                                  <m:r>
+                                    <a:rPr lang="it-IT" b="0" i="1" smtClean="0">
+                                      <a:latin typeface="Cambria Math" panose="02040503050406030204" pitchFamily="18" charset="0"/>
+                                    </a:rPr>
+                                    <m:t>+</m:t>
+                                  </m:r>
+                                  <m:r>
+                                    <a:rPr lang="it-IT" b="0" i="1" smtClean="0">
+                                      <a:latin typeface="Cambria Math" panose="02040503050406030204" pitchFamily="18" charset="0"/>
+                                    </a:rPr>
+                                    <m:t>𝑏</m:t>
+                                  </m:r>
+                                  <m:sSub>
+                                    <m:sSubPr>
+                                      <m:ctrlPr>
+                                        <a:rPr lang="it-IT" b="0" i="1" smtClean="0">
+                                          <a:latin typeface="Cambria Math" panose="02040503050406030204" pitchFamily="18" charset="0"/>
+                                        </a:rPr>
+                                      </m:ctrlPr>
+                                    </m:sSubPr>
+                                    <m:e>
+                                      <m:r>
+                                        <a:rPr lang="it-IT" b="0" i="1" smtClean="0">
+                                          <a:latin typeface="Cambria Math" panose="02040503050406030204" pitchFamily="18" charset="0"/>
+                                        </a:rPr>
+                                        <m:t>𝑥</m:t>
+                                      </m:r>
+                                    </m:e>
+                                    <m:sub>
+                                      <m:r>
+                                        <a:rPr lang="it-IT" b="0" i="1" smtClean="0">
+                                          <a:latin typeface="Cambria Math" panose="02040503050406030204" pitchFamily="18" charset="0"/>
+                                        </a:rPr>
+                                        <m:t>𝑖</m:t>
+                                      </m:r>
+                                    </m:sub>
+                                  </m:sSub>
+                                  <m:r>
+                                    <a:rPr lang="it-IT" b="0" i="1" smtClean="0">
+                                      <a:latin typeface="Cambria Math" panose="02040503050406030204" pitchFamily="18" charset="0"/>
+                                    </a:rPr>
+                                    <m:t>)</m:t>
+                                  </m:r>
+                                </m:e>
+                              </m:d>
+                            </m:e>
+                            <m:sup>
+                              <m:r>
+                                <a:rPr lang="it-IT" b="0" i="1" smtClean="0">
+                                  <a:latin typeface="Cambria Math" panose="02040503050406030204" pitchFamily="18" charset="0"/>
+                                </a:rPr>
+                                <m:t>2</m:t>
+                              </m:r>
+                            </m:sup>
+                          </m:sSup>
+                          <m:r>
+                            <a:rPr lang="it-IT" b="0" i="1" smtClean="0">
+                              <a:latin typeface="Cambria Math" panose="02040503050406030204" pitchFamily="18" charset="0"/>
+                            </a:rPr>
+                            <m:t>.</m:t>
+                          </m:r>
+                        </m:e>
+                      </m:nary>
+                    </m:oMath>
+                  </m:oMathPara>
+                </a14:m>
+                <a:endParaRPr lang="it-IT" dirty="0"/>
+              </a:p>
+              <a:p>
+                <a:pPr marL="0" indent="0">
+                  <a:buNone/>
+                </a:pPr>
+                <a:endParaRPr lang="it-IT" sz="1000" dirty="0"/>
+              </a:p>
+              <a:p>
+                <a14:m>
+                  <m:oMath xmlns:m="http://schemas.openxmlformats.org/officeDocument/2006/math">
+                    <m:r>
+                      <a:rPr lang="it-IT" b="0" i="1" smtClean="0">
+                        <a:latin typeface="Cambria Math" panose="02040503050406030204" pitchFamily="18" charset="0"/>
+                      </a:rPr>
+                      <m:t>𝑏</m:t>
+                    </m:r>
+                    <m:r>
+                      <a:rPr lang="it-IT" b="0" i="1" smtClean="0">
+                        <a:latin typeface="Cambria Math" panose="02040503050406030204" pitchFamily="18" charset="0"/>
+                      </a:rPr>
+                      <m:t>=</m:t>
+                    </m:r>
+                    <m:f>
+                      <m:fPr>
+                        <m:ctrlPr>
+                          <a:rPr lang="it-IT" b="0" i="1" smtClean="0">
+                            <a:latin typeface="Cambria Math" panose="02040503050406030204" pitchFamily="18" charset="0"/>
+                          </a:rPr>
+                        </m:ctrlPr>
+                      </m:fPr>
+                      <m:num>
+                        <m:f>
+                          <m:fPr>
+                            <m:ctrlPr>
+                              <a:rPr lang="it-IT" i="1">
+                                <a:latin typeface="Cambria Math" panose="02040503050406030204" pitchFamily="18" charset="0"/>
+                              </a:rPr>
+                            </m:ctrlPr>
+                          </m:fPr>
+                          <m:num>
+                            <m:r>
+                              <a:rPr lang="it-IT" i="1">
+                                <a:latin typeface="Cambria Math" panose="02040503050406030204" pitchFamily="18" charset="0"/>
+                              </a:rPr>
+                              <m:t>1</m:t>
+                            </m:r>
+                          </m:num>
+                          <m:den>
+                            <m:r>
+                              <a:rPr lang="it-IT" i="1">
+                                <a:latin typeface="Cambria Math" panose="02040503050406030204" pitchFamily="18" charset="0"/>
+                              </a:rPr>
+                              <m:t>𝑁</m:t>
+                            </m:r>
+                          </m:den>
+                        </m:f>
+                        <m:nary>
+                          <m:naryPr>
+                            <m:chr m:val="∑"/>
+                            <m:ctrlPr>
+                              <a:rPr lang="it-IT" i="1">
+                                <a:latin typeface="Cambria Math" panose="02040503050406030204" pitchFamily="18" charset="0"/>
+                              </a:rPr>
+                            </m:ctrlPr>
+                          </m:naryPr>
+                          <m:sub>
+                            <m:r>
+                              <m:rPr>
+                                <m:brk m:alnAt="23"/>
+                              </m:rPr>
+                              <a:rPr lang="it-IT" i="1">
+                                <a:latin typeface="Cambria Math" panose="02040503050406030204" pitchFamily="18" charset="0"/>
+                              </a:rPr>
+                              <m:t>𝑖</m:t>
+                            </m:r>
+                            <m:r>
+                              <a:rPr lang="it-IT" i="1">
+                                <a:latin typeface="Cambria Math" panose="02040503050406030204" pitchFamily="18" charset="0"/>
+                              </a:rPr>
+                              <m:t>=1</m:t>
+                            </m:r>
+                          </m:sub>
+                          <m:sup>
+                            <m:r>
+                              <a:rPr lang="it-IT" i="1">
+                                <a:latin typeface="Cambria Math" panose="02040503050406030204" pitchFamily="18" charset="0"/>
+                              </a:rPr>
+                              <m:t>𝑁</m:t>
+                            </m:r>
+                          </m:sup>
+                          <m:e>
+                            <m:r>
+                              <a:rPr lang="it-IT" i="1">
+                                <a:latin typeface="Cambria Math" panose="02040503050406030204" pitchFamily="18" charset="0"/>
+                              </a:rPr>
+                              <m:t>(</m:t>
+                            </m:r>
+                            <m:sSub>
+                              <m:sSubPr>
+                                <m:ctrlPr>
+                                  <a:rPr lang="it-IT" i="1">
+                                    <a:latin typeface="Cambria Math" panose="02040503050406030204" pitchFamily="18" charset="0"/>
+                                  </a:rPr>
+                                </m:ctrlPr>
+                              </m:sSubPr>
+                              <m:e>
+                                <m:r>
+                                  <a:rPr lang="it-IT" i="1">
+                                    <a:latin typeface="Cambria Math" panose="02040503050406030204" pitchFamily="18" charset="0"/>
+                                  </a:rPr>
+                                  <m:t>𝑥</m:t>
+                                </m:r>
+                              </m:e>
+                              <m:sub>
+                                <m:r>
+                                  <a:rPr lang="it-IT" i="1">
+                                    <a:latin typeface="Cambria Math" panose="02040503050406030204" pitchFamily="18" charset="0"/>
+                                  </a:rPr>
+                                  <m:t>𝑖</m:t>
+                                </m:r>
+                              </m:sub>
+                            </m:sSub>
+                            <m:r>
+                              <a:rPr lang="it-IT" i="1">
+                                <a:latin typeface="Cambria Math" panose="02040503050406030204" pitchFamily="18" charset="0"/>
+                              </a:rPr>
+                              <m:t>−</m:t>
+                            </m:r>
+                            <m:sSub>
+                              <m:sSubPr>
+                                <m:ctrlPr>
+                                  <a:rPr lang="it-IT" i="1">
+                                    <a:latin typeface="Cambria Math" panose="02040503050406030204" pitchFamily="18" charset="0"/>
+                                  </a:rPr>
+                                </m:ctrlPr>
+                              </m:sSubPr>
+                              <m:e>
+                                <m:r>
+                                  <a:rPr lang="it-IT" i="1">
+                                    <a:latin typeface="Cambria Math" panose="02040503050406030204" pitchFamily="18" charset="0"/>
+                                  </a:rPr>
+                                  <m:t>𝜇</m:t>
+                                </m:r>
+                              </m:e>
+                              <m:sub>
+                                <m:r>
+                                  <a:rPr lang="it-IT" i="1">
+                                    <a:latin typeface="Cambria Math" panose="02040503050406030204" pitchFamily="18" charset="0"/>
+                                  </a:rPr>
+                                  <m:t>𝑋</m:t>
+                                </m:r>
+                              </m:sub>
+                            </m:sSub>
+                            <m:r>
+                              <a:rPr lang="it-IT" i="1">
+                                <a:latin typeface="Cambria Math" panose="02040503050406030204" pitchFamily="18" charset="0"/>
+                              </a:rPr>
+                              <m:t>)(</m:t>
+                            </m:r>
+                            <m:sSub>
+                              <m:sSubPr>
+                                <m:ctrlPr>
+                                  <a:rPr lang="it-IT" i="1">
+                                    <a:latin typeface="Cambria Math" panose="02040503050406030204" pitchFamily="18" charset="0"/>
+                                  </a:rPr>
+                                </m:ctrlPr>
+                              </m:sSubPr>
+                              <m:e>
+                                <m:r>
+                                  <a:rPr lang="it-IT" i="1">
+                                    <a:latin typeface="Cambria Math" panose="02040503050406030204" pitchFamily="18" charset="0"/>
+                                  </a:rPr>
+                                  <m:t>𝑦</m:t>
+                                </m:r>
+                              </m:e>
+                              <m:sub>
+                                <m:r>
+                                  <a:rPr lang="it-IT" i="1">
+                                    <a:latin typeface="Cambria Math" panose="02040503050406030204" pitchFamily="18" charset="0"/>
+                                  </a:rPr>
+                                  <m:t>𝑖</m:t>
+                                </m:r>
+                              </m:sub>
+                            </m:sSub>
+                            <m:r>
+                              <a:rPr lang="it-IT" i="1">
+                                <a:latin typeface="Cambria Math" panose="02040503050406030204" pitchFamily="18" charset="0"/>
+                              </a:rPr>
+                              <m:t>−</m:t>
+                            </m:r>
+                            <m:sSub>
+                              <m:sSubPr>
+                                <m:ctrlPr>
+                                  <a:rPr lang="it-IT" i="1">
+                                    <a:latin typeface="Cambria Math" panose="02040503050406030204" pitchFamily="18" charset="0"/>
+                                  </a:rPr>
+                                </m:ctrlPr>
+                              </m:sSubPr>
+                              <m:e>
+                                <m:r>
+                                  <a:rPr lang="it-IT" i="1">
+                                    <a:latin typeface="Cambria Math" panose="02040503050406030204" pitchFamily="18" charset="0"/>
+                                  </a:rPr>
+                                  <m:t>𝜇</m:t>
+                                </m:r>
+                              </m:e>
+                              <m:sub>
+                                <m:r>
+                                  <a:rPr lang="it-IT" i="1">
+                                    <a:latin typeface="Cambria Math" panose="02040503050406030204" pitchFamily="18" charset="0"/>
+                                  </a:rPr>
+                                  <m:t>𝑌</m:t>
+                                </m:r>
+                              </m:sub>
+                            </m:sSub>
+                            <m:r>
+                              <a:rPr lang="it-IT" i="1">
+                                <a:latin typeface="Cambria Math" panose="02040503050406030204" pitchFamily="18" charset="0"/>
+                              </a:rPr>
+                              <m:t>)</m:t>
+                            </m:r>
+                          </m:e>
+                        </m:nary>
+                      </m:num>
+                      <m:den>
+                        <m:sSubSup>
+                          <m:sSubSupPr>
+                            <m:ctrlPr>
+                              <a:rPr lang="it-IT" b="0" i="1" smtClean="0">
+                                <a:latin typeface="Cambria Math" panose="02040503050406030204" pitchFamily="18" charset="0"/>
+                              </a:rPr>
+                            </m:ctrlPr>
+                          </m:sSubSupPr>
+                          <m:e>
+                            <m:r>
+                              <a:rPr lang="it-IT" b="0" i="1" smtClean="0">
+                                <a:latin typeface="Cambria Math" panose="02040503050406030204" pitchFamily="18" charset="0"/>
+                              </a:rPr>
+                              <m:t>𝜎</m:t>
+                            </m:r>
+                          </m:e>
+                          <m:sub>
+                            <m:r>
+                              <a:rPr lang="it-IT" b="0" i="1" smtClean="0">
+                                <a:latin typeface="Cambria Math" panose="02040503050406030204" pitchFamily="18" charset="0"/>
+                              </a:rPr>
+                              <m:t>𝑋</m:t>
+                            </m:r>
+                          </m:sub>
+                          <m:sup>
+                            <m:r>
+                              <a:rPr lang="it-IT" b="0" i="1" smtClean="0">
+                                <a:latin typeface="Cambria Math" panose="02040503050406030204" pitchFamily="18" charset="0"/>
+                              </a:rPr>
+                              <m:t>2</m:t>
+                            </m:r>
+                          </m:sup>
+                        </m:sSubSup>
+                      </m:den>
+                    </m:f>
+                  </m:oMath>
+                </a14:m>
+                <a:endParaRPr lang="it-IT" dirty="0"/>
+              </a:p>
+              <a:p>
+                <a:endParaRPr lang="it-IT" sz="100" dirty="0"/>
+              </a:p>
+              <a:p>
+                <a14:m>
+                  <m:oMath xmlns:m="http://schemas.openxmlformats.org/officeDocument/2006/math">
+                    <m:r>
+                      <a:rPr lang="it-IT" b="0" i="1" smtClean="0">
+                        <a:latin typeface="Cambria Math" panose="02040503050406030204" pitchFamily="18" charset="0"/>
+                      </a:rPr>
+                      <m:t>𝑎</m:t>
+                    </m:r>
+                    <m:r>
+                      <a:rPr lang="it-IT" b="0" i="1" smtClean="0">
+                        <a:latin typeface="Cambria Math" panose="02040503050406030204" pitchFamily="18" charset="0"/>
+                      </a:rPr>
+                      <m:t>=</m:t>
+                    </m:r>
+                    <m:sSub>
+                      <m:sSubPr>
+                        <m:ctrlPr>
+                          <a:rPr lang="it-IT" b="0" i="1" smtClean="0">
+                            <a:latin typeface="Cambria Math" panose="02040503050406030204" pitchFamily="18" charset="0"/>
+                          </a:rPr>
+                        </m:ctrlPr>
+                      </m:sSubPr>
+                      <m:e>
+                        <m:r>
+                          <a:rPr lang="it-IT" b="0" i="1" smtClean="0">
+                            <a:latin typeface="Cambria Math" panose="02040503050406030204" pitchFamily="18" charset="0"/>
+                          </a:rPr>
+                          <m:t>𝜇</m:t>
+                        </m:r>
+                      </m:e>
+                      <m:sub>
+                        <m:r>
+                          <a:rPr lang="it-IT" b="0" i="1" smtClean="0">
+                            <a:latin typeface="Cambria Math" panose="02040503050406030204" pitchFamily="18" charset="0"/>
+                          </a:rPr>
+                          <m:t>𝑌</m:t>
+                        </m:r>
+                      </m:sub>
+                    </m:sSub>
+                    <m:r>
+                      <a:rPr lang="it-IT" b="0" i="1" smtClean="0">
+                        <a:latin typeface="Cambria Math" panose="02040503050406030204" pitchFamily="18" charset="0"/>
+                      </a:rPr>
+                      <m:t>−</m:t>
+                    </m:r>
+                    <m:r>
+                      <a:rPr lang="it-IT" b="0" i="1" smtClean="0">
+                        <a:latin typeface="Cambria Math" panose="02040503050406030204" pitchFamily="18" charset="0"/>
+                      </a:rPr>
+                      <m:t>𝑏</m:t>
+                    </m:r>
+                    <m:r>
+                      <a:rPr lang="it-IT" b="0" i="1" smtClean="0">
+                        <a:latin typeface="Cambria Math" panose="02040503050406030204" pitchFamily="18" charset="0"/>
+                      </a:rPr>
+                      <m:t> </m:t>
+                    </m:r>
+                    <m:sSub>
+                      <m:sSubPr>
+                        <m:ctrlPr>
+                          <a:rPr lang="it-IT" b="0" i="1" smtClean="0">
+                            <a:latin typeface="Cambria Math" panose="02040503050406030204" pitchFamily="18" charset="0"/>
+                          </a:rPr>
+                        </m:ctrlPr>
+                      </m:sSubPr>
+                      <m:e>
+                        <m:r>
+                          <a:rPr lang="it-IT" b="0" i="1" smtClean="0">
+                            <a:latin typeface="Cambria Math" panose="02040503050406030204" pitchFamily="18" charset="0"/>
+                          </a:rPr>
+                          <m:t>𝜇</m:t>
+                        </m:r>
+                      </m:e>
+                      <m:sub>
+                        <m:r>
+                          <a:rPr lang="it-IT" b="0" i="1" smtClean="0">
+                            <a:latin typeface="Cambria Math" panose="02040503050406030204" pitchFamily="18" charset="0"/>
+                          </a:rPr>
+                          <m:t>𝑋</m:t>
+                        </m:r>
+                      </m:sub>
+                    </m:sSub>
+                  </m:oMath>
+                </a14:m>
+                <a:endParaRPr lang="it-IT" dirty="0"/>
+              </a:p>
+            </p:txBody>
+          </p:sp>
+        </mc:Choice>
+        <mc:Fallback>
+          <p:sp>
+            <p:nvSpPr>
+              <p:cNvPr id="3" name="Segnaposto contenuto 2">
+                <a:extLst>
+                  <a:ext uri="{FF2B5EF4-FFF2-40B4-BE49-F238E27FC236}">
+                    <a16:creationId xmlns:a16="http://schemas.microsoft.com/office/drawing/2014/main" id="{9A429608-71A7-8451-8B04-AB187E6EF559}"/>
+                  </a:ext>
+                </a:extLst>
+              </p:cNvPr>
+              <p:cNvSpPr>
+                <a:spLocks noGrp="1" noRot="1" noChangeAspect="1" noMove="1" noResize="1" noEditPoints="1" noAdjustHandles="1" noChangeArrowheads="1" noChangeShapeType="1" noTextEdit="1"/>
+              </p:cNvSpPr>
+              <p:nvPr>
+                <p:ph idx="1"/>
+              </p:nvPr>
+            </p:nvSpPr>
+            <p:spPr>
+              <a:xfrm>
+                <a:off x="838200" y="1066672"/>
+                <a:ext cx="10515600" cy="5599303"/>
+              </a:xfrm>
+              <a:blipFill>
+                <a:blip r:embed="rId2"/>
+                <a:stretch>
+                  <a:fillRect l="-1043" t="-1961"/>
+                </a:stretch>
+              </a:blipFill>
+            </p:spPr>
+            <p:txBody>
+              <a:bodyPr/>
+              <a:lstStyle/>
+              <a:p>
+                <a:r>
+                  <a:rPr lang="it-IT">
+                    <a:noFill/>
+                  </a:rPr>
+                  <a:t> </a:t>
+                </a:r>
+              </a:p>
+            </p:txBody>
+          </p:sp>
+        </mc:Fallback>
+      </mc:AlternateContent>
+    </p:spTree>
+    <p:extLst>
+      <p:ext uri="{BB962C8B-B14F-4D97-AF65-F5344CB8AC3E}">
+        <p14:creationId xmlns:p14="http://schemas.microsoft.com/office/powerpoint/2010/main" val="210105899"/>
+      </p:ext>
+    </p:extLst>
+  </p:cSld>
+  <p:clrMapOvr>
+    <a:masterClrMapping/>
+  </p:clrMapOvr>
+</p:sld>
+</file>
+
+<file path=ppt/slides/slide22.xml><?xml version="1.0" encoding="utf-8"?>
+<p:sld xmlns:a="http://schemas.openxmlformats.org/drawingml/2006/main" xmlns:r="http://schemas.openxmlformats.org/officeDocument/2006/relationships" xmlns:p="http://schemas.openxmlformats.org/presentationml/2006/main">
+  <p:cSld>
+    <p:spTree>
+      <p:nvGrpSpPr>
+        <p:cNvPr id="1" name=""/>
+        <p:cNvGrpSpPr/>
+        <p:nvPr/>
+      </p:nvGrpSpPr>
+      <p:grpSpPr>
+        <a:xfrm>
+          <a:off x="0" y="0"/>
+          <a:ext cx="0" cy="0"/>
+          <a:chOff x="0" y="0"/>
+          <a:chExt cx="0" cy="0"/>
+        </a:xfrm>
+      </p:grpSpPr>
+      <p:sp>
+        <p:nvSpPr>
+          <p:cNvPr id="2" name="Titolo 1">
+            <a:extLst>
+              <a:ext uri="{FF2B5EF4-FFF2-40B4-BE49-F238E27FC236}">
+                <a16:creationId xmlns:a16="http://schemas.microsoft.com/office/drawing/2014/main" id="{0EB54A2C-22DA-724E-9EED-BD7D3D7A9BE4}"/>
+              </a:ext>
+            </a:extLst>
+          </p:cNvPr>
+          <p:cNvSpPr>
+            <a:spLocks noGrp="1"/>
+          </p:cNvSpPr>
+          <p:nvPr>
+            <p:ph type="title"/>
+          </p:nvPr>
+        </p:nvSpPr>
+        <p:spPr>
+          <a:xfrm>
+            <a:off x="838200" y="0"/>
+            <a:ext cx="10515600" cy="1325563"/>
+          </a:xfrm>
+        </p:spPr>
+        <p:txBody>
+          <a:bodyPr/>
+          <a:lstStyle/>
+          <a:p>
+            <a:r>
+              <a:rPr lang="it-IT" dirty="0"/>
+              <a:t>Retta dei Minimi Quadrati</a:t>
+            </a:r>
+          </a:p>
+        </p:txBody>
+      </p:sp>
+      <p:pic>
+        <p:nvPicPr>
+          <p:cNvPr id="1026" name="Picture 2">
+            <a:extLst>
+              <a:ext uri="{FF2B5EF4-FFF2-40B4-BE49-F238E27FC236}">
+                <a16:creationId xmlns:a16="http://schemas.microsoft.com/office/drawing/2014/main" id="{E859948A-B0E9-E5FC-1C0B-4EDC7E713B6A}"/>
+              </a:ext>
+            </a:extLst>
+          </p:cNvPr>
+          <p:cNvPicPr>
+            <a:picLocks noChangeAspect="1" noChangeArrowheads="1"/>
+          </p:cNvPicPr>
+          <p:nvPr/>
+        </p:nvPicPr>
+        <p:blipFill rotWithShape="1">
+          <a:blip r:embed="rId2">
+            <a:extLst>
+              <a:ext uri="{28A0092B-C50C-407E-A947-70E740481C1C}">
+                <a14:useLocalDpi xmlns:a14="http://schemas.microsoft.com/office/drawing/2010/main" val="0"/>
+              </a:ext>
+            </a:extLst>
+          </a:blip>
+          <a:srcRect t="6810"/>
+          <a:stretch/>
+        </p:blipFill>
+        <p:spPr bwMode="auto">
+          <a:xfrm>
+            <a:off x="2310002" y="1563307"/>
+            <a:ext cx="6888861" cy="4986956"/>
+          </a:xfrm>
+          <a:prstGeom prst="rect">
+            <a:avLst/>
+          </a:prstGeom>
+          <a:noFill/>
+          <a:extLst>
+            <a:ext uri="{909E8E84-426E-40DD-AFC4-6F175D3DCCD1}">
+              <a14:hiddenFill xmlns:a14="http://schemas.microsoft.com/office/drawing/2010/main">
+                <a:solidFill>
+                  <a:srgbClr val="FFFFFF"/>
+                </a:solidFill>
+              </a14:hiddenFill>
+            </a:ext>
+          </a:extLst>
+        </p:spPr>
+      </p:pic>
+    </p:spTree>
+    <p:extLst>
+      <p:ext uri="{BB962C8B-B14F-4D97-AF65-F5344CB8AC3E}">
+        <p14:creationId xmlns:p14="http://schemas.microsoft.com/office/powerpoint/2010/main" val="124722610"/>
+      </p:ext>
+    </p:extLst>
+  </p:cSld>
+  <p:clrMapOvr>
+    <a:masterClrMapping/>
+  </p:clrMapOvr>
+</p:sld>
+</file>
+
+<file path=ppt/slides/slide23.xml><?xml version="1.0" encoding="utf-8"?>
+<p:sld xmlns:a="http://schemas.openxmlformats.org/drawingml/2006/main" xmlns:r="http://schemas.openxmlformats.org/officeDocument/2006/relationships" xmlns:p="http://schemas.openxmlformats.org/presentationml/2006/main">
+  <p:cSld>
+    <p:spTree>
+      <p:nvGrpSpPr>
+        <p:cNvPr id="1" name=""/>
+        <p:cNvGrpSpPr/>
+        <p:nvPr/>
+      </p:nvGrpSpPr>
+      <p:grpSpPr>
+        <a:xfrm>
+          <a:off x="0" y="0"/>
+          <a:ext cx="0" cy="0"/>
+          <a:chOff x="0" y="0"/>
+          <a:chExt cx="0" cy="0"/>
+        </a:xfrm>
+      </p:grpSpPr>
+      <p:sp>
+        <p:nvSpPr>
+          <p:cNvPr id="2" name="Titolo 1">
+            <a:extLst>
+              <a:ext uri="{FF2B5EF4-FFF2-40B4-BE49-F238E27FC236}">
+                <a16:creationId xmlns:a16="http://schemas.microsoft.com/office/drawing/2014/main" id="{344B8799-E9C0-4B0C-AE2D-1F63B2C10052}"/>
+              </a:ext>
+            </a:extLst>
+          </p:cNvPr>
+          <p:cNvSpPr>
+            <a:spLocks noGrp="1"/>
+          </p:cNvSpPr>
+          <p:nvPr>
+            <p:ph type="title"/>
+          </p:nvPr>
+        </p:nvSpPr>
+        <p:spPr>
+          <a:xfrm>
+            <a:off x="838199" y="18255"/>
+            <a:ext cx="10515600" cy="1325563"/>
+          </a:xfrm>
+        </p:spPr>
+        <p:txBody>
+          <a:bodyPr/>
+          <a:lstStyle/>
+          <a:p>
+            <a:r>
+              <a:rPr lang="it-IT" dirty="0"/>
+              <a:t>Tipologia punti</a:t>
+            </a:r>
+          </a:p>
+        </p:txBody>
+      </p:sp>
+      <p:pic>
+        <p:nvPicPr>
+          <p:cNvPr id="5" name="Segnaposto contenuto 4">
+            <a:extLst>
+              <a:ext uri="{FF2B5EF4-FFF2-40B4-BE49-F238E27FC236}">
+                <a16:creationId xmlns:a16="http://schemas.microsoft.com/office/drawing/2014/main" id="{83904F76-3F7A-4744-A9FD-E0BC5F1FE866}"/>
+              </a:ext>
+            </a:extLst>
+          </p:cNvPr>
+          <p:cNvPicPr>
+            <a:picLocks noGrp="1" noChangeAspect="1"/>
+          </p:cNvPicPr>
+          <p:nvPr>
+            <p:ph idx="1"/>
+          </p:nvPr>
+        </p:nvPicPr>
+        <p:blipFill>
+          <a:blip r:embed="rId2">
+            <a:extLst>
+              <a:ext uri="{28A0092B-C50C-407E-A947-70E740481C1C}">
+                <a14:useLocalDpi xmlns:a14="http://schemas.microsoft.com/office/drawing/2010/main" val="0"/>
+              </a:ext>
+            </a:extLst>
+          </a:blip>
+          <a:stretch>
+            <a:fillRect/>
+          </a:stretch>
+        </p:blipFill>
+        <p:spPr>
+          <a:xfrm>
+            <a:off x="2928578" y="1343818"/>
+            <a:ext cx="5826932" cy="5240193"/>
+          </a:xfrm>
+        </p:spPr>
+      </p:pic>
+    </p:spTree>
+    <p:extLst>
+      <p:ext uri="{BB962C8B-B14F-4D97-AF65-F5344CB8AC3E}">
+        <p14:creationId xmlns:p14="http://schemas.microsoft.com/office/powerpoint/2010/main" val="1330872198"/>
+      </p:ext>
+    </p:extLst>
+  </p:cSld>
+  <p:clrMapOvr>
+    <a:masterClrMapping/>
+  </p:clrMapOvr>
+</p:sld>
+</file>
+
+<file path=ppt/slides/slide24.xml><?xml version="1.0" encoding="utf-8"?>
+<p:sld xmlns:a="http://schemas.openxmlformats.org/drawingml/2006/main" xmlns:r="http://schemas.openxmlformats.org/officeDocument/2006/relationships" xmlns:p="http://schemas.openxmlformats.org/presentationml/2006/main">
+  <p:cSld>
+    <p:spTree>
+      <p:nvGrpSpPr>
+        <p:cNvPr id="1" name=""/>
+        <p:cNvGrpSpPr/>
+        <p:nvPr/>
+      </p:nvGrpSpPr>
+      <p:grpSpPr>
+        <a:xfrm>
+          <a:off x="0" y="0"/>
+          <a:ext cx="0" cy="0"/>
+          <a:chOff x="0" y="0"/>
+          <a:chExt cx="0" cy="0"/>
+        </a:xfrm>
+      </p:grpSpPr>
+      <p:sp>
+        <p:nvSpPr>
+          <p:cNvPr id="2" name="Titolo 1">
+            <a:extLst>
+              <a:ext uri="{FF2B5EF4-FFF2-40B4-BE49-F238E27FC236}">
+                <a16:creationId xmlns:a16="http://schemas.microsoft.com/office/drawing/2014/main" id="{CCF94974-FB81-4E10-8BD2-CDD527C268AF}"/>
+              </a:ext>
+            </a:extLst>
+          </p:cNvPr>
+          <p:cNvSpPr>
+            <a:spLocks noGrp="1"/>
+          </p:cNvSpPr>
+          <p:nvPr>
+            <p:ph type="title"/>
+          </p:nvPr>
+        </p:nvSpPr>
+        <p:spPr>
+          <a:xfrm>
+            <a:off x="838200" y="18255"/>
+            <a:ext cx="10515600" cy="1325563"/>
+          </a:xfrm>
+        </p:spPr>
+        <p:txBody>
+          <a:bodyPr/>
+          <a:lstStyle/>
+          <a:p>
+            <a:r>
+              <a:rPr lang="it-IT" dirty="0"/>
+              <a:t>Tipologia linee</a:t>
+            </a:r>
+          </a:p>
+        </p:txBody>
+      </p:sp>
+      <p:pic>
+        <p:nvPicPr>
+          <p:cNvPr id="5" name="Segnaposto contenuto 4">
+            <a:extLst>
+              <a:ext uri="{FF2B5EF4-FFF2-40B4-BE49-F238E27FC236}">
+                <a16:creationId xmlns:a16="http://schemas.microsoft.com/office/drawing/2014/main" id="{415170CA-291C-4C8F-BE03-58F537A41A17}"/>
+              </a:ext>
+            </a:extLst>
+          </p:cNvPr>
+          <p:cNvPicPr>
+            <a:picLocks noGrp="1" noChangeAspect="1"/>
+          </p:cNvPicPr>
+          <p:nvPr>
+            <p:ph idx="1"/>
+          </p:nvPr>
+        </p:nvPicPr>
+        <p:blipFill>
+          <a:blip r:embed="rId2">
+            <a:extLst>
+              <a:ext uri="{28A0092B-C50C-407E-A947-70E740481C1C}">
+                <a14:useLocalDpi xmlns:a14="http://schemas.microsoft.com/office/drawing/2010/main" val="0"/>
+              </a:ext>
+            </a:extLst>
+          </a:blip>
+          <a:stretch>
+            <a:fillRect/>
+          </a:stretch>
+        </p:blipFill>
+        <p:spPr>
+          <a:xfrm>
+            <a:off x="3350316" y="1343818"/>
+            <a:ext cx="5176167" cy="5176167"/>
+          </a:xfrm>
+        </p:spPr>
+      </p:pic>
+    </p:spTree>
+    <p:extLst>
+      <p:ext uri="{BB962C8B-B14F-4D97-AF65-F5344CB8AC3E}">
+        <p14:creationId xmlns:p14="http://schemas.microsoft.com/office/powerpoint/2010/main" val="4013241099"/>
+      </p:ext>
+    </p:extLst>
+  </p:cSld>
+  <p:clrMapOvr>
+    <a:masterClrMapping/>
+  </p:clrMapOvr>
+</p:sld>
+</file>
+
 <file path=ppt/slides/slide3.xml><?xml version="1.0" encoding="utf-8"?>
 <p:sld xmlns:a="http://schemas.openxmlformats.org/drawingml/2006/main" xmlns:r="http://schemas.openxmlformats.org/officeDocument/2006/relationships" xmlns:p="http://schemas.openxmlformats.org/presentationml/2006/main">
   <p:cSld>
@@ -8495,51 +10704,236 @@
           </a:p>
         </p:txBody>
       </p:sp>
-      <p:sp>
-        <p:nvSpPr>
-          <p:cNvPr id="3" name="Segnaposto contenuto 2">
-            <a:extLst>
-              <a:ext uri="{FF2B5EF4-FFF2-40B4-BE49-F238E27FC236}">
-                <a16:creationId xmlns:a16="http://schemas.microsoft.com/office/drawing/2014/main" id="{4D4950C1-3060-4C90-AB4B-4F698C765677}"/>
-              </a:ext>
-            </a:extLst>
-          </p:cNvPr>
-          <p:cNvSpPr>
-            <a:spLocks noGrp="1"/>
-          </p:cNvSpPr>
-          <p:nvPr>
-            <p:ph idx="1"/>
-          </p:nvPr>
-        </p:nvSpPr>
-        <p:spPr>
-          <a:xfrm>
-            <a:off x="838200" y="1343817"/>
-            <a:ext cx="10515600" cy="5329937"/>
-          </a:xfrm>
-        </p:spPr>
-        <p:txBody>
-          <a:bodyPr/>
-          <a:lstStyle/>
-          <a:p>
-            <a:r>
-              <a:rPr lang="it-IT" dirty="0"/>
-              <a:t>Unità statistica</a:t>
-            </a:r>
-          </a:p>
-          <a:p>
-            <a:r>
-              <a:rPr lang="it-IT" dirty="0"/>
-              <a:t>Variabile</a:t>
-            </a:r>
-          </a:p>
-          <a:p>
-            <a:r>
-              <a:rPr lang="it-IT" dirty="0"/>
-              <a:t>Modalità </a:t>
-            </a:r>
-          </a:p>
-        </p:txBody>
-      </p:sp>
+      <mc:AlternateContent xmlns:mc="http://schemas.openxmlformats.org/markup-compatibility/2006">
+        <mc:Choice xmlns:a14="http://schemas.microsoft.com/office/drawing/2010/main" Requires="a14">
+          <p:sp>
+            <p:nvSpPr>
+              <p:cNvPr id="3" name="Segnaposto contenuto 2">
+                <a:extLst>
+                  <a:ext uri="{FF2B5EF4-FFF2-40B4-BE49-F238E27FC236}">
+                    <a16:creationId xmlns:a16="http://schemas.microsoft.com/office/drawing/2014/main" id="{4D4950C1-3060-4C90-AB4B-4F698C765677}"/>
+                  </a:ext>
+                </a:extLst>
+              </p:cNvPr>
+              <p:cNvSpPr>
+                <a:spLocks noGrp="1"/>
+              </p:cNvSpPr>
+              <p:nvPr>
+                <p:ph idx="1"/>
+              </p:nvPr>
+            </p:nvSpPr>
+            <p:spPr>
+              <a:xfrm>
+                <a:off x="838200" y="1087785"/>
+                <a:ext cx="10515600" cy="5329937"/>
+              </a:xfrm>
+            </p:spPr>
+            <p:txBody>
+              <a:bodyPr/>
+              <a:lstStyle/>
+              <a:p>
+                <a:r>
+                  <a:rPr lang="it-IT" dirty="0">
+                    <a:solidFill>
+                      <a:srgbClr val="C00000"/>
+                    </a:solidFill>
+                  </a:rPr>
+                  <a:t>Popolazione: </a:t>
+                </a:r>
+                <a:r>
+                  <a:rPr lang="it-IT" dirty="0"/>
+                  <a:t>insieme di tutte le entità che siamo interessati a studiare (persone, città, transazioni, rilevazioni, ecc.).</a:t>
+                </a:r>
+                <a:br>
+                  <a:rPr lang="it-IT" dirty="0"/>
+                </a:br>
+                <a:endParaRPr lang="it-IT" sz="1600" dirty="0"/>
+              </a:p>
+              <a:p>
+                <a:r>
+                  <a:rPr lang="it-IT" dirty="0">
+                    <a:solidFill>
+                      <a:srgbClr val="C00000"/>
+                    </a:solidFill>
+                  </a:rPr>
+                  <a:t>Unità statistica: </a:t>
+                </a:r>
+                <a:r>
+                  <a:rPr lang="it-IT" dirty="0"/>
+                  <a:t>singole entità che compongono la popolazione.</a:t>
+                </a:r>
+                <a:br>
+                  <a:rPr lang="it-IT" dirty="0"/>
+                </a:br>
+                <a:endParaRPr lang="it-IT" sz="1600" dirty="0"/>
+              </a:p>
+              <a:p>
+                <a:r>
+                  <a:rPr lang="it-IT" dirty="0">
+                    <a:solidFill>
+                      <a:srgbClr val="C00000"/>
+                    </a:solidFill>
+                  </a:rPr>
+                  <a:t>Variabile: </a:t>
+                </a:r>
+                <a:r>
+                  <a:rPr lang="it-IT" dirty="0"/>
+                  <a:t>caratteristica delle unità statistiche che siamo interessati a studiare. I valori di una variabile tendono a </a:t>
+                </a:r>
+                <a:r>
+                  <a:rPr lang="it-IT" i="1" dirty="0"/>
+                  <a:t>variare</a:t>
+                </a:r>
+                <a:r>
+                  <a:rPr lang="it-IT" dirty="0"/>
+                  <a:t> da una unità statistica all’altra. Le indicheremo con lettere maiuscole: </a:t>
+                </a:r>
+                <a14:m>
+                  <m:oMath xmlns:m="http://schemas.openxmlformats.org/officeDocument/2006/math">
+                    <m:r>
+                      <a:rPr lang="it-IT" b="0" i="1" smtClean="0">
+                        <a:latin typeface="Cambria Math" panose="02040503050406030204" pitchFamily="18" charset="0"/>
+                      </a:rPr>
+                      <m:t>𝑋</m:t>
+                    </m:r>
+                    <m:r>
+                      <a:rPr lang="it-IT" b="0" i="1" smtClean="0">
+                        <a:latin typeface="Cambria Math" panose="02040503050406030204" pitchFamily="18" charset="0"/>
+                      </a:rPr>
+                      <m:t>, </m:t>
+                    </m:r>
+                    <m:r>
+                      <a:rPr lang="it-IT" b="0" i="1" smtClean="0">
+                        <a:latin typeface="Cambria Math" panose="02040503050406030204" pitchFamily="18" charset="0"/>
+                      </a:rPr>
+                      <m:t>𝑌</m:t>
+                    </m:r>
+                  </m:oMath>
+                </a14:m>
+                <a:r>
+                  <a:rPr lang="it-IT" dirty="0"/>
+                  <a:t> e </a:t>
+                </a:r>
+                <a14:m>
+                  <m:oMath xmlns:m="http://schemas.openxmlformats.org/officeDocument/2006/math">
+                    <m:r>
+                      <a:rPr lang="it-IT" b="0" i="1" smtClean="0">
+                        <a:latin typeface="Cambria Math" panose="02040503050406030204" pitchFamily="18" charset="0"/>
+                      </a:rPr>
+                      <m:t>𝑍</m:t>
+                    </m:r>
+                  </m:oMath>
+                </a14:m>
+                <a:r>
+                  <a:rPr lang="it-IT" dirty="0"/>
+                  <a:t>.</a:t>
+                </a:r>
+                <a:br>
+                  <a:rPr lang="it-IT" dirty="0"/>
+                </a:br>
+                <a:endParaRPr lang="it-IT" sz="1600" dirty="0"/>
+              </a:p>
+              <a:p>
+                <a:r>
+                  <a:rPr lang="it-IT" dirty="0">
+                    <a:solidFill>
+                      <a:srgbClr val="C00000"/>
+                    </a:solidFill>
+                  </a:rPr>
+                  <a:t>Modalità: </a:t>
+                </a:r>
+                <a:r>
+                  <a:rPr lang="it-IT" dirty="0"/>
+                  <a:t>sono i valori che le variabili possono assumere. Le indicheremo con lettere maiuscole: </a:t>
+                </a:r>
+                <a14:m>
+                  <m:oMath xmlns:m="http://schemas.openxmlformats.org/officeDocument/2006/math">
+                    <m:r>
+                      <a:rPr lang="it-IT" b="0" i="1" smtClean="0">
+                        <a:latin typeface="Cambria Math" panose="02040503050406030204" pitchFamily="18" charset="0"/>
+                      </a:rPr>
+                      <m:t>𝑥</m:t>
+                    </m:r>
+                    <m:r>
+                      <a:rPr lang="it-IT" b="0" i="1" smtClean="0">
+                        <a:latin typeface="Cambria Math" panose="02040503050406030204" pitchFamily="18" charset="0"/>
+                      </a:rPr>
+                      <m:t>, </m:t>
+                    </m:r>
+                    <m:r>
+                      <a:rPr lang="it-IT" b="0" i="1" smtClean="0">
+                        <a:latin typeface="Cambria Math" panose="02040503050406030204" pitchFamily="18" charset="0"/>
+                      </a:rPr>
+                      <m:t>𝑦</m:t>
+                    </m:r>
+                  </m:oMath>
+                </a14:m>
+                <a:r>
+                  <a:rPr lang="it-IT" dirty="0"/>
+                  <a:t> e </a:t>
+                </a:r>
+                <a14:m>
+                  <m:oMath xmlns:m="http://schemas.openxmlformats.org/officeDocument/2006/math">
+                    <m:r>
+                      <a:rPr lang="it-IT" b="0" i="1" smtClean="0">
+                        <a:latin typeface="Cambria Math" panose="02040503050406030204" pitchFamily="18" charset="0"/>
+                      </a:rPr>
+                      <m:t>𝑧</m:t>
+                    </m:r>
+                  </m:oMath>
+                </a14:m>
+                <a:r>
+                  <a:rPr lang="it-IT" dirty="0"/>
+                  <a:t>.</a:t>
+                </a:r>
+              </a:p>
+            </p:txBody>
+          </p:sp>
+        </mc:Choice>
+        <mc:Fallback>
+          <p:sp>
+            <p:nvSpPr>
+              <p:cNvPr id="3" name="Segnaposto contenuto 2">
+                <a:extLst>
+                  <a:ext uri="{FF2B5EF4-FFF2-40B4-BE49-F238E27FC236}">
+                    <a16:creationId xmlns:a16="http://schemas.microsoft.com/office/drawing/2014/main" id="{4D4950C1-3060-4C90-AB4B-4F698C765677}"/>
+                  </a:ext>
+                </a:extLst>
+              </p:cNvPr>
+              <p:cNvSpPr>
+                <a:spLocks noGrp="1" noRot="1" noChangeAspect="1" noMove="1" noResize="1" noEditPoints="1" noAdjustHandles="1" noChangeArrowheads="1" noChangeShapeType="1" noTextEdit="1"/>
+              </p:cNvSpPr>
+              <p:nvPr>
+                <p:ph idx="1"/>
+              </p:nvPr>
+            </p:nvSpPr>
+            <p:spPr>
+              <a:xfrm>
+                <a:off x="838200" y="1087785"/>
+                <a:ext cx="10515600" cy="5329937"/>
+              </a:xfrm>
+              <a:blipFill>
+                <a:blip r:embed="rId2"/>
+                <a:stretch>
+                  <a:fillRect l="-1043" t="-1943" r="-522"/>
+                </a:stretch>
+              </a:blipFill>
+            </p:spPr>
+            <p:txBody>
+              <a:bodyPr/>
+              <a:lstStyle/>
+              <a:p>
+                <a:r>
+                  <a:rPr lang="it-IT">
+                    <a:noFill/>
+                  </a:rPr>
+                  <a:t> </a:t>
+                </a:r>
+              </a:p>
+            </p:txBody>
+          </p:sp>
+        </mc:Fallback>
+      </mc:AlternateContent>
     </p:spTree>
     <p:extLst>
       <p:ext uri="{BB962C8B-B14F-4D97-AF65-F5344CB8AC3E}">
@@ -8554,6 +10948,315 @@
 </file>
 
 <file path=ppt/slides/slide4.xml><?xml version="1.0" encoding="utf-8"?>
+<p:sld xmlns:a="http://schemas.openxmlformats.org/drawingml/2006/main" xmlns:r="http://schemas.openxmlformats.org/officeDocument/2006/relationships" xmlns:p="http://schemas.openxmlformats.org/presentationml/2006/main">
+  <p:cSld>
+    <p:spTree>
+      <p:nvGrpSpPr>
+        <p:cNvPr id="1" name=""/>
+        <p:cNvGrpSpPr/>
+        <p:nvPr/>
+      </p:nvGrpSpPr>
+      <p:grpSpPr>
+        <a:xfrm>
+          <a:off x="0" y="0"/>
+          <a:ext cx="0" cy="0"/>
+          <a:chOff x="0" y="0"/>
+          <a:chExt cx="0" cy="0"/>
+        </a:xfrm>
+      </p:grpSpPr>
+      <p:sp>
+        <p:nvSpPr>
+          <p:cNvPr id="2" name="Titolo 1">
+            <a:extLst>
+              <a:ext uri="{FF2B5EF4-FFF2-40B4-BE49-F238E27FC236}">
+                <a16:creationId xmlns:a16="http://schemas.microsoft.com/office/drawing/2014/main" id="{778060B0-E088-ABB3-CB7E-3AF3572A7BE9}"/>
+              </a:ext>
+            </a:extLst>
+          </p:cNvPr>
+          <p:cNvSpPr>
+            <a:spLocks noGrp="1"/>
+          </p:cNvSpPr>
+          <p:nvPr>
+            <p:ph type="title"/>
+          </p:nvPr>
+        </p:nvSpPr>
+        <p:spPr>
+          <a:xfrm>
+            <a:off x="838200" y="0"/>
+            <a:ext cx="10515600" cy="1325563"/>
+          </a:xfrm>
+        </p:spPr>
+        <p:txBody>
+          <a:bodyPr/>
+          <a:lstStyle/>
+          <a:p>
+            <a:r>
+              <a:rPr lang="it-IT" dirty="0"/>
+              <a:t>Tipologia di variabili (1)</a:t>
+            </a:r>
+          </a:p>
+        </p:txBody>
+      </p:sp>
+      <p:sp>
+        <p:nvSpPr>
+          <p:cNvPr id="3" name="Segnaposto contenuto 2">
+            <a:extLst>
+              <a:ext uri="{FF2B5EF4-FFF2-40B4-BE49-F238E27FC236}">
+                <a16:creationId xmlns:a16="http://schemas.microsoft.com/office/drawing/2014/main" id="{3967C489-CA3C-62A1-F8A9-9A6CA82077D2}"/>
+              </a:ext>
+            </a:extLst>
+          </p:cNvPr>
+          <p:cNvSpPr>
+            <a:spLocks noGrp="1"/>
+          </p:cNvSpPr>
+          <p:nvPr>
+            <p:ph idx="1"/>
+          </p:nvPr>
+        </p:nvSpPr>
+        <p:spPr>
+          <a:xfrm>
+            <a:off x="838200" y="1067108"/>
+            <a:ext cx="10515600" cy="5681163"/>
+          </a:xfrm>
+        </p:spPr>
+        <p:txBody>
+          <a:bodyPr>
+            <a:normAutofit/>
+          </a:bodyPr>
+          <a:lstStyle/>
+          <a:p>
+            <a:pPr marL="0" indent="0">
+              <a:buNone/>
+            </a:pPr>
+            <a:r>
+              <a:rPr lang="it-IT" dirty="0"/>
+              <a:t>Le variabili possono essere suddivise sulla base delle modalità che possono assumere.</a:t>
+            </a:r>
+          </a:p>
+          <a:p>
+            <a:pPr marL="0" indent="0">
+              <a:buNone/>
+            </a:pPr>
+            <a:endParaRPr lang="it-IT" sz="2000" dirty="0"/>
+          </a:p>
+          <a:p>
+            <a:pPr marL="0" indent="0">
+              <a:buNone/>
+            </a:pPr>
+            <a:r>
+              <a:rPr lang="it-IT" dirty="0"/>
+              <a:t>Variabili quantitative hanno modalità numeriche.</a:t>
+            </a:r>
+            <a:br>
+              <a:rPr lang="it-IT" dirty="0"/>
+            </a:br>
+            <a:endParaRPr lang="it-IT" dirty="0"/>
+          </a:p>
+          <a:p>
+            <a:pPr lvl="1">
+              <a:buFont typeface="Wingdings" panose="05000000000000000000" pitchFamily="2" charset="2"/>
+              <a:buChar char="Ø"/>
+            </a:pPr>
+            <a:r>
+              <a:rPr lang="it-IT" b="1" dirty="0">
+                <a:solidFill>
+                  <a:srgbClr val="C00000"/>
+                </a:solidFill>
+              </a:rPr>
+              <a:t>Quantitative continue:</a:t>
+            </a:r>
+            <a:r>
+              <a:rPr lang="it-IT" dirty="0"/>
+              <a:t> variabili le cui modalità possono assumere qualsiasi valore all'interno di un intervallo reale (es. la temperatura, l'altezza di una persona).</a:t>
+            </a:r>
+          </a:p>
+          <a:p>
+            <a:endParaRPr lang="it-IT" dirty="0"/>
+          </a:p>
+          <a:p>
+            <a:pPr lvl="1">
+              <a:buFont typeface="Wingdings" panose="05000000000000000000" pitchFamily="2" charset="2"/>
+              <a:buChar char="Ø"/>
+            </a:pPr>
+            <a:r>
+              <a:rPr lang="it-IT" b="1" dirty="0">
+                <a:solidFill>
+                  <a:srgbClr val="C00000"/>
+                </a:solidFill>
+              </a:rPr>
+              <a:t>Quantitative discrete:</a:t>
+            </a:r>
+            <a:r>
+              <a:rPr lang="it-IT" dirty="0"/>
+              <a:t> variabili le cui modalità possono assumere solo un numero finito di valori in un intervallo (es. il # di figli in una famiglia, l’età in anni compiuti).</a:t>
+            </a:r>
+          </a:p>
+        </p:txBody>
+      </p:sp>
+    </p:spTree>
+    <p:extLst>
+      <p:ext uri="{BB962C8B-B14F-4D97-AF65-F5344CB8AC3E}">
+        <p14:creationId xmlns:p14="http://schemas.microsoft.com/office/powerpoint/2010/main" val="1642745757"/>
+      </p:ext>
+    </p:extLst>
+  </p:cSld>
+  <p:clrMapOvr>
+    <a:masterClrMapping/>
+  </p:clrMapOvr>
+</p:sld>
+</file>
+
+<file path=ppt/slides/slide5.xml><?xml version="1.0" encoding="utf-8"?>
+<p:sld xmlns:a="http://schemas.openxmlformats.org/drawingml/2006/main" xmlns:r="http://schemas.openxmlformats.org/officeDocument/2006/relationships" xmlns:p="http://schemas.openxmlformats.org/presentationml/2006/main">
+  <p:cSld>
+    <p:spTree>
+      <p:nvGrpSpPr>
+        <p:cNvPr id="1" name=""/>
+        <p:cNvGrpSpPr/>
+        <p:nvPr/>
+      </p:nvGrpSpPr>
+      <p:grpSpPr>
+        <a:xfrm>
+          <a:off x="0" y="0"/>
+          <a:ext cx="0" cy="0"/>
+          <a:chOff x="0" y="0"/>
+          <a:chExt cx="0" cy="0"/>
+        </a:xfrm>
+      </p:grpSpPr>
+      <p:sp>
+        <p:nvSpPr>
+          <p:cNvPr id="2" name="Titolo 1">
+            <a:extLst>
+              <a:ext uri="{FF2B5EF4-FFF2-40B4-BE49-F238E27FC236}">
+                <a16:creationId xmlns:a16="http://schemas.microsoft.com/office/drawing/2014/main" id="{DFF0C4BC-B386-3BED-297D-95C99931AAE5}"/>
+              </a:ext>
+            </a:extLst>
+          </p:cNvPr>
+          <p:cNvSpPr>
+            <a:spLocks noGrp="1"/>
+          </p:cNvSpPr>
+          <p:nvPr>
+            <p:ph type="title"/>
+          </p:nvPr>
+        </p:nvSpPr>
+        <p:spPr>
+          <a:xfrm>
+            <a:off x="838200" y="18255"/>
+            <a:ext cx="10515600" cy="1325563"/>
+          </a:xfrm>
+        </p:spPr>
+        <p:txBody>
+          <a:bodyPr/>
+          <a:lstStyle/>
+          <a:p>
+            <a:r>
+              <a:rPr lang="it-IT" dirty="0"/>
+              <a:t>Tipologia di variabili (2)</a:t>
+            </a:r>
+          </a:p>
+        </p:txBody>
+      </p:sp>
+      <p:sp>
+        <p:nvSpPr>
+          <p:cNvPr id="3" name="Segnaposto contenuto 2">
+            <a:extLst>
+              <a:ext uri="{FF2B5EF4-FFF2-40B4-BE49-F238E27FC236}">
+                <a16:creationId xmlns:a16="http://schemas.microsoft.com/office/drawing/2014/main" id="{2B897DFE-8682-0667-AF90-1427B9DCA996}"/>
+              </a:ext>
+            </a:extLst>
+          </p:cNvPr>
+          <p:cNvSpPr>
+            <a:spLocks noGrp="1"/>
+          </p:cNvSpPr>
+          <p:nvPr>
+            <p:ph idx="1"/>
+          </p:nvPr>
+        </p:nvSpPr>
+        <p:spPr/>
+        <p:txBody>
+          <a:bodyPr/>
+          <a:lstStyle/>
+          <a:p>
+            <a:pPr marL="0" indent="0">
+              <a:buNone/>
+            </a:pPr>
+            <a:r>
+              <a:rPr lang="it-IT" dirty="0"/>
+              <a:t>Variabili quantitative hanno per modalità delle etichette/categorie.</a:t>
+            </a:r>
+            <a:br>
+              <a:rPr lang="it-IT" dirty="0"/>
+            </a:br>
+            <a:endParaRPr lang="it-IT" dirty="0"/>
+          </a:p>
+          <a:p>
+            <a:pPr lvl="1">
+              <a:buFont typeface="Wingdings" panose="05000000000000000000" pitchFamily="2" charset="2"/>
+              <a:buChar char="Ø"/>
+            </a:pPr>
+            <a:r>
+              <a:rPr lang="it-IT" b="1" dirty="0">
+                <a:solidFill>
+                  <a:srgbClr val="C00000"/>
+                </a:solidFill>
+              </a:rPr>
+              <a:t>Qualitative ordinabili: </a:t>
+            </a:r>
+            <a:r>
+              <a:rPr lang="it-IT" dirty="0"/>
+              <a:t>variabili le cui modalità sono categorie che possono essere ordinate secondo un criterio naturale (es. il livello di istruzione, il grado di soddisfazione).</a:t>
+            </a:r>
+          </a:p>
+          <a:p>
+            <a:pPr>
+              <a:buFont typeface="Wingdings" panose="05000000000000000000" pitchFamily="2" charset="2"/>
+              <a:buChar char="Ø"/>
+            </a:pPr>
+            <a:endParaRPr lang="it-IT" dirty="0"/>
+          </a:p>
+          <a:p>
+            <a:pPr lvl="1">
+              <a:buFont typeface="Wingdings" panose="05000000000000000000" pitchFamily="2" charset="2"/>
+              <a:buChar char="Ø"/>
+            </a:pPr>
+            <a:r>
+              <a:rPr lang="it-IT" b="1" dirty="0">
+                <a:solidFill>
+                  <a:srgbClr val="C00000"/>
+                </a:solidFill>
+              </a:rPr>
+              <a:t>Qualitative nominale: </a:t>
+            </a:r>
+            <a:r>
+              <a:rPr lang="it-IT" dirty="0"/>
+              <a:t>variabili le cui modalità sono etichette che non hanno un ordine naturale (es. il colore degli occhi, il gruppo sanguigno).</a:t>
+            </a:r>
+          </a:p>
+          <a:p>
+            <a:pPr marL="457200" lvl="1" indent="0">
+              <a:buNone/>
+            </a:pPr>
+            <a:endParaRPr lang="it-IT" dirty="0"/>
+          </a:p>
+          <a:p>
+            <a:endParaRPr lang="it-IT" dirty="0"/>
+          </a:p>
+        </p:txBody>
+      </p:sp>
+    </p:spTree>
+    <p:extLst>
+      <p:ext uri="{BB962C8B-B14F-4D97-AF65-F5344CB8AC3E}">
+        <p14:creationId xmlns:p14="http://schemas.microsoft.com/office/powerpoint/2010/main" val="2325890722"/>
+      </p:ext>
+    </p:extLst>
+  </p:cSld>
+  <p:clrMapOvr>
+    <a:masterClrMapping/>
+  </p:clrMapOvr>
+</p:sld>
+</file>
+
+<file path=ppt/slides/slide6.xml><?xml version="1.0" encoding="utf-8"?>
 <p:sld xmlns:a="http://schemas.openxmlformats.org/drawingml/2006/main" xmlns:r="http://schemas.openxmlformats.org/officeDocument/2006/relationships" xmlns:p="http://schemas.openxmlformats.org/presentationml/2006/main">
   <p:cSld>
     <p:spTree>
@@ -12089,132 +14792,7 @@
 </p:sld>
 </file>
 
-<file path=ppt/slides/slide5.xml><?xml version="1.0" encoding="utf-8"?>
-<p:sld xmlns:a="http://schemas.openxmlformats.org/drawingml/2006/main" xmlns:r="http://schemas.openxmlformats.org/officeDocument/2006/relationships" xmlns:p="http://schemas.openxmlformats.org/presentationml/2006/main">
-  <p:cSld>
-    <p:spTree>
-      <p:nvGrpSpPr>
-        <p:cNvPr id="1" name=""/>
-        <p:cNvGrpSpPr/>
-        <p:nvPr/>
-      </p:nvGrpSpPr>
-      <p:grpSpPr>
-        <a:xfrm>
-          <a:off x="0" y="0"/>
-          <a:ext cx="0" cy="0"/>
-          <a:chOff x="0" y="0"/>
-          <a:chExt cx="0" cy="0"/>
-        </a:xfrm>
-      </p:grpSpPr>
-      <p:sp>
-        <p:nvSpPr>
-          <p:cNvPr id="2" name="Titolo 1">
-            <a:extLst>
-              <a:ext uri="{FF2B5EF4-FFF2-40B4-BE49-F238E27FC236}">
-                <a16:creationId xmlns:a16="http://schemas.microsoft.com/office/drawing/2014/main" id="{778060B0-E088-ABB3-CB7E-3AF3572A7BE9}"/>
-              </a:ext>
-            </a:extLst>
-          </p:cNvPr>
-          <p:cNvSpPr>
-            <a:spLocks noGrp="1"/>
-          </p:cNvSpPr>
-          <p:nvPr>
-            <p:ph type="title"/>
-          </p:nvPr>
-        </p:nvSpPr>
-        <p:spPr/>
-        <p:txBody>
-          <a:bodyPr/>
-          <a:lstStyle/>
-          <a:p>
-            <a:r>
-              <a:rPr lang="it-IT" dirty="0"/>
-              <a:t>Tipologia di variabili</a:t>
-            </a:r>
-          </a:p>
-        </p:txBody>
-      </p:sp>
-      <p:sp>
-        <p:nvSpPr>
-          <p:cNvPr id="3" name="Segnaposto contenuto 2">
-            <a:extLst>
-              <a:ext uri="{FF2B5EF4-FFF2-40B4-BE49-F238E27FC236}">
-                <a16:creationId xmlns:a16="http://schemas.microsoft.com/office/drawing/2014/main" id="{3967C489-CA3C-62A1-F8A9-9A6CA82077D2}"/>
-              </a:ext>
-            </a:extLst>
-          </p:cNvPr>
-          <p:cNvSpPr>
-            <a:spLocks noGrp="1"/>
-          </p:cNvSpPr>
-          <p:nvPr>
-            <p:ph idx="1"/>
-          </p:nvPr>
-        </p:nvSpPr>
-        <p:spPr>
-          <a:xfrm>
-            <a:off x="838200" y="1542597"/>
-            <a:ext cx="10515600" cy="4351338"/>
-          </a:xfrm>
-        </p:spPr>
-        <p:txBody>
-          <a:bodyPr/>
-          <a:lstStyle/>
-          <a:p>
-            <a:pPr marL="0" indent="0">
-              <a:buNone/>
-            </a:pPr>
-            <a:r>
-              <a:rPr lang="it-IT" dirty="0"/>
-              <a:t>Le variabili possono essere suddivise sulla base delle modalità che possono assumere:</a:t>
-            </a:r>
-            <a:br>
-              <a:rPr lang="it-IT" dirty="0"/>
-            </a:br>
-            <a:endParaRPr lang="it-IT" dirty="0"/>
-          </a:p>
-          <a:p>
-            <a:r>
-              <a:rPr lang="it-IT" dirty="0"/>
-              <a:t>Quantitative discrete</a:t>
-            </a:r>
-          </a:p>
-          <a:p>
-            <a:r>
-              <a:rPr lang="it-IT" dirty="0"/>
-              <a:t>Quantitative continue</a:t>
-            </a:r>
-          </a:p>
-          <a:p>
-            <a:endParaRPr lang="it-IT" dirty="0"/>
-          </a:p>
-          <a:p>
-            <a:r>
-              <a:rPr lang="it-IT" dirty="0"/>
-              <a:t>Qualitative ordinabili</a:t>
-            </a:r>
-          </a:p>
-          <a:p>
-            <a:r>
-              <a:rPr lang="it-IT" dirty="0"/>
-              <a:t>Qualitative sconnesse</a:t>
-            </a:r>
-          </a:p>
-        </p:txBody>
-      </p:sp>
-    </p:spTree>
-    <p:extLst>
-      <p:ext uri="{BB962C8B-B14F-4D97-AF65-F5344CB8AC3E}">
-        <p14:creationId xmlns:p14="http://schemas.microsoft.com/office/powerpoint/2010/main" val="1642745757"/>
-      </p:ext>
-    </p:extLst>
-  </p:cSld>
-  <p:clrMapOvr>
-    <a:masterClrMapping/>
-  </p:clrMapOvr>
-</p:sld>
-</file>
-
-<file path=ppt/slides/slide6.xml><?xml version="1.0" encoding="utf-8"?>
+<file path=ppt/slides/slide7.xml><?xml version="1.0" encoding="utf-8"?>
 <p:sld xmlns:a="http://schemas.openxmlformats.org/drawingml/2006/main" xmlns:r="http://schemas.openxmlformats.org/officeDocument/2006/relationships" xmlns:p="http://schemas.openxmlformats.org/presentationml/2006/main">
   <p:cSld>
     <p:spTree>
@@ -12259,8 +14837,8 @@
           </a:p>
         </p:txBody>
       </p:sp>
-      <mc:AlternateContent xmlns:mc="http://schemas.openxmlformats.org/markup-compatibility/2006" xmlns:a14="http://schemas.microsoft.com/office/drawing/2010/main">
-        <mc:Choice Requires="a14">
+      <mc:AlternateContent xmlns:mc="http://schemas.openxmlformats.org/markup-compatibility/2006">
+        <mc:Choice xmlns:a14="http://schemas.microsoft.com/office/drawing/2010/main" Requires="a14">
           <p:sp>
             <p:nvSpPr>
               <p:cNvPr id="3" name="Segnaposto contenuto 2">
@@ -12280,7 +14858,7 @@
             <p:spPr>
               <a:xfrm>
                 <a:off x="838200" y="1488168"/>
-                <a:ext cx="10515600" cy="4351338"/>
+                <a:ext cx="10515600" cy="4839480"/>
               </a:xfrm>
             </p:spPr>
             <p:txBody>
@@ -12575,6 +15153,14 @@
                 <a:pPr marL="0" indent="0">
                   <a:buNone/>
                 </a:pPr>
+                <a:endParaRPr lang="it-IT" sz="1600" b="0" i="1" dirty="0">
+                  <a:latin typeface="Cambria Math" panose="02040503050406030204" pitchFamily="18" charset="0"/>
+                </a:endParaRPr>
+              </a:p>
+              <a:p>
+                <a:pPr marL="0" indent="0">
+                  <a:buNone/>
+                </a:pPr>
                 <a14:m>
                   <m:oMathPara xmlns:m="http://schemas.openxmlformats.org/officeDocument/2006/math">
                     <m:oMathParaPr>
@@ -12680,7 +15266,7 @@
             </p:txBody>
           </p:sp>
         </mc:Choice>
-        <mc:Fallback xmlns="">
+        <mc:Fallback>
           <p:sp>
             <p:nvSpPr>
               <p:cNvPr id="3" name="Segnaposto contenuto 2">
@@ -12700,12 +15286,12 @@
             <p:spPr>
               <a:xfrm>
                 <a:off x="838200" y="1488168"/>
-                <a:ext cx="10515600" cy="4351338"/>
+                <a:ext cx="10515600" cy="4839480"/>
               </a:xfrm>
               <a:blipFill>
                 <a:blip r:embed="rId2"/>
                 <a:stretch>
-                  <a:fillRect l="-1043" t="-2241"/>
+                  <a:fillRect l="-1043" t="-2141"/>
                 </a:stretch>
               </a:blipFill>
             </p:spPr>
@@ -12746,7 +15332,7 @@
         </p:nvGraphicFramePr>
         <p:xfrm>
           <a:off x="563528" y="3909180"/>
-          <a:ext cx="11068491" cy="741680"/>
+          <a:ext cx="11068491" cy="1010920"/>
         </p:xfrm>
         <a:graphic>
           <a:graphicData uri="http://schemas.openxmlformats.org/drawingml/2006/table">
@@ -13053,7 +15639,7 @@
 </p:sld>
 </file>
 
-<file path=ppt/slides/slide7.xml><?xml version="1.0" encoding="utf-8"?>
+<file path=ppt/slides/slide8.xml><?xml version="1.0" encoding="utf-8"?>
 <p:sld xmlns:a="http://schemas.openxmlformats.org/drawingml/2006/main" xmlns:r="http://schemas.openxmlformats.org/officeDocument/2006/relationships" xmlns:p="http://schemas.openxmlformats.org/presentationml/2006/main">
   <p:cSld>
     <p:spTree>
@@ -14124,7 +16710,7 @@
 </p:sld>
 </file>
 
-<file path=ppt/slides/slide8.xml><?xml version="1.0" encoding="utf-8"?>
+<file path=ppt/slides/slide9.xml><?xml version="1.0" encoding="utf-8"?>
 <p:sld xmlns:a="http://schemas.openxmlformats.org/drawingml/2006/main" xmlns:r="http://schemas.openxmlformats.org/officeDocument/2006/relationships" xmlns:p="http://schemas.openxmlformats.org/presentationml/2006/main">
   <p:cSld>
     <p:spTree>
@@ -14649,8 +17235,8 @@
           </a:graphicData>
         </a:graphic>
       </p:graphicFrame>
-      <mc:AlternateContent xmlns:mc="http://schemas.openxmlformats.org/markup-compatibility/2006">
-        <mc:Choice xmlns:a14="http://schemas.microsoft.com/office/drawing/2010/main" Requires="a14">
+      <mc:AlternateContent xmlns:mc="http://schemas.openxmlformats.org/markup-compatibility/2006" xmlns:a14="http://schemas.microsoft.com/office/drawing/2010/main">
+        <mc:Choice Requires="a14">
           <p:sp>
             <p:nvSpPr>
               <p:cNvPr id="7" name="CasellaDiTesto 6">
@@ -14884,7 +17470,7 @@
             </p:txBody>
           </p:sp>
         </mc:Choice>
-        <mc:Fallback>
+        <mc:Fallback xmlns="">
           <p:sp>
             <p:nvSpPr>
               <p:cNvPr id="7" name="CasellaDiTesto 6">
@@ -14929,8 +17515,8 @@
           </p:sp>
         </mc:Fallback>
       </mc:AlternateContent>
-      <mc:AlternateContent xmlns:mc="http://schemas.openxmlformats.org/markup-compatibility/2006">
-        <mc:Choice xmlns:a14="http://schemas.microsoft.com/office/drawing/2010/main" Requires="a14">
+      <mc:AlternateContent xmlns:mc="http://schemas.openxmlformats.org/markup-compatibility/2006" xmlns:a14="http://schemas.microsoft.com/office/drawing/2010/main">
+        <mc:Choice Requires="a14">
           <p:sp>
             <p:nvSpPr>
               <p:cNvPr id="10" name="CasellaDiTesto 9">
@@ -15163,7 +17749,7 @@
             </p:txBody>
           </p:sp>
         </mc:Choice>
-        <mc:Fallback>
+        <mc:Fallback xmlns="">
           <p:sp>
             <p:nvSpPr>
               <p:cNvPr id="10" name="CasellaDiTesto 9">
@@ -15212,314 +17798,6 @@
     <p:extLst>
       <p:ext uri="{BB962C8B-B14F-4D97-AF65-F5344CB8AC3E}">
         <p14:creationId xmlns:p14="http://schemas.microsoft.com/office/powerpoint/2010/main" val="621611489"/>
-      </p:ext>
-    </p:extLst>
-  </p:cSld>
-  <p:clrMapOvr>
-    <a:masterClrMapping/>
-  </p:clrMapOvr>
-</p:sld>
-</file>
-
-<file path=ppt/slides/slide9.xml><?xml version="1.0" encoding="utf-8"?>
-<p:sld xmlns:a="http://schemas.openxmlformats.org/drawingml/2006/main" xmlns:r="http://schemas.openxmlformats.org/officeDocument/2006/relationships" xmlns:p="http://schemas.openxmlformats.org/presentationml/2006/main">
-  <p:cSld>
-    <p:spTree>
-      <p:nvGrpSpPr>
-        <p:cNvPr id="1" name=""/>
-        <p:cNvGrpSpPr/>
-        <p:nvPr/>
-      </p:nvGrpSpPr>
-      <p:grpSpPr>
-        <a:xfrm>
-          <a:off x="0" y="0"/>
-          <a:ext cx="0" cy="0"/>
-          <a:chOff x="0" y="0"/>
-          <a:chExt cx="0" cy="0"/>
-        </a:xfrm>
-      </p:grpSpPr>
-      <p:sp>
-        <p:nvSpPr>
-          <p:cNvPr id="2" name="Titolo 1">
-            <a:extLst>
-              <a:ext uri="{FF2B5EF4-FFF2-40B4-BE49-F238E27FC236}">
-                <a16:creationId xmlns:a16="http://schemas.microsoft.com/office/drawing/2014/main" id="{80B752DB-F46D-58D4-5A42-33DAB96055B3}"/>
-              </a:ext>
-            </a:extLst>
-          </p:cNvPr>
-          <p:cNvSpPr>
-            <a:spLocks noGrp="1"/>
-          </p:cNvSpPr>
-          <p:nvPr>
-            <p:ph type="title"/>
-          </p:nvPr>
-        </p:nvSpPr>
-        <p:spPr>
-          <a:xfrm>
-            <a:off x="838200" y="18255"/>
-            <a:ext cx="10515600" cy="1325563"/>
-          </a:xfrm>
-        </p:spPr>
-        <p:txBody>
-          <a:bodyPr/>
-          <a:lstStyle/>
-          <a:p>
-            <a:r>
-              <a:rPr lang="it-IT" dirty="0"/>
-              <a:t>Indici di posizione (3)</a:t>
-            </a:r>
-          </a:p>
-        </p:txBody>
-      </p:sp>
-      <mc:AlternateContent xmlns:mc="http://schemas.openxmlformats.org/markup-compatibility/2006">
-        <mc:Choice xmlns:a14="http://schemas.microsoft.com/office/drawing/2010/main" Requires="a14">
-          <p:sp>
-            <p:nvSpPr>
-              <p:cNvPr id="3" name="Segnaposto contenuto 2">
-                <a:extLst>
-                  <a:ext uri="{FF2B5EF4-FFF2-40B4-BE49-F238E27FC236}">
-                    <a16:creationId xmlns:a16="http://schemas.microsoft.com/office/drawing/2014/main" id="{1C4A1405-366C-212F-5091-12FE73481DA8}"/>
-                  </a:ext>
-                </a:extLst>
-              </p:cNvPr>
-              <p:cNvSpPr>
-                <a:spLocks noGrp="1"/>
-              </p:cNvSpPr>
-              <p:nvPr>
-                <p:ph idx="1"/>
-              </p:nvPr>
-            </p:nvSpPr>
-            <p:spPr>
-              <a:xfrm>
-                <a:off x="838200" y="998149"/>
-                <a:ext cx="10985205" cy="5689730"/>
-              </a:xfrm>
-            </p:spPr>
-            <p:txBody>
-              <a:bodyPr>
-                <a:normAutofit/>
-              </a:bodyPr>
-              <a:lstStyle/>
-              <a:p>
-                <a:r>
-                  <a:rPr lang="it-IT" b="1" dirty="0">
-                    <a:solidFill>
-                      <a:srgbClr val="C00000"/>
-                    </a:solidFill>
-                  </a:rPr>
-                  <a:t>Quantili</a:t>
-                </a:r>
-                <a:r>
-                  <a:rPr lang="it-IT" dirty="0">
-                    <a:solidFill>
-                      <a:srgbClr val="C00000"/>
-                    </a:solidFill>
-                  </a:rPr>
-                  <a:t>.</a:t>
-                </a:r>
-                <a:r>
-                  <a:rPr lang="it-IT" dirty="0"/>
-                  <a:t> Il quantile di ordine </a:t>
-                </a:r>
-                <a14:m>
-                  <m:oMath xmlns:m="http://schemas.openxmlformats.org/officeDocument/2006/math">
-                    <m:r>
-                      <a:rPr lang="it-IT" b="0" i="1" smtClean="0">
-                        <a:latin typeface="Cambria Math" panose="02040503050406030204" pitchFamily="18" charset="0"/>
-                      </a:rPr>
-                      <m:t>𝑝</m:t>
-                    </m:r>
-                  </m:oMath>
-                </a14:m>
-                <a:r>
-                  <a:rPr lang="it-IT" dirty="0"/>
-                  <a:t> è quel valore che, </a:t>
-                </a:r>
-                <a:r>
-                  <a:rPr lang="it-IT" b="1" dirty="0"/>
-                  <a:t>nella successione ordinata dei dati</a:t>
-                </a:r>
-                <a:r>
-                  <a:rPr lang="it-IT" dirty="0"/>
-                  <a:t>, lascia a sinistra il </a:t>
-                </a:r>
-                <a14:m>
-                  <m:oMath xmlns:m="http://schemas.openxmlformats.org/officeDocument/2006/math">
-                    <m:r>
-                      <a:rPr lang="it-IT" b="0" i="1" smtClean="0">
-                        <a:latin typeface="Cambria Math" panose="02040503050406030204" pitchFamily="18" charset="0"/>
-                      </a:rPr>
-                      <m:t>𝑝</m:t>
-                    </m:r>
-                  </m:oMath>
-                </a14:m>
-                <a:r>
-                  <a:rPr lang="it-IT" dirty="0"/>
-                  <a:t>% dei dati. In altre parole, è quel valore che è </a:t>
-                </a:r>
-                <a:r>
-                  <a:rPr lang="it-IT" b="1" dirty="0"/>
-                  <a:t>più grande o uguale </a:t>
-                </a:r>
-                <a:r>
-                  <a:rPr lang="it-IT" dirty="0"/>
-                  <a:t>del </a:t>
-                </a:r>
-                <a14:m>
-                  <m:oMath xmlns:m="http://schemas.openxmlformats.org/officeDocument/2006/math">
-                    <m:r>
-                      <a:rPr lang="it-IT" b="0" i="1" smtClean="0">
-                        <a:latin typeface="Cambria Math" panose="02040503050406030204" pitchFamily="18" charset="0"/>
-                      </a:rPr>
-                      <m:t>𝑝</m:t>
-                    </m:r>
-                  </m:oMath>
-                </a14:m>
-                <a:r>
-                  <a:rPr lang="it-IT" dirty="0"/>
-                  <a:t>% dei dati.</a:t>
-                </a:r>
-              </a:p>
-              <a:p>
-                <a:endParaRPr lang="it-IT" sz="100" dirty="0"/>
-              </a:p>
-              <a:p>
-                <a:r>
-                  <a:rPr lang="it-IT" dirty="0"/>
-                  <a:t>Se </a:t>
-                </a:r>
-                <a14:m>
-                  <m:oMath xmlns:m="http://schemas.openxmlformats.org/officeDocument/2006/math">
-                    <m:r>
-                      <a:rPr lang="it-IT" b="0" i="1" smtClean="0">
-                        <a:latin typeface="Cambria Math" panose="02040503050406030204" pitchFamily="18" charset="0"/>
-                      </a:rPr>
-                      <m:t>𝑝</m:t>
-                    </m:r>
-                    <m:r>
-                      <a:rPr lang="it-IT" b="0" i="1" smtClean="0">
-                        <a:latin typeface="Cambria Math" panose="02040503050406030204" pitchFamily="18" charset="0"/>
-                      </a:rPr>
-                      <m:t>∈</m:t>
-                    </m:r>
-                    <m:r>
-                      <m:rPr>
-                        <m:lit/>
-                      </m:rPr>
-                      <a:rPr lang="it-IT" b="0" i="1" smtClean="0">
-                        <a:latin typeface="Cambria Math" panose="02040503050406030204" pitchFamily="18" charset="0"/>
-                      </a:rPr>
-                      <m:t>{</m:t>
-                    </m:r>
-                    <m:r>
-                      <a:rPr lang="it-IT" b="0" i="1" smtClean="0">
-                        <a:latin typeface="Cambria Math" panose="02040503050406030204" pitchFamily="18" charset="0"/>
-                      </a:rPr>
-                      <m:t>0.25, 0.5, 0.75}</m:t>
-                    </m:r>
-                  </m:oMath>
-                </a14:m>
-                <a:r>
-                  <a:rPr lang="it-IT" dirty="0"/>
-                  <a:t>, i quantili prendono il nome di </a:t>
-                </a:r>
-                <a:r>
-                  <a:rPr lang="it-IT" b="1" dirty="0">
-                    <a:solidFill>
-                      <a:srgbClr val="C00000"/>
-                    </a:solidFill>
-                  </a:rPr>
-                  <a:t>quartili</a:t>
-                </a:r>
-                <a:r>
-                  <a:rPr lang="it-IT" dirty="0"/>
-                  <a:t>, dato che suddividono la variabile in 4 parti, ciascuna contenente il 25% dei dati.</a:t>
-                </a:r>
-              </a:p>
-              <a:p>
-                <a:endParaRPr lang="it-IT" sz="1200" dirty="0"/>
-              </a:p>
-            </p:txBody>
-          </p:sp>
-        </mc:Choice>
-        <mc:Fallback>
-          <p:sp>
-            <p:nvSpPr>
-              <p:cNvPr id="3" name="Segnaposto contenuto 2">
-                <a:extLst>
-                  <a:ext uri="{FF2B5EF4-FFF2-40B4-BE49-F238E27FC236}">
-                    <a16:creationId xmlns:a16="http://schemas.microsoft.com/office/drawing/2014/main" id="{1C4A1405-366C-212F-5091-12FE73481DA8}"/>
-                  </a:ext>
-                </a:extLst>
-              </p:cNvPr>
-              <p:cNvSpPr>
-                <a:spLocks noGrp="1" noRot="1" noChangeAspect="1" noMove="1" noResize="1" noEditPoints="1" noAdjustHandles="1" noChangeArrowheads="1" noChangeShapeType="1" noTextEdit="1"/>
-              </p:cNvSpPr>
-              <p:nvPr>
-                <p:ph idx="1"/>
-              </p:nvPr>
-            </p:nvSpPr>
-            <p:spPr>
-              <a:xfrm>
-                <a:off x="838200" y="998149"/>
-                <a:ext cx="10985205" cy="5689730"/>
-              </a:xfrm>
-              <a:blipFill>
-                <a:blip r:embed="rId2"/>
-                <a:stretch>
-                  <a:fillRect l="-999" t="-1822" r="-111"/>
-                </a:stretch>
-              </a:blipFill>
-            </p:spPr>
-            <p:txBody>
-              <a:bodyPr/>
-              <a:lstStyle/>
-              <a:p>
-                <a:r>
-                  <a:rPr lang="it-IT">
-                    <a:noFill/>
-                  </a:rPr>
-                  <a:t> </a:t>
-                </a:r>
-              </a:p>
-            </p:txBody>
-          </p:sp>
-        </mc:Fallback>
-      </mc:AlternateContent>
-      <p:pic>
-        <p:nvPicPr>
-          <p:cNvPr id="7" name="Immagine 6">
-            <a:extLst>
-              <a:ext uri="{FF2B5EF4-FFF2-40B4-BE49-F238E27FC236}">
-                <a16:creationId xmlns:a16="http://schemas.microsoft.com/office/drawing/2014/main" id="{42EE31DA-4B8B-BAF6-4982-53430CF8E033}"/>
-              </a:ext>
-            </a:extLst>
-          </p:cNvPr>
-          <p:cNvPicPr>
-            <a:picLocks noChangeAspect="1"/>
-          </p:cNvPicPr>
-          <p:nvPr/>
-        </p:nvPicPr>
-        <p:blipFill>
-          <a:blip r:embed="rId3"/>
-          <a:stretch>
-            <a:fillRect/>
-          </a:stretch>
-        </p:blipFill>
-        <p:spPr>
-          <a:xfrm>
-            <a:off x="2648867" y="3503603"/>
-            <a:ext cx="5528113" cy="3271741"/>
-          </a:xfrm>
-          <a:prstGeom prst="rect">
-            <a:avLst/>
-          </a:prstGeom>
-        </p:spPr>
-      </p:pic>
-    </p:spTree>
-    <p:extLst>
-      <p:ext uri="{BB962C8B-B14F-4D97-AF65-F5344CB8AC3E}">
-        <p14:creationId xmlns:p14="http://schemas.microsoft.com/office/powerpoint/2010/main" val="2955274663"/>
       </p:ext>
     </p:extLst>
   </p:cSld>

--- a/IntroR/BSTAT5 - IntroR - 1.pptx
+++ b/IntroR/BSTAT5 - IntroR - 1.pptx
@@ -11,24 +11,26 @@
     <p:sldId id="259" r:id="rId5"/>
     <p:sldId id="279" r:id="rId6"/>
     <p:sldId id="258" r:id="rId7"/>
-    <p:sldId id="260" r:id="rId8"/>
-    <p:sldId id="261" r:id="rId9"/>
-    <p:sldId id="262" r:id="rId10"/>
-    <p:sldId id="263" r:id="rId11"/>
-    <p:sldId id="264" r:id="rId12"/>
-    <p:sldId id="274" r:id="rId13"/>
-    <p:sldId id="266" r:id="rId14"/>
-    <p:sldId id="267" r:id="rId15"/>
-    <p:sldId id="268" r:id="rId16"/>
-    <p:sldId id="272" r:id="rId17"/>
-    <p:sldId id="273" r:id="rId18"/>
-    <p:sldId id="265" r:id="rId19"/>
-    <p:sldId id="275" r:id="rId20"/>
-    <p:sldId id="276" r:id="rId21"/>
-    <p:sldId id="277" r:id="rId22"/>
-    <p:sldId id="278" r:id="rId23"/>
-    <p:sldId id="269" r:id="rId24"/>
-    <p:sldId id="270" r:id="rId25"/>
+    <p:sldId id="280" r:id="rId8"/>
+    <p:sldId id="260" r:id="rId9"/>
+    <p:sldId id="261" r:id="rId10"/>
+    <p:sldId id="262" r:id="rId11"/>
+    <p:sldId id="263" r:id="rId12"/>
+    <p:sldId id="264" r:id="rId13"/>
+    <p:sldId id="274" r:id="rId14"/>
+    <p:sldId id="266" r:id="rId15"/>
+    <p:sldId id="267" r:id="rId16"/>
+    <p:sldId id="268" r:id="rId17"/>
+    <p:sldId id="272" r:id="rId18"/>
+    <p:sldId id="273" r:id="rId19"/>
+    <p:sldId id="265" r:id="rId20"/>
+    <p:sldId id="275" r:id="rId21"/>
+    <p:sldId id="276" r:id="rId22"/>
+    <p:sldId id="277" r:id="rId23"/>
+    <p:sldId id="278" r:id="rId24"/>
+    <p:sldId id="269" r:id="rId25"/>
+    <p:sldId id="270" r:id="rId26"/>
+    <p:sldId id="282" r:id="rId27"/>
   </p:sldIdLst>
   <p:sldSz cx="12192000" cy="6858000"/>
   <p:notesSz cx="6858000" cy="9144000"/>
@@ -3501,6 +3503,1103 @@
           <p:cNvPr id="2" name="Titolo 1">
             <a:extLst>
               <a:ext uri="{FF2B5EF4-FFF2-40B4-BE49-F238E27FC236}">
+                <a16:creationId xmlns:a16="http://schemas.microsoft.com/office/drawing/2014/main" id="{576FD4EB-476B-CC76-FB50-2C85D35D72EB}"/>
+              </a:ext>
+            </a:extLst>
+          </p:cNvPr>
+          <p:cNvSpPr>
+            <a:spLocks noGrp="1"/>
+          </p:cNvSpPr>
+          <p:nvPr>
+            <p:ph type="title"/>
+          </p:nvPr>
+        </p:nvSpPr>
+        <p:spPr>
+          <a:xfrm>
+            <a:off x="838200" y="18255"/>
+            <a:ext cx="10515600" cy="1325563"/>
+          </a:xfrm>
+        </p:spPr>
+        <p:txBody>
+          <a:bodyPr/>
+          <a:lstStyle/>
+          <a:p>
+            <a:r>
+              <a:rPr lang="it-IT" dirty="0"/>
+              <a:t>Indici di posizione (2)</a:t>
+            </a:r>
+          </a:p>
+        </p:txBody>
+      </p:sp>
+      <p:sp>
+        <p:nvSpPr>
+          <p:cNvPr id="3" name="Segnaposto contenuto 2">
+            <a:extLst>
+              <a:ext uri="{FF2B5EF4-FFF2-40B4-BE49-F238E27FC236}">
+                <a16:creationId xmlns:a16="http://schemas.microsoft.com/office/drawing/2014/main" id="{D9D5CA66-3C72-7D5D-5FA5-710AA184DBC7}"/>
+              </a:ext>
+            </a:extLst>
+          </p:cNvPr>
+          <p:cNvSpPr>
+            <a:spLocks noGrp="1"/>
+          </p:cNvSpPr>
+          <p:nvPr>
+            <p:ph idx="1"/>
+          </p:nvPr>
+        </p:nvSpPr>
+        <p:spPr>
+          <a:xfrm>
+            <a:off x="890031" y="1070713"/>
+            <a:ext cx="10515600" cy="5500208"/>
+          </a:xfrm>
+        </p:spPr>
+        <p:txBody>
+          <a:bodyPr/>
+          <a:lstStyle/>
+          <a:p>
+            <a:pPr marL="0" indent="0">
+              <a:buNone/>
+            </a:pPr>
+            <a:r>
+              <a:rPr lang="it-IT" dirty="0"/>
+              <a:t>Ad esempio, supponiamo che il peso delle interrogazioni sia una volta e mezza quello delle verifiche e che il lavoro di gruppo abbia un peso doppio rispetto ad una verifica:</a:t>
+            </a:r>
+          </a:p>
+          <a:p>
+            <a:endParaRPr lang="it-IT" dirty="0"/>
+          </a:p>
+        </p:txBody>
+      </p:sp>
+      <p:graphicFrame>
+        <p:nvGraphicFramePr>
+          <p:cNvPr id="4" name="Tabella 3">
+            <a:extLst>
+              <a:ext uri="{FF2B5EF4-FFF2-40B4-BE49-F238E27FC236}">
+                <a16:creationId xmlns:a16="http://schemas.microsoft.com/office/drawing/2014/main" id="{E1D2A518-EE46-6993-3C0F-EBA6A123C44E}"/>
+              </a:ext>
+            </a:extLst>
+          </p:cNvPr>
+          <p:cNvGraphicFramePr>
+            <a:graphicFrameLocks noGrp="1"/>
+          </p:cNvGraphicFramePr>
+          <p:nvPr>
+            <p:extLst>
+              <p:ext uri="{D42A27DB-BD31-4B8C-83A1-F6EECF244321}">
+                <p14:modId xmlns:p14="http://schemas.microsoft.com/office/powerpoint/2010/main" val="1018306441"/>
+              </p:ext>
+            </p:extLst>
+          </p:nvPr>
+        </p:nvGraphicFramePr>
+        <p:xfrm>
+          <a:off x="504967" y="2832080"/>
+          <a:ext cx="11232106" cy="1112520"/>
+        </p:xfrm>
+        <a:graphic>
+          <a:graphicData uri="http://schemas.openxmlformats.org/drawingml/2006/table">
+            <a:tbl>
+              <a:tblPr firstRow="1" bandRow="1">
+                <a:effectLst>
+                  <a:outerShdw blurRad="50800" dist="38100" dir="2700000" algn="tl" rotWithShape="0">
+                    <a:prstClr val="black">
+                      <a:alpha val="40000"/>
+                    </a:prstClr>
+                  </a:outerShdw>
+                </a:effectLst>
+                <a:tableStyleId>{5940675A-B579-460E-94D1-54222C63F5DA}</a:tableStyleId>
+              </a:tblPr>
+              <a:tblGrid>
+                <a:gridCol w="1440720">
+                  <a:extLst>
+                    <a:ext uri="{9D8B030D-6E8A-4147-A177-3AD203B41FA5}">
+                      <a16:colId xmlns:a16="http://schemas.microsoft.com/office/drawing/2014/main" val="1942655463"/>
+                    </a:ext>
+                  </a:extLst>
+                </a:gridCol>
+                <a:gridCol w="1616379">
+                  <a:extLst>
+                    <a:ext uri="{9D8B030D-6E8A-4147-A177-3AD203B41FA5}">
+                      <a16:colId xmlns:a16="http://schemas.microsoft.com/office/drawing/2014/main" val="3739380273"/>
+                    </a:ext>
+                  </a:extLst>
+                </a:gridCol>
+                <a:gridCol w="1265061">
+                  <a:extLst>
+                    <a:ext uri="{9D8B030D-6E8A-4147-A177-3AD203B41FA5}">
+                      <a16:colId xmlns:a16="http://schemas.microsoft.com/office/drawing/2014/main" val="2579236287"/>
+                    </a:ext>
+                  </a:extLst>
+                </a:gridCol>
+                <a:gridCol w="1743183">
+                  <a:extLst>
+                    <a:ext uri="{9D8B030D-6E8A-4147-A177-3AD203B41FA5}">
+                      <a16:colId xmlns:a16="http://schemas.microsoft.com/office/drawing/2014/main" val="3605425459"/>
+                    </a:ext>
+                  </a:extLst>
+                </a:gridCol>
+                <a:gridCol w="1982860">
+                  <a:extLst>
+                    <a:ext uri="{9D8B030D-6E8A-4147-A177-3AD203B41FA5}">
+                      <a16:colId xmlns:a16="http://schemas.microsoft.com/office/drawing/2014/main" val="4105742860"/>
+                    </a:ext>
+                  </a:extLst>
+                </a:gridCol>
+                <a:gridCol w="1743183">
+                  <a:extLst>
+                    <a:ext uri="{9D8B030D-6E8A-4147-A177-3AD203B41FA5}">
+                      <a16:colId xmlns:a16="http://schemas.microsoft.com/office/drawing/2014/main" val="3620964341"/>
+                    </a:ext>
+                  </a:extLst>
+                </a:gridCol>
+                <a:gridCol w="1440720">
+                  <a:extLst>
+                    <a:ext uri="{9D8B030D-6E8A-4147-A177-3AD203B41FA5}">
+                      <a16:colId xmlns:a16="http://schemas.microsoft.com/office/drawing/2014/main" val="3693595725"/>
+                    </a:ext>
+                  </a:extLst>
+                </a:gridCol>
+              </a:tblGrid>
+              <a:tr h="370840">
+                <a:tc>
+                  <a:txBody>
+                    <a:bodyPr/>
+                    <a:lstStyle/>
+                    <a:p>
+                      <a:r>
+                        <a:rPr lang="it-IT" b="1" dirty="0"/>
+                        <a:t>Tipologia</a:t>
+                      </a:r>
+                    </a:p>
+                  </a:txBody>
+                  <a:tcPr/>
+                </a:tc>
+                <a:tc>
+                  <a:txBody>
+                    <a:bodyPr/>
+                    <a:lstStyle/>
+                    <a:p>
+                      <a:pPr algn="ctr"/>
+                      <a:r>
+                        <a:rPr lang="it-IT" dirty="0"/>
+                        <a:t>Interrogazione</a:t>
+                      </a:r>
+                    </a:p>
+                  </a:txBody>
+                  <a:tcPr/>
+                </a:tc>
+                <a:tc>
+                  <a:txBody>
+                    <a:bodyPr/>
+                    <a:lstStyle/>
+                    <a:p>
+                      <a:pPr algn="ctr"/>
+                      <a:r>
+                        <a:rPr lang="it-IT" dirty="0"/>
+                        <a:t>Verifica</a:t>
+                      </a:r>
+                    </a:p>
+                  </a:txBody>
+                  <a:tcPr/>
+                </a:tc>
+                <a:tc>
+                  <a:txBody>
+                    <a:bodyPr/>
+                    <a:lstStyle/>
+                    <a:p>
+                      <a:pPr algn="ctr"/>
+                      <a:r>
+                        <a:rPr lang="it-IT" dirty="0"/>
+                        <a:t>Interrogazione</a:t>
+                      </a:r>
+                    </a:p>
+                  </a:txBody>
+                  <a:tcPr/>
+                </a:tc>
+                <a:tc>
+                  <a:txBody>
+                    <a:bodyPr/>
+                    <a:lstStyle/>
+                    <a:p>
+                      <a:pPr algn="ctr"/>
+                      <a:r>
+                        <a:rPr lang="it-IT" dirty="0"/>
+                        <a:t>Lavoro di gruppo</a:t>
+                      </a:r>
+                    </a:p>
+                  </a:txBody>
+                  <a:tcPr/>
+                </a:tc>
+                <a:tc>
+                  <a:txBody>
+                    <a:bodyPr/>
+                    <a:lstStyle/>
+                    <a:p>
+                      <a:pPr marL="0" marR="0" lvl="0" indent="0" algn="ctr" defTabSz="914400" rtl="0" eaLnBrk="1" fontAlgn="auto" latinLnBrk="0" hangingPunct="1">
+                        <a:lnSpc>
+                          <a:spcPct val="100000"/>
+                        </a:lnSpc>
+                        <a:spcBef>
+                          <a:spcPts val="0"/>
+                        </a:spcBef>
+                        <a:spcAft>
+                          <a:spcPts val="0"/>
+                        </a:spcAft>
+                        <a:buClrTx/>
+                        <a:buSzTx/>
+                        <a:buFontTx/>
+                        <a:buNone/>
+                        <a:tabLst/>
+                        <a:defRPr/>
+                      </a:pPr>
+                      <a:r>
+                        <a:rPr lang="it-IT" dirty="0"/>
+                        <a:t>Interrogazione</a:t>
+                      </a:r>
+                    </a:p>
+                  </a:txBody>
+                  <a:tcPr/>
+                </a:tc>
+                <a:tc>
+                  <a:txBody>
+                    <a:bodyPr/>
+                    <a:lstStyle/>
+                    <a:p>
+                      <a:pPr algn="ctr"/>
+                      <a:r>
+                        <a:rPr lang="it-IT" dirty="0"/>
+                        <a:t>Verifica</a:t>
+                      </a:r>
+                    </a:p>
+                  </a:txBody>
+                  <a:tcPr/>
+                </a:tc>
+                <a:extLst>
+                  <a:ext uri="{0D108BD9-81ED-4DB2-BD59-A6C34878D82A}">
+                    <a16:rowId xmlns:a16="http://schemas.microsoft.com/office/drawing/2014/main" val="3001312577"/>
+                  </a:ext>
+                </a:extLst>
+              </a:tr>
+              <a:tr h="370840">
+                <a:tc>
+                  <a:txBody>
+                    <a:bodyPr/>
+                    <a:lstStyle/>
+                    <a:p>
+                      <a:r>
+                        <a:rPr lang="it-IT" b="1" dirty="0"/>
+                        <a:t>Peso</a:t>
+                      </a:r>
+                    </a:p>
+                  </a:txBody>
+                  <a:tcPr/>
+                </a:tc>
+                <a:tc>
+                  <a:txBody>
+                    <a:bodyPr/>
+                    <a:lstStyle/>
+                    <a:p>
+                      <a:pPr algn="ctr"/>
+                      <a:r>
+                        <a:rPr lang="it-IT" dirty="0"/>
+                        <a:t>1.5</a:t>
+                      </a:r>
+                    </a:p>
+                  </a:txBody>
+                  <a:tcPr/>
+                </a:tc>
+                <a:tc>
+                  <a:txBody>
+                    <a:bodyPr/>
+                    <a:lstStyle/>
+                    <a:p>
+                      <a:pPr algn="ctr"/>
+                      <a:r>
+                        <a:rPr lang="it-IT" dirty="0"/>
+                        <a:t>1</a:t>
+                      </a:r>
+                    </a:p>
+                  </a:txBody>
+                  <a:tcPr/>
+                </a:tc>
+                <a:tc>
+                  <a:txBody>
+                    <a:bodyPr/>
+                    <a:lstStyle/>
+                    <a:p>
+                      <a:pPr algn="ctr"/>
+                      <a:r>
+                        <a:rPr lang="it-IT" dirty="0"/>
+                        <a:t>1.5</a:t>
+                      </a:r>
+                    </a:p>
+                  </a:txBody>
+                  <a:tcPr/>
+                </a:tc>
+                <a:tc>
+                  <a:txBody>
+                    <a:bodyPr/>
+                    <a:lstStyle/>
+                    <a:p>
+                      <a:pPr algn="ctr"/>
+                      <a:r>
+                        <a:rPr lang="it-IT" dirty="0"/>
+                        <a:t>2</a:t>
+                      </a:r>
+                    </a:p>
+                  </a:txBody>
+                  <a:tcPr/>
+                </a:tc>
+                <a:tc>
+                  <a:txBody>
+                    <a:bodyPr/>
+                    <a:lstStyle/>
+                    <a:p>
+                      <a:pPr marL="0" marR="0" lvl="0" indent="0" algn="ctr" defTabSz="914400" rtl="0" eaLnBrk="1" fontAlgn="auto" latinLnBrk="0" hangingPunct="1">
+                        <a:lnSpc>
+                          <a:spcPct val="100000"/>
+                        </a:lnSpc>
+                        <a:spcBef>
+                          <a:spcPts val="0"/>
+                        </a:spcBef>
+                        <a:spcAft>
+                          <a:spcPts val="0"/>
+                        </a:spcAft>
+                        <a:buClrTx/>
+                        <a:buSzTx/>
+                        <a:buFontTx/>
+                        <a:buNone/>
+                        <a:tabLst/>
+                        <a:defRPr/>
+                      </a:pPr>
+                      <a:r>
+                        <a:rPr lang="it-IT" dirty="0"/>
+                        <a:t>1.5</a:t>
+                      </a:r>
+                    </a:p>
+                  </a:txBody>
+                  <a:tcPr/>
+                </a:tc>
+                <a:tc>
+                  <a:txBody>
+                    <a:bodyPr/>
+                    <a:lstStyle/>
+                    <a:p>
+                      <a:pPr algn="ctr"/>
+                      <a:r>
+                        <a:rPr lang="it-IT" dirty="0"/>
+                        <a:t>1</a:t>
+                      </a:r>
+                    </a:p>
+                  </a:txBody>
+                  <a:tcPr/>
+                </a:tc>
+                <a:extLst>
+                  <a:ext uri="{0D108BD9-81ED-4DB2-BD59-A6C34878D82A}">
+                    <a16:rowId xmlns:a16="http://schemas.microsoft.com/office/drawing/2014/main" val="665166438"/>
+                  </a:ext>
+                </a:extLst>
+              </a:tr>
+              <a:tr h="370840">
+                <a:tc>
+                  <a:txBody>
+                    <a:bodyPr/>
+                    <a:lstStyle/>
+                    <a:p>
+                      <a:r>
+                        <a:rPr lang="it-IT" b="1" dirty="0"/>
+                        <a:t>Voto</a:t>
+                      </a:r>
+                    </a:p>
+                  </a:txBody>
+                  <a:tcPr/>
+                </a:tc>
+                <a:tc>
+                  <a:txBody>
+                    <a:bodyPr/>
+                    <a:lstStyle/>
+                    <a:p>
+                      <a:pPr algn="ctr"/>
+                      <a:r>
+                        <a:rPr lang="it-IT" dirty="0"/>
+                        <a:t>2</a:t>
+                      </a:r>
+                    </a:p>
+                  </a:txBody>
+                  <a:tcPr/>
+                </a:tc>
+                <a:tc>
+                  <a:txBody>
+                    <a:bodyPr/>
+                    <a:lstStyle/>
+                    <a:p>
+                      <a:pPr algn="ctr"/>
+                      <a:r>
+                        <a:rPr lang="it-IT" dirty="0"/>
+                        <a:t>8</a:t>
+                      </a:r>
+                    </a:p>
+                  </a:txBody>
+                  <a:tcPr/>
+                </a:tc>
+                <a:tc>
+                  <a:txBody>
+                    <a:bodyPr/>
+                    <a:lstStyle/>
+                    <a:p>
+                      <a:pPr algn="ctr"/>
+                      <a:r>
+                        <a:rPr lang="it-IT" dirty="0"/>
+                        <a:t>7</a:t>
+                      </a:r>
+                    </a:p>
+                  </a:txBody>
+                  <a:tcPr/>
+                </a:tc>
+                <a:tc>
+                  <a:txBody>
+                    <a:bodyPr/>
+                    <a:lstStyle/>
+                    <a:p>
+                      <a:pPr algn="ctr"/>
+                      <a:r>
+                        <a:rPr lang="it-IT" dirty="0"/>
+                        <a:t>8.5</a:t>
+                      </a:r>
+                    </a:p>
+                  </a:txBody>
+                  <a:tcPr/>
+                </a:tc>
+                <a:tc>
+                  <a:txBody>
+                    <a:bodyPr/>
+                    <a:lstStyle/>
+                    <a:p>
+                      <a:pPr algn="ctr"/>
+                      <a:r>
+                        <a:rPr lang="it-IT" dirty="0"/>
+                        <a:t>7</a:t>
+                      </a:r>
+                    </a:p>
+                  </a:txBody>
+                  <a:tcPr/>
+                </a:tc>
+                <a:tc>
+                  <a:txBody>
+                    <a:bodyPr/>
+                    <a:lstStyle/>
+                    <a:p>
+                      <a:pPr algn="ctr"/>
+                      <a:r>
+                        <a:rPr lang="it-IT" dirty="0"/>
+                        <a:t>6.5</a:t>
+                      </a:r>
+                    </a:p>
+                  </a:txBody>
+                  <a:tcPr/>
+                </a:tc>
+                <a:extLst>
+                  <a:ext uri="{0D108BD9-81ED-4DB2-BD59-A6C34878D82A}">
+                    <a16:rowId xmlns:a16="http://schemas.microsoft.com/office/drawing/2014/main" val="620613140"/>
+                  </a:ext>
+                </a:extLst>
+              </a:tr>
+            </a:tbl>
+          </a:graphicData>
+        </a:graphic>
+      </p:graphicFrame>
+      <mc:AlternateContent xmlns:mc="http://schemas.openxmlformats.org/markup-compatibility/2006" xmlns:a14="http://schemas.microsoft.com/office/drawing/2010/main">
+        <mc:Choice Requires="a14">
+          <p:sp>
+            <p:nvSpPr>
+              <p:cNvPr id="7" name="CasellaDiTesto 6">
+                <a:extLst>
+                  <a:ext uri="{FF2B5EF4-FFF2-40B4-BE49-F238E27FC236}">
+                    <a16:creationId xmlns:a16="http://schemas.microsoft.com/office/drawing/2014/main" id="{76C9FA75-FA3F-0373-430E-97945A15D0E2}"/>
+                  </a:ext>
+                </a:extLst>
+              </p:cNvPr>
+              <p:cNvSpPr txBox="1"/>
+              <p:nvPr/>
+            </p:nvSpPr>
+            <p:spPr>
+              <a:xfrm>
+                <a:off x="1539896" y="4512491"/>
+                <a:ext cx="7124386" cy="745269"/>
+              </a:xfrm>
+              <a:prstGeom prst="rect">
+                <a:avLst/>
+              </a:prstGeom>
+              <a:noFill/>
+            </p:spPr>
+            <p:txBody>
+              <a:bodyPr wrap="none" lIns="0" tIns="0" rIns="0" bIns="0" rtlCol="0">
+                <a:spAutoFit/>
+              </a:bodyPr>
+              <a:lstStyle/>
+              <a:p>
+                <a14:m>
+                  <m:oMath xmlns:m="http://schemas.openxmlformats.org/officeDocument/2006/math">
+                    <m:sSup>
+                      <m:sSupPr>
+                        <m:ctrlPr>
+                          <a:rPr lang="it-IT" sz="2800" b="0" i="1" smtClean="0">
+                            <a:latin typeface="Cambria Math" panose="02040503050406030204" pitchFamily="18" charset="0"/>
+                          </a:rPr>
+                        </m:ctrlPr>
+                      </m:sSupPr>
+                      <m:e>
+                        <m:r>
+                          <a:rPr lang="it-IT" sz="2800" b="0" i="1" smtClean="0">
+                            <a:latin typeface="Cambria Math" panose="02040503050406030204" pitchFamily="18" charset="0"/>
+                          </a:rPr>
+                          <m:t>𝜇</m:t>
+                        </m:r>
+                      </m:e>
+                      <m:sup>
+                        <m:r>
+                          <a:rPr lang="it-IT" sz="2800" b="0" i="1" smtClean="0">
+                            <a:latin typeface="Cambria Math" panose="02040503050406030204" pitchFamily="18" charset="0"/>
+                          </a:rPr>
+                          <m:t>𝑊</m:t>
+                        </m:r>
+                      </m:sup>
+                    </m:sSup>
+                    <m:r>
+                      <a:rPr lang="it-IT" sz="2800" b="0" i="1" smtClean="0">
+                        <a:latin typeface="Cambria Math" panose="02040503050406030204" pitchFamily="18" charset="0"/>
+                      </a:rPr>
+                      <m:t>=</m:t>
+                    </m:r>
+                    <m:f>
+                      <m:fPr>
+                        <m:ctrlPr>
+                          <a:rPr lang="it-IT" sz="2800" b="0" i="1" smtClean="0">
+                            <a:latin typeface="Cambria Math" panose="02040503050406030204" pitchFamily="18" charset="0"/>
+                          </a:rPr>
+                        </m:ctrlPr>
+                      </m:fPr>
+                      <m:num>
+                        <m:d>
+                          <m:dPr>
+                            <m:ctrlPr>
+                              <a:rPr lang="it-IT" sz="2800" b="0" i="1" smtClean="0">
+                                <a:latin typeface="Cambria Math" panose="02040503050406030204" pitchFamily="18" charset="0"/>
+                              </a:rPr>
+                            </m:ctrlPr>
+                          </m:dPr>
+                          <m:e>
+                            <m:d>
+                              <m:dPr>
+                                <m:ctrlPr>
+                                  <a:rPr lang="it-IT" sz="2800" b="0" i="1" smtClean="0">
+                                    <a:latin typeface="Cambria Math" panose="02040503050406030204" pitchFamily="18" charset="0"/>
+                                  </a:rPr>
+                                </m:ctrlPr>
+                              </m:dPr>
+                              <m:e>
+                                <m:r>
+                                  <a:rPr lang="it-IT" sz="2800" b="0" i="1" smtClean="0">
+                                    <a:latin typeface="Cambria Math" panose="02040503050406030204" pitchFamily="18" charset="0"/>
+                                  </a:rPr>
+                                  <m:t>1.5∗2</m:t>
+                                </m:r>
+                              </m:e>
+                            </m:d>
+                            <m:r>
+                              <a:rPr lang="it-IT" sz="2800" b="0" i="1" smtClean="0">
+                                <a:latin typeface="Cambria Math" panose="02040503050406030204" pitchFamily="18" charset="0"/>
+                              </a:rPr>
+                              <m:t>+</m:t>
+                            </m:r>
+                            <m:d>
+                              <m:dPr>
+                                <m:ctrlPr>
+                                  <a:rPr lang="it-IT" sz="2800" b="0" i="1" smtClean="0">
+                                    <a:latin typeface="Cambria Math" panose="02040503050406030204" pitchFamily="18" charset="0"/>
+                                  </a:rPr>
+                                </m:ctrlPr>
+                              </m:dPr>
+                              <m:e>
+                                <m:r>
+                                  <a:rPr lang="it-IT" sz="2800" b="0" i="1" smtClean="0">
+                                    <a:latin typeface="Cambria Math" panose="02040503050406030204" pitchFamily="18" charset="0"/>
+                                  </a:rPr>
+                                  <m:t>1∗8</m:t>
+                                </m:r>
+                              </m:e>
+                            </m:d>
+                            <m:r>
+                              <a:rPr lang="it-IT" sz="2800" b="0" i="1" smtClean="0">
+                                <a:latin typeface="Cambria Math" panose="02040503050406030204" pitchFamily="18" charset="0"/>
+                              </a:rPr>
+                              <m:t>+</m:t>
+                            </m:r>
+                            <m:d>
+                              <m:dPr>
+                                <m:ctrlPr>
+                                  <a:rPr lang="it-IT" sz="2800" b="0" i="1" smtClean="0">
+                                    <a:latin typeface="Cambria Math" panose="02040503050406030204" pitchFamily="18" charset="0"/>
+                                  </a:rPr>
+                                </m:ctrlPr>
+                              </m:dPr>
+                              <m:e>
+                                <m:r>
+                                  <a:rPr lang="it-IT" sz="2800" b="0" i="1" smtClean="0">
+                                    <a:latin typeface="Cambria Math" panose="02040503050406030204" pitchFamily="18" charset="0"/>
+                                  </a:rPr>
+                                  <m:t>1.5∗7</m:t>
+                                </m:r>
+                              </m:e>
+                            </m:d>
+                            <m:r>
+                              <a:rPr lang="it-IT" sz="2800" b="0" i="1" smtClean="0">
+                                <a:latin typeface="Cambria Math" panose="02040503050406030204" pitchFamily="18" charset="0"/>
+                              </a:rPr>
+                              <m:t>+</m:t>
+                            </m:r>
+                            <m:d>
+                              <m:dPr>
+                                <m:ctrlPr>
+                                  <a:rPr lang="it-IT" sz="2800" b="0" i="1" smtClean="0">
+                                    <a:latin typeface="Cambria Math" panose="02040503050406030204" pitchFamily="18" charset="0"/>
+                                  </a:rPr>
+                                </m:ctrlPr>
+                              </m:dPr>
+                              <m:e>
+                                <m:r>
+                                  <a:rPr lang="it-IT" sz="2800" b="0" i="1" smtClean="0">
+                                    <a:latin typeface="Cambria Math" panose="02040503050406030204" pitchFamily="18" charset="0"/>
+                                  </a:rPr>
+                                  <m:t>2∗8.5</m:t>
+                                </m:r>
+                              </m:e>
+                            </m:d>
+                            <m:r>
+                              <a:rPr lang="it-IT" sz="2800" b="0" i="1" smtClean="0">
+                                <a:latin typeface="Cambria Math" panose="02040503050406030204" pitchFamily="18" charset="0"/>
+                              </a:rPr>
+                              <m:t>+</m:t>
+                            </m:r>
+                            <m:d>
+                              <m:dPr>
+                                <m:ctrlPr>
+                                  <a:rPr lang="it-IT" sz="2800" b="0" i="1" smtClean="0">
+                                    <a:latin typeface="Cambria Math" panose="02040503050406030204" pitchFamily="18" charset="0"/>
+                                  </a:rPr>
+                                </m:ctrlPr>
+                              </m:dPr>
+                              <m:e>
+                                <m:r>
+                                  <a:rPr lang="it-IT" sz="2800" b="0" i="1" smtClean="0">
+                                    <a:latin typeface="Cambria Math" panose="02040503050406030204" pitchFamily="18" charset="0"/>
+                                  </a:rPr>
+                                  <m:t>1.5∗7</m:t>
+                                </m:r>
+                              </m:e>
+                            </m:d>
+                            <m:r>
+                              <a:rPr lang="it-IT" sz="2800" b="0" i="1" smtClean="0">
+                                <a:latin typeface="Cambria Math" panose="02040503050406030204" pitchFamily="18" charset="0"/>
+                              </a:rPr>
+                              <m:t>+</m:t>
+                            </m:r>
+                            <m:d>
+                              <m:dPr>
+                                <m:ctrlPr>
+                                  <a:rPr lang="it-IT" sz="2800" b="0" i="1" smtClean="0">
+                                    <a:latin typeface="Cambria Math" panose="02040503050406030204" pitchFamily="18" charset="0"/>
+                                  </a:rPr>
+                                </m:ctrlPr>
+                              </m:dPr>
+                              <m:e>
+                                <m:r>
+                                  <a:rPr lang="it-IT" sz="2800" b="0" i="1" smtClean="0">
+                                    <a:latin typeface="Cambria Math" panose="02040503050406030204" pitchFamily="18" charset="0"/>
+                                  </a:rPr>
+                                  <m:t>1∗6.5</m:t>
+                                </m:r>
+                              </m:e>
+                            </m:d>
+                          </m:e>
+                        </m:d>
+                      </m:num>
+                      <m:den>
+                        <m:r>
+                          <a:rPr lang="it-IT" sz="2800" b="0" i="1" smtClean="0">
+                            <a:latin typeface="Cambria Math" panose="02040503050406030204" pitchFamily="18" charset="0"/>
+                          </a:rPr>
+                          <m:t>(1.5+1+2+1.5+2+1)</m:t>
+                        </m:r>
+                      </m:den>
+                    </m:f>
+                  </m:oMath>
+                </a14:m>
+                <a:r>
+                  <a:rPr lang="it-IT" sz="2000" dirty="0"/>
+                  <a:t> </a:t>
+                </a:r>
+              </a:p>
+            </p:txBody>
+          </p:sp>
+        </mc:Choice>
+        <mc:Fallback xmlns="">
+          <p:sp>
+            <p:nvSpPr>
+              <p:cNvPr id="7" name="CasellaDiTesto 6">
+                <a:extLst>
+                  <a:ext uri="{FF2B5EF4-FFF2-40B4-BE49-F238E27FC236}">
+                    <a16:creationId xmlns:a16="http://schemas.microsoft.com/office/drawing/2014/main" id="{76C9FA75-FA3F-0373-430E-97945A15D0E2}"/>
+                  </a:ext>
+                </a:extLst>
+              </p:cNvPr>
+              <p:cNvSpPr txBox="1">
+                <a:spLocks noRot="1" noChangeAspect="1" noMove="1" noResize="1" noEditPoints="1" noAdjustHandles="1" noChangeArrowheads="1" noChangeShapeType="1" noTextEdit="1"/>
+              </p:cNvSpPr>
+              <p:nvPr/>
+            </p:nvSpPr>
+            <p:spPr>
+              <a:xfrm>
+                <a:off x="1539896" y="4512491"/>
+                <a:ext cx="7124386" cy="745269"/>
+              </a:xfrm>
+              <a:prstGeom prst="rect">
+                <a:avLst/>
+              </a:prstGeom>
+              <a:blipFill>
+                <a:blip r:embed="rId2"/>
+                <a:stretch>
+                  <a:fillRect/>
+                </a:stretch>
+              </a:blipFill>
+            </p:spPr>
+            <p:txBody>
+              <a:bodyPr/>
+              <a:lstStyle/>
+              <a:p>
+                <a:r>
+                  <a:rPr lang="it-IT">
+                    <a:noFill/>
+                  </a:rPr>
+                  <a:t> </a:t>
+                </a:r>
+              </a:p>
+            </p:txBody>
+          </p:sp>
+        </mc:Fallback>
+      </mc:AlternateContent>
+      <mc:AlternateContent xmlns:mc="http://schemas.openxmlformats.org/markup-compatibility/2006" xmlns:a14="http://schemas.microsoft.com/office/drawing/2010/main">
+        <mc:Choice Requires="a14">
+          <p:sp>
+            <p:nvSpPr>
+              <p:cNvPr id="10" name="CasellaDiTesto 9">
+                <a:extLst>
+                  <a:ext uri="{FF2B5EF4-FFF2-40B4-BE49-F238E27FC236}">
+                    <a16:creationId xmlns:a16="http://schemas.microsoft.com/office/drawing/2014/main" id="{A7DA95E3-50F3-8D63-E89B-12C3834211E2}"/>
+                  </a:ext>
+                </a:extLst>
+              </p:cNvPr>
+              <p:cNvSpPr txBox="1"/>
+              <p:nvPr/>
+            </p:nvSpPr>
+            <p:spPr>
+              <a:xfrm>
+                <a:off x="2148967" y="5605281"/>
+                <a:ext cx="9843144" cy="618374"/>
+              </a:xfrm>
+              <a:prstGeom prst="rect">
+                <a:avLst/>
+              </a:prstGeom>
+              <a:noFill/>
+            </p:spPr>
+            <p:txBody>
+              <a:bodyPr wrap="none" lIns="0" tIns="0" rIns="0" bIns="0" rtlCol="0">
+                <a:spAutoFit/>
+              </a:bodyPr>
+              <a:lstStyle/>
+              <a:p>
+                <a14:m>
+                  <m:oMath xmlns:m="http://schemas.openxmlformats.org/officeDocument/2006/math">
+                    <m:r>
+                      <a:rPr lang="it-IT" sz="2800" b="0" i="1" smtClean="0">
+                        <a:latin typeface="Cambria Math" panose="02040503050406030204" pitchFamily="18" charset="0"/>
+                      </a:rPr>
+                      <m:t>=</m:t>
+                    </m:r>
+                    <m:f>
+                      <m:fPr>
+                        <m:ctrlPr>
+                          <a:rPr lang="it-IT" sz="2800" b="0" i="1" smtClean="0">
+                            <a:latin typeface="Cambria Math" panose="02040503050406030204" pitchFamily="18" charset="0"/>
+                          </a:rPr>
+                        </m:ctrlPr>
+                      </m:fPr>
+                      <m:num>
+                        <m:r>
+                          <a:rPr lang="it-IT" sz="2800" b="0" i="1" smtClean="0">
+                            <a:latin typeface="Cambria Math" panose="02040503050406030204" pitchFamily="18" charset="0"/>
+                          </a:rPr>
+                          <m:t>1.5</m:t>
+                        </m:r>
+                      </m:num>
+                      <m:den>
+                        <m:r>
+                          <a:rPr lang="it-IT" sz="2800" b="0" i="1" smtClean="0">
+                            <a:latin typeface="Cambria Math" panose="02040503050406030204" pitchFamily="18" charset="0"/>
+                          </a:rPr>
+                          <m:t>8.5</m:t>
+                        </m:r>
+                      </m:den>
+                    </m:f>
+                    <m:r>
+                      <a:rPr lang="it-IT" sz="2800" b="0" i="1" smtClean="0">
+                        <a:latin typeface="Cambria Math" panose="02040503050406030204" pitchFamily="18" charset="0"/>
+                      </a:rPr>
+                      <m:t>∗2+</m:t>
+                    </m:r>
+                    <m:f>
+                      <m:fPr>
+                        <m:ctrlPr>
+                          <a:rPr lang="it-IT" sz="2800" b="0" i="1" smtClean="0">
+                            <a:latin typeface="Cambria Math" panose="02040503050406030204" pitchFamily="18" charset="0"/>
+                          </a:rPr>
+                        </m:ctrlPr>
+                      </m:fPr>
+                      <m:num>
+                        <m:r>
+                          <a:rPr lang="it-IT" sz="2800" b="0" i="1" smtClean="0">
+                            <a:latin typeface="Cambria Math" panose="02040503050406030204" pitchFamily="18" charset="0"/>
+                          </a:rPr>
+                          <m:t>1</m:t>
+                        </m:r>
+                      </m:num>
+                      <m:den>
+                        <m:r>
+                          <a:rPr lang="it-IT" sz="2800" i="1">
+                            <a:latin typeface="Cambria Math" panose="02040503050406030204" pitchFamily="18" charset="0"/>
+                          </a:rPr>
+                          <m:t>8.5</m:t>
+                        </m:r>
+                      </m:den>
+                    </m:f>
+                    <m:r>
+                      <a:rPr lang="it-IT" sz="2800" b="0" i="1" smtClean="0">
+                        <a:latin typeface="Cambria Math" panose="02040503050406030204" pitchFamily="18" charset="0"/>
+                      </a:rPr>
+                      <m:t>∗8+</m:t>
+                    </m:r>
+                    <m:f>
+                      <m:fPr>
+                        <m:ctrlPr>
+                          <a:rPr lang="it-IT" sz="2800" b="0" i="1" smtClean="0">
+                            <a:latin typeface="Cambria Math" panose="02040503050406030204" pitchFamily="18" charset="0"/>
+                          </a:rPr>
+                        </m:ctrlPr>
+                      </m:fPr>
+                      <m:num>
+                        <m:r>
+                          <a:rPr lang="it-IT" sz="2800" b="0" i="1" smtClean="0">
+                            <a:latin typeface="Cambria Math" panose="02040503050406030204" pitchFamily="18" charset="0"/>
+                          </a:rPr>
+                          <m:t>1.5</m:t>
+                        </m:r>
+                      </m:num>
+                      <m:den>
+                        <m:r>
+                          <a:rPr lang="it-IT" sz="2800" i="1">
+                            <a:latin typeface="Cambria Math" panose="02040503050406030204" pitchFamily="18" charset="0"/>
+                          </a:rPr>
+                          <m:t>8.5</m:t>
+                        </m:r>
+                      </m:den>
+                    </m:f>
+                    <m:r>
+                      <a:rPr lang="it-IT" sz="2800" b="0" i="1" smtClean="0">
+                        <a:latin typeface="Cambria Math" panose="02040503050406030204" pitchFamily="18" charset="0"/>
+                      </a:rPr>
+                      <m:t>∗7+</m:t>
+                    </m:r>
+                    <m:f>
+                      <m:fPr>
+                        <m:ctrlPr>
+                          <a:rPr lang="it-IT" sz="2800" b="0" i="1" smtClean="0">
+                            <a:latin typeface="Cambria Math" panose="02040503050406030204" pitchFamily="18" charset="0"/>
+                          </a:rPr>
+                        </m:ctrlPr>
+                      </m:fPr>
+                      <m:num>
+                        <m:r>
+                          <a:rPr lang="it-IT" sz="2800" b="0" i="1" smtClean="0">
+                            <a:latin typeface="Cambria Math" panose="02040503050406030204" pitchFamily="18" charset="0"/>
+                          </a:rPr>
+                          <m:t>2</m:t>
+                        </m:r>
+                      </m:num>
+                      <m:den>
+                        <m:r>
+                          <a:rPr lang="it-IT" sz="2800" i="1">
+                            <a:latin typeface="Cambria Math" panose="02040503050406030204" pitchFamily="18" charset="0"/>
+                          </a:rPr>
+                          <m:t>8.5</m:t>
+                        </m:r>
+                      </m:den>
+                    </m:f>
+                    <m:r>
+                      <a:rPr lang="it-IT" sz="2800" b="0" i="1" smtClean="0">
+                        <a:latin typeface="Cambria Math" panose="02040503050406030204" pitchFamily="18" charset="0"/>
+                      </a:rPr>
+                      <m:t>∗8.5+</m:t>
+                    </m:r>
+                    <m:f>
+                      <m:fPr>
+                        <m:ctrlPr>
+                          <a:rPr lang="it-IT" sz="2800" b="0" i="1" smtClean="0">
+                            <a:latin typeface="Cambria Math" panose="02040503050406030204" pitchFamily="18" charset="0"/>
+                          </a:rPr>
+                        </m:ctrlPr>
+                      </m:fPr>
+                      <m:num>
+                        <m:r>
+                          <a:rPr lang="it-IT" sz="2800" b="0" i="1" smtClean="0">
+                            <a:latin typeface="Cambria Math" panose="02040503050406030204" pitchFamily="18" charset="0"/>
+                          </a:rPr>
+                          <m:t>1.5</m:t>
+                        </m:r>
+                      </m:num>
+                      <m:den>
+                        <m:r>
+                          <a:rPr lang="it-IT" sz="2800" i="1">
+                            <a:latin typeface="Cambria Math" panose="02040503050406030204" pitchFamily="18" charset="0"/>
+                          </a:rPr>
+                          <m:t>8.5</m:t>
+                        </m:r>
+                      </m:den>
+                    </m:f>
+                    <m:r>
+                      <a:rPr lang="it-IT" sz="2800" b="0" i="1" smtClean="0">
+                        <a:latin typeface="Cambria Math" panose="02040503050406030204" pitchFamily="18" charset="0"/>
+                      </a:rPr>
+                      <m:t>∗7+</m:t>
+                    </m:r>
+                    <m:f>
+                      <m:fPr>
+                        <m:ctrlPr>
+                          <a:rPr lang="it-IT" sz="2800" b="0" i="1" smtClean="0">
+                            <a:latin typeface="Cambria Math" panose="02040503050406030204" pitchFamily="18" charset="0"/>
+                          </a:rPr>
+                        </m:ctrlPr>
+                      </m:fPr>
+                      <m:num>
+                        <m:r>
+                          <a:rPr lang="it-IT" sz="2800" b="0" i="1" smtClean="0">
+                            <a:latin typeface="Cambria Math" panose="02040503050406030204" pitchFamily="18" charset="0"/>
+                          </a:rPr>
+                          <m:t>1</m:t>
+                        </m:r>
+                      </m:num>
+                      <m:den>
+                        <m:r>
+                          <a:rPr lang="it-IT" sz="2800" i="1">
+                            <a:latin typeface="Cambria Math" panose="02040503050406030204" pitchFamily="18" charset="0"/>
+                          </a:rPr>
+                          <m:t>8.5</m:t>
+                        </m:r>
+                      </m:den>
+                    </m:f>
+                    <m:r>
+                      <a:rPr lang="it-IT" sz="2800" b="0" i="1" smtClean="0">
+                        <a:latin typeface="Cambria Math" panose="02040503050406030204" pitchFamily="18" charset="0"/>
+                      </a:rPr>
+                      <m:t>∗6.5=6.529</m:t>
+                    </m:r>
+                  </m:oMath>
+                </a14:m>
+                <a:r>
+                  <a:rPr lang="it-IT" sz="2000" dirty="0"/>
+                  <a:t>  </a:t>
+                </a:r>
+              </a:p>
+            </p:txBody>
+          </p:sp>
+        </mc:Choice>
+        <mc:Fallback xmlns="">
+          <p:sp>
+            <p:nvSpPr>
+              <p:cNvPr id="10" name="CasellaDiTesto 9">
+                <a:extLst>
+                  <a:ext uri="{FF2B5EF4-FFF2-40B4-BE49-F238E27FC236}">
+                    <a16:creationId xmlns:a16="http://schemas.microsoft.com/office/drawing/2014/main" id="{A7DA95E3-50F3-8D63-E89B-12C3834211E2}"/>
+                  </a:ext>
+                </a:extLst>
+              </p:cNvPr>
+              <p:cNvSpPr txBox="1">
+                <a:spLocks noRot="1" noChangeAspect="1" noMove="1" noResize="1" noEditPoints="1" noAdjustHandles="1" noChangeArrowheads="1" noChangeShapeType="1" noTextEdit="1"/>
+              </p:cNvSpPr>
+              <p:nvPr/>
+            </p:nvSpPr>
+            <p:spPr>
+              <a:xfrm>
+                <a:off x="2148967" y="5605281"/>
+                <a:ext cx="9843144" cy="618374"/>
+              </a:xfrm>
+              <a:prstGeom prst="rect">
+                <a:avLst/>
+              </a:prstGeom>
+              <a:blipFill>
+                <a:blip r:embed="rId3"/>
+                <a:stretch>
+                  <a:fillRect/>
+                </a:stretch>
+              </a:blipFill>
+            </p:spPr>
+            <p:txBody>
+              <a:bodyPr/>
+              <a:lstStyle/>
+              <a:p>
+                <a:r>
+                  <a:rPr lang="it-IT">
+                    <a:noFill/>
+                  </a:rPr>
+                  <a:t> </a:t>
+                </a:r>
+              </a:p>
+            </p:txBody>
+          </p:sp>
+        </mc:Fallback>
+      </mc:AlternateContent>
+    </p:spTree>
+    <p:extLst>
+      <p:ext uri="{BB962C8B-B14F-4D97-AF65-F5344CB8AC3E}">
+        <p14:creationId xmlns:p14="http://schemas.microsoft.com/office/powerpoint/2010/main" val="621611489"/>
+      </p:ext>
+    </p:extLst>
+  </p:cSld>
+  <p:clrMapOvr>
+    <a:masterClrMapping/>
+  </p:clrMapOvr>
+</p:sld>
+</file>
+
+<file path=ppt/slides/slide11.xml><?xml version="1.0" encoding="utf-8"?>
+<p:sld xmlns:a="http://schemas.openxmlformats.org/drawingml/2006/main" xmlns:r="http://schemas.openxmlformats.org/officeDocument/2006/relationships" xmlns:p="http://schemas.openxmlformats.org/presentationml/2006/main">
+  <p:cSld>
+    <p:spTree>
+      <p:nvGrpSpPr>
+        <p:cNvPr id="1" name=""/>
+        <p:cNvGrpSpPr/>
+        <p:nvPr/>
+      </p:nvGrpSpPr>
+      <p:grpSpPr>
+        <a:xfrm>
+          <a:off x="0" y="0"/>
+          <a:ext cx="0" cy="0"/>
+          <a:chOff x="0" y="0"/>
+          <a:chExt cx="0" cy="0"/>
+        </a:xfrm>
+      </p:grpSpPr>
+      <p:sp>
+        <p:nvSpPr>
+          <p:cNvPr id="2" name="Titolo 1">
+            <a:extLst>
+              <a:ext uri="{FF2B5EF4-FFF2-40B4-BE49-F238E27FC236}">
                 <a16:creationId xmlns:a16="http://schemas.microsoft.com/office/drawing/2014/main" id="{80B752DB-F46D-58D4-5A42-33DAB96055B3}"/>
               </a:ext>
             </a:extLst>
@@ -3787,7 +4886,7 @@
 </p:sld>
 </file>
 
-<file path=ppt/slides/slide11.xml><?xml version="1.0" encoding="utf-8"?>
+<file path=ppt/slides/slide12.xml><?xml version="1.0" encoding="utf-8"?>
 <p:sld xmlns:a="http://schemas.openxmlformats.org/drawingml/2006/main" xmlns:r="http://schemas.openxmlformats.org/officeDocument/2006/relationships" xmlns:p="http://schemas.openxmlformats.org/presentationml/2006/main">
   <p:cSld>
     <p:spTree>
@@ -3837,8 +4936,8 @@
           </a:p>
         </p:txBody>
       </p:sp>
-      <mc:AlternateContent xmlns:mc="http://schemas.openxmlformats.org/markup-compatibility/2006">
-        <mc:Choice xmlns:a14="http://schemas.microsoft.com/office/drawing/2010/main" Requires="a14">
+      <mc:AlternateContent xmlns:mc="http://schemas.openxmlformats.org/markup-compatibility/2006" xmlns:a14="http://schemas.microsoft.com/office/drawing/2010/main">
+        <mc:Choice Requires="a14">
           <p:sp>
             <p:nvSpPr>
               <p:cNvPr id="7" name="Segnaposto contenuto 6">
@@ -4456,7 +5555,7 @@
             </p:txBody>
           </p:sp>
         </mc:Choice>
-        <mc:Fallback>
+        <mc:Fallback xmlns="">
           <p:sp>
             <p:nvSpPr>
               <p:cNvPr id="7" name="Segnaposto contenuto 6">
@@ -4513,7 +5612,7 @@
 </p:sld>
 </file>
 
-<file path=ppt/slides/slide12.xml><?xml version="1.0" encoding="utf-8"?>
+<file path=ppt/slides/slide13.xml><?xml version="1.0" encoding="utf-8"?>
 <p:sld xmlns:a="http://schemas.openxmlformats.org/drawingml/2006/main" xmlns:r="http://schemas.openxmlformats.org/officeDocument/2006/relationships" xmlns:p="http://schemas.openxmlformats.org/presentationml/2006/main">
   <p:cSld>
     <p:spTree>
@@ -6447,7 +7546,7 @@
 </p:sld>
 </file>
 
-<file path=ppt/slides/slide13.xml><?xml version="1.0" encoding="utf-8"?>
+<file path=ppt/slides/slide14.xml><?xml version="1.0" encoding="utf-8"?>
 <p:sld xmlns:a="http://schemas.openxmlformats.org/drawingml/2006/main" xmlns:r="http://schemas.openxmlformats.org/officeDocument/2006/relationships" xmlns:p="http://schemas.openxmlformats.org/presentationml/2006/main">
   <p:cSld>
     <p:spTree>
@@ -6989,7 +8088,7 @@
 </p:sld>
 </file>
 
-<file path=ppt/slides/slide14.xml><?xml version="1.0" encoding="utf-8"?>
+<file path=ppt/slides/slide15.xml><?xml version="1.0" encoding="utf-8"?>
 <p:sld xmlns:a="http://schemas.openxmlformats.org/drawingml/2006/main" xmlns:r="http://schemas.openxmlformats.org/officeDocument/2006/relationships" xmlns:p="http://schemas.openxmlformats.org/presentationml/2006/main">
   <p:cSld>
     <p:spTree>
@@ -7039,8 +8138,8 @@
           </a:p>
         </p:txBody>
       </p:sp>
-      <mc:AlternateContent xmlns:mc="http://schemas.openxmlformats.org/markup-compatibility/2006">
-        <mc:Choice xmlns:a14="http://schemas.microsoft.com/office/drawing/2010/main" Requires="a14">
+      <mc:AlternateContent xmlns:mc="http://schemas.openxmlformats.org/markup-compatibility/2006" xmlns:a14="http://schemas.microsoft.com/office/drawing/2010/main">
+        <mc:Choice Requires="a14">
           <p:sp>
             <p:nvSpPr>
               <p:cNvPr id="3" name="Segnaposto contenuto 2">
@@ -7409,7 +8508,7 @@
             </p:txBody>
           </p:sp>
         </mc:Choice>
-        <mc:Fallback>
+        <mc:Fallback xmlns="">
           <p:sp>
             <p:nvSpPr>
               <p:cNvPr id="3" name="Segnaposto contenuto 2">
@@ -7466,7 +8565,7 @@
 </p:sld>
 </file>
 
-<file path=ppt/slides/slide15.xml><?xml version="1.0" encoding="utf-8"?>
+<file path=ppt/slides/slide16.xml><?xml version="1.0" encoding="utf-8"?>
 <p:sld xmlns:a="http://schemas.openxmlformats.org/drawingml/2006/main" xmlns:r="http://schemas.openxmlformats.org/officeDocument/2006/relationships" xmlns:p="http://schemas.openxmlformats.org/presentationml/2006/main">
   <p:cSld>
     <p:spTree>
@@ -8136,7 +9235,7 @@
 </p:sld>
 </file>
 
-<file path=ppt/slides/slide16.xml><?xml version="1.0" encoding="utf-8"?>
+<file path=ppt/slides/slide17.xml><?xml version="1.0" encoding="utf-8"?>
 <p:sld xmlns:a="http://schemas.openxmlformats.org/drawingml/2006/main" xmlns:r="http://schemas.openxmlformats.org/officeDocument/2006/relationships" xmlns:p="http://schemas.openxmlformats.org/presentationml/2006/main">
   <p:cSld>
     <p:spTree>
@@ -8224,7 +9323,7 @@
 </p:sld>
 </file>
 
-<file path=ppt/slides/slide17.xml><?xml version="1.0" encoding="utf-8"?>
+<file path=ppt/slides/slide18.xml><?xml version="1.0" encoding="utf-8"?>
 <p:sld xmlns:a="http://schemas.openxmlformats.org/drawingml/2006/main" xmlns:r="http://schemas.openxmlformats.org/officeDocument/2006/relationships" xmlns:p="http://schemas.openxmlformats.org/presentationml/2006/main">
   <p:cSld>
     <p:spTree>
@@ -8361,7 +9460,7 @@
 </p:sld>
 </file>
 
-<file path=ppt/slides/slide18.xml><?xml version="1.0" encoding="utf-8"?>
+<file path=ppt/slides/slide19.xml><?xml version="1.0" encoding="utf-8"?>
 <p:sld xmlns:a="http://schemas.openxmlformats.org/drawingml/2006/main" xmlns:r="http://schemas.openxmlformats.org/officeDocument/2006/relationships" xmlns:p="http://schemas.openxmlformats.org/presentationml/2006/main">
   <p:cSld>
     <p:spTree>
@@ -8458,7 +9557,111 @@
 </p:sld>
 </file>
 
-<file path=ppt/slides/slide19.xml><?xml version="1.0" encoding="utf-8"?>
+<file path=ppt/slides/slide2.xml><?xml version="1.0" encoding="utf-8"?>
+<p:sld xmlns:a="http://schemas.openxmlformats.org/drawingml/2006/main" xmlns:r="http://schemas.openxmlformats.org/officeDocument/2006/relationships" xmlns:p="http://schemas.openxmlformats.org/presentationml/2006/main">
+  <p:cSld>
+    <p:spTree>
+      <p:nvGrpSpPr>
+        <p:cNvPr id="1" name=""/>
+        <p:cNvGrpSpPr/>
+        <p:nvPr/>
+      </p:nvGrpSpPr>
+      <p:grpSpPr>
+        <a:xfrm>
+          <a:off x="0" y="0"/>
+          <a:ext cx="0" cy="0"/>
+          <a:chOff x="0" y="0"/>
+          <a:chExt cx="0" cy="0"/>
+        </a:xfrm>
+      </p:grpSpPr>
+      <p:sp>
+        <p:nvSpPr>
+          <p:cNvPr id="2" name="Titolo 1">
+            <a:extLst>
+              <a:ext uri="{FF2B5EF4-FFF2-40B4-BE49-F238E27FC236}">
+                <a16:creationId xmlns:a16="http://schemas.microsoft.com/office/drawing/2014/main" id="{C9B61216-B7CA-995E-6862-CA49E84DE4AF}"/>
+              </a:ext>
+            </a:extLst>
+          </p:cNvPr>
+          <p:cNvSpPr>
+            <a:spLocks noGrp="1"/>
+          </p:cNvSpPr>
+          <p:nvPr>
+            <p:ph type="title"/>
+          </p:nvPr>
+        </p:nvSpPr>
+        <p:spPr/>
+        <p:txBody>
+          <a:bodyPr/>
+          <a:lstStyle/>
+          <a:p>
+            <a:r>
+              <a:rPr lang="it-IT" dirty="0"/>
+              <a:t>DA AGGIUNGERE</a:t>
+            </a:r>
+          </a:p>
+        </p:txBody>
+      </p:sp>
+      <p:sp>
+        <p:nvSpPr>
+          <p:cNvPr id="3" name="Segnaposto contenuto 2">
+            <a:extLst>
+              <a:ext uri="{FF2B5EF4-FFF2-40B4-BE49-F238E27FC236}">
+                <a16:creationId xmlns:a16="http://schemas.microsoft.com/office/drawing/2014/main" id="{D16C14D3-239D-ED61-0D13-7333B7C88B52}"/>
+              </a:ext>
+            </a:extLst>
+          </p:cNvPr>
+          <p:cNvSpPr>
+            <a:spLocks noGrp="1"/>
+          </p:cNvSpPr>
+          <p:nvPr>
+            <p:ph idx="1"/>
+          </p:nvPr>
+        </p:nvSpPr>
+        <p:spPr/>
+        <p:txBody>
+          <a:bodyPr/>
+          <a:lstStyle/>
+          <a:p>
+            <a:r>
+              <a:rPr lang="it-IT" strike="sngStrike" dirty="0"/>
+              <a:t>Matrice dei dati</a:t>
+            </a:r>
+          </a:p>
+          <a:p>
+            <a:r>
+              <a:rPr lang="it-IT" strike="sngStrike" dirty="0"/>
+              <a:t>Tipologia di variabili</a:t>
+            </a:r>
+          </a:p>
+          <a:p>
+            <a:r>
+              <a:rPr lang="it-IT" dirty="0"/>
+              <a:t>Valori mancanti</a:t>
+            </a:r>
+          </a:p>
+          <a:p>
+            <a:r>
+              <a:rPr lang="it-IT" dirty="0"/>
+              <a:t>Condizioni logiche</a:t>
+            </a:r>
+          </a:p>
+        </p:txBody>
+      </p:sp>
+    </p:spTree>
+    <p:extLst>
+      <p:ext uri="{BB962C8B-B14F-4D97-AF65-F5344CB8AC3E}">
+        <p14:creationId xmlns:p14="http://schemas.microsoft.com/office/powerpoint/2010/main" val="1276302644"/>
+      </p:ext>
+    </p:extLst>
+  </p:cSld>
+  <p:clrMapOvr>
+    <a:masterClrMapping/>
+  </p:clrMapOvr>
+</p:sld>
+</file>
+
+<file path=ppt/slides/slide20.xml><?xml version="1.0" encoding="utf-8"?>
 <p:sld xmlns:a="http://schemas.openxmlformats.org/drawingml/2006/main" xmlns:r="http://schemas.openxmlformats.org/officeDocument/2006/relationships" xmlns:p="http://schemas.openxmlformats.org/presentationml/2006/main">
   <p:cSld>
     <p:spTree>
@@ -8508,8 +9711,8 @@
           </a:p>
         </p:txBody>
       </p:sp>
-      <mc:AlternateContent xmlns:mc="http://schemas.openxmlformats.org/markup-compatibility/2006">
-        <mc:Choice xmlns:a14="http://schemas.microsoft.com/office/drawing/2010/main" Requires="a14">
+      <mc:AlternateContent xmlns:mc="http://schemas.openxmlformats.org/markup-compatibility/2006" xmlns:a14="http://schemas.microsoft.com/office/drawing/2010/main">
+        <mc:Choice Requires="a14">
           <p:sp>
             <p:nvSpPr>
               <p:cNvPr id="3" name="Segnaposto contenuto 2">
@@ -9134,7 +10337,7 @@
             </p:txBody>
           </p:sp>
         </mc:Choice>
-        <mc:Fallback>
+        <mc:Fallback xmlns="">
           <p:sp>
             <p:nvSpPr>
               <p:cNvPr id="3" name="Segnaposto contenuto 2">
@@ -9191,111 +10394,7 @@
 </p:sld>
 </file>
 
-<file path=ppt/slides/slide2.xml><?xml version="1.0" encoding="utf-8"?>
-<p:sld xmlns:a="http://schemas.openxmlformats.org/drawingml/2006/main" xmlns:r="http://schemas.openxmlformats.org/officeDocument/2006/relationships" xmlns:p="http://schemas.openxmlformats.org/presentationml/2006/main">
-  <p:cSld>
-    <p:spTree>
-      <p:nvGrpSpPr>
-        <p:cNvPr id="1" name=""/>
-        <p:cNvGrpSpPr/>
-        <p:nvPr/>
-      </p:nvGrpSpPr>
-      <p:grpSpPr>
-        <a:xfrm>
-          <a:off x="0" y="0"/>
-          <a:ext cx="0" cy="0"/>
-          <a:chOff x="0" y="0"/>
-          <a:chExt cx="0" cy="0"/>
-        </a:xfrm>
-      </p:grpSpPr>
-      <p:sp>
-        <p:nvSpPr>
-          <p:cNvPr id="2" name="Titolo 1">
-            <a:extLst>
-              <a:ext uri="{FF2B5EF4-FFF2-40B4-BE49-F238E27FC236}">
-                <a16:creationId xmlns:a16="http://schemas.microsoft.com/office/drawing/2014/main" id="{C9B61216-B7CA-995E-6862-CA49E84DE4AF}"/>
-              </a:ext>
-            </a:extLst>
-          </p:cNvPr>
-          <p:cNvSpPr>
-            <a:spLocks noGrp="1"/>
-          </p:cNvSpPr>
-          <p:nvPr>
-            <p:ph type="title"/>
-          </p:nvPr>
-        </p:nvSpPr>
-        <p:spPr/>
-        <p:txBody>
-          <a:bodyPr/>
-          <a:lstStyle/>
-          <a:p>
-            <a:r>
-              <a:rPr lang="it-IT" dirty="0"/>
-              <a:t>DA AGGIUNGERE</a:t>
-            </a:r>
-          </a:p>
-        </p:txBody>
-      </p:sp>
-      <p:sp>
-        <p:nvSpPr>
-          <p:cNvPr id="3" name="Segnaposto contenuto 2">
-            <a:extLst>
-              <a:ext uri="{FF2B5EF4-FFF2-40B4-BE49-F238E27FC236}">
-                <a16:creationId xmlns:a16="http://schemas.microsoft.com/office/drawing/2014/main" id="{D16C14D3-239D-ED61-0D13-7333B7C88B52}"/>
-              </a:ext>
-            </a:extLst>
-          </p:cNvPr>
-          <p:cNvSpPr>
-            <a:spLocks noGrp="1"/>
-          </p:cNvSpPr>
-          <p:nvPr>
-            <p:ph idx="1"/>
-          </p:nvPr>
-        </p:nvSpPr>
-        <p:spPr/>
-        <p:txBody>
-          <a:bodyPr/>
-          <a:lstStyle/>
-          <a:p>
-            <a:r>
-              <a:rPr lang="it-IT" strike="sngStrike" dirty="0"/>
-              <a:t>Matrice dei dati</a:t>
-            </a:r>
-          </a:p>
-          <a:p>
-            <a:r>
-              <a:rPr lang="it-IT" strike="sngStrike" dirty="0"/>
-              <a:t>Tipologia di variabili</a:t>
-            </a:r>
-          </a:p>
-          <a:p>
-            <a:r>
-              <a:rPr lang="it-IT" dirty="0"/>
-              <a:t>Valori mancanti</a:t>
-            </a:r>
-          </a:p>
-          <a:p>
-            <a:r>
-              <a:rPr lang="it-IT" dirty="0"/>
-              <a:t>Condizioni logiche</a:t>
-            </a:r>
-          </a:p>
-        </p:txBody>
-      </p:sp>
-    </p:spTree>
-    <p:extLst>
-      <p:ext uri="{BB962C8B-B14F-4D97-AF65-F5344CB8AC3E}">
-        <p14:creationId xmlns:p14="http://schemas.microsoft.com/office/powerpoint/2010/main" val="1276302644"/>
-      </p:ext>
-    </p:extLst>
-  </p:cSld>
-  <p:clrMapOvr>
-    <a:masterClrMapping/>
-  </p:clrMapOvr>
-</p:sld>
-</file>
-
-<file path=ppt/slides/slide20.xml><?xml version="1.0" encoding="utf-8"?>
+<file path=ppt/slides/slide21.xml><?xml version="1.0" encoding="utf-8"?>
 <p:sld xmlns:a="http://schemas.openxmlformats.org/drawingml/2006/main" xmlns:r="http://schemas.openxmlformats.org/officeDocument/2006/relationships" xmlns:p="http://schemas.openxmlformats.org/presentationml/2006/main">
   <p:cSld>
     <p:spTree>
@@ -9520,7 +10619,7 @@
 </p:sld>
 </file>
 
-<file path=ppt/slides/slide21.xml><?xml version="1.0" encoding="utf-8"?>
+<file path=ppt/slides/slide22.xml><?xml version="1.0" encoding="utf-8"?>
 <p:sld xmlns:a="http://schemas.openxmlformats.org/drawingml/2006/main" xmlns:r="http://schemas.openxmlformats.org/officeDocument/2006/relationships" xmlns:p="http://schemas.openxmlformats.org/presentationml/2006/main">
   <p:cSld>
     <p:spTree>
@@ -9570,8 +10669,8 @@
           </a:p>
         </p:txBody>
       </p:sp>
-      <mc:AlternateContent xmlns:mc="http://schemas.openxmlformats.org/markup-compatibility/2006">
-        <mc:Choice xmlns:a14="http://schemas.microsoft.com/office/drawing/2010/main" Requires="a14">
+      <mc:AlternateContent xmlns:mc="http://schemas.openxmlformats.org/markup-compatibility/2006" xmlns:a14="http://schemas.microsoft.com/office/drawing/2010/main">
+        <mc:Choice Requires="a14">
           <p:sp>
             <p:nvSpPr>
               <p:cNvPr id="3" name="Segnaposto contenuto 2">
@@ -10293,7 +11392,7 @@
             </p:txBody>
           </p:sp>
         </mc:Choice>
-        <mc:Fallback>
+        <mc:Fallback xmlns="">
           <p:sp>
             <p:nvSpPr>
               <p:cNvPr id="3" name="Segnaposto contenuto 2">
@@ -10350,7 +11449,7 @@
 </p:sld>
 </file>
 
-<file path=ppt/slides/slide22.xml><?xml version="1.0" encoding="utf-8"?>
+<file path=ppt/slides/slide23.xml><?xml version="1.0" encoding="utf-8"?>
 <p:sld xmlns:a="http://schemas.openxmlformats.org/drawingml/2006/main" xmlns:r="http://schemas.openxmlformats.org/officeDocument/2006/relationships" xmlns:p="http://schemas.openxmlformats.org/presentationml/2006/main">
   <p:cSld>
     <p:spTree>
@@ -10458,7 +11557,7 @@
 </p:sld>
 </file>
 
-<file path=ppt/slides/slide23.xml><?xml version="1.0" encoding="utf-8"?>
+<file path=ppt/slides/slide24.xml><?xml version="1.0" encoding="utf-8"?>
 <p:sld xmlns:a="http://schemas.openxmlformats.org/drawingml/2006/main" xmlns:r="http://schemas.openxmlformats.org/officeDocument/2006/relationships" xmlns:p="http://schemas.openxmlformats.org/presentationml/2006/main">
   <p:cSld>
     <p:spTree>
@@ -10556,7 +11655,7 @@
 </p:sld>
 </file>
 
-<file path=ppt/slides/slide24.xml><?xml version="1.0" encoding="utf-8"?>
+<file path=ppt/slides/slide25.xml><?xml version="1.0" encoding="utf-8"?>
 <p:sld xmlns:a="http://schemas.openxmlformats.org/drawingml/2006/main" xmlns:r="http://schemas.openxmlformats.org/officeDocument/2006/relationships" xmlns:p="http://schemas.openxmlformats.org/presentationml/2006/main">
   <p:cSld>
     <p:spTree>
@@ -10654,6 +11753,99 @@
 </p:sld>
 </file>
 
+<file path=ppt/slides/slide26.xml><?xml version="1.0" encoding="utf-8"?>
+<p:sld xmlns:a="http://schemas.openxmlformats.org/drawingml/2006/main" xmlns:r="http://schemas.openxmlformats.org/officeDocument/2006/relationships" xmlns:p="http://schemas.openxmlformats.org/presentationml/2006/main">
+  <p:cSld>
+    <p:spTree>
+      <p:nvGrpSpPr>
+        <p:cNvPr id="1" name=""/>
+        <p:cNvGrpSpPr/>
+        <p:nvPr/>
+      </p:nvGrpSpPr>
+      <p:grpSpPr>
+        <a:xfrm>
+          <a:off x="0" y="0"/>
+          <a:ext cx="0" cy="0"/>
+          <a:chOff x="0" y="0"/>
+          <a:chExt cx="0" cy="0"/>
+        </a:xfrm>
+      </p:grpSpPr>
+      <p:sp>
+        <p:nvSpPr>
+          <p:cNvPr id="2" name="Titolo 1">
+            <a:extLst>
+              <a:ext uri="{FF2B5EF4-FFF2-40B4-BE49-F238E27FC236}">
+                <a16:creationId xmlns:a16="http://schemas.microsoft.com/office/drawing/2014/main" id="{1BA0DC93-B634-6741-7A24-40D5B35EEE10}"/>
+              </a:ext>
+            </a:extLst>
+          </p:cNvPr>
+          <p:cNvSpPr>
+            <a:spLocks noGrp="1"/>
+          </p:cNvSpPr>
+          <p:nvPr>
+            <p:ph type="title"/>
+          </p:nvPr>
+        </p:nvSpPr>
+        <p:spPr>
+          <a:xfrm>
+            <a:off x="838199" y="18255"/>
+            <a:ext cx="10515600" cy="1325563"/>
+          </a:xfrm>
+        </p:spPr>
+        <p:txBody>
+          <a:bodyPr/>
+          <a:lstStyle/>
+          <a:p>
+            <a:r>
+              <a:rPr lang="it-IT" dirty="0"/>
+              <a:t>Inner Join</a:t>
+            </a:r>
+          </a:p>
+        </p:txBody>
+      </p:sp>
+      <p:pic>
+        <p:nvPicPr>
+          <p:cNvPr id="8" name="Immagine 7">
+            <a:extLst>
+              <a:ext uri="{FF2B5EF4-FFF2-40B4-BE49-F238E27FC236}">
+                <a16:creationId xmlns:a16="http://schemas.microsoft.com/office/drawing/2014/main" id="{EDF3B5C8-5075-37D2-1DE4-18DB0911B04B}"/>
+              </a:ext>
+            </a:extLst>
+          </p:cNvPr>
+          <p:cNvPicPr>
+            <a:picLocks noChangeAspect="1"/>
+          </p:cNvPicPr>
+          <p:nvPr/>
+        </p:nvPicPr>
+        <p:blipFill>
+          <a:blip r:embed="rId2"/>
+          <a:stretch>
+            <a:fillRect/>
+          </a:stretch>
+        </p:blipFill>
+        <p:spPr>
+          <a:xfrm>
+            <a:off x="2985653" y="671127"/>
+            <a:ext cx="6743563" cy="5979362"/>
+          </a:xfrm>
+          <a:prstGeom prst="rect">
+            <a:avLst/>
+          </a:prstGeom>
+        </p:spPr>
+      </p:pic>
+    </p:spTree>
+    <p:extLst>
+      <p:ext uri="{BB962C8B-B14F-4D97-AF65-F5344CB8AC3E}">
+        <p14:creationId xmlns:p14="http://schemas.microsoft.com/office/powerpoint/2010/main" val="29282961"/>
+      </p:ext>
+    </p:extLst>
+  </p:cSld>
+  <p:clrMapOvr>
+    <a:masterClrMapping/>
+  </p:clrMapOvr>
+</p:sld>
+</file>
+
 <file path=ppt/slides/slide3.xml><?xml version="1.0" encoding="utf-8"?>
 <p:sld xmlns:a="http://schemas.openxmlformats.org/drawingml/2006/main" xmlns:r="http://schemas.openxmlformats.org/officeDocument/2006/relationships" xmlns:p="http://schemas.openxmlformats.org/presentationml/2006/main">
   <p:cSld>
@@ -10704,8 +11896,8 @@
           </a:p>
         </p:txBody>
       </p:sp>
-      <mc:AlternateContent xmlns:mc="http://schemas.openxmlformats.org/markup-compatibility/2006">
-        <mc:Choice xmlns:a14="http://schemas.microsoft.com/office/drawing/2010/main" Requires="a14">
+      <mc:AlternateContent xmlns:mc="http://schemas.openxmlformats.org/markup-compatibility/2006" xmlns:a14="http://schemas.microsoft.com/office/drawing/2010/main">
+        <mc:Choice Requires="a14">
           <p:sp>
             <p:nvSpPr>
               <p:cNvPr id="3" name="Segnaposto contenuto 2">
@@ -10890,7 +12082,7 @@
             </p:txBody>
           </p:sp>
         </mc:Choice>
-        <mc:Fallback>
+        <mc:Fallback xmlns="">
           <p:sp>
             <p:nvSpPr>
               <p:cNvPr id="3" name="Segnaposto contenuto 2">
@@ -14814,6 +16006,389 @@
           <p:cNvPr id="2" name="Titolo 1">
             <a:extLst>
               <a:ext uri="{FF2B5EF4-FFF2-40B4-BE49-F238E27FC236}">
+                <a16:creationId xmlns:a16="http://schemas.microsoft.com/office/drawing/2014/main" id="{47A09817-E965-2498-21F2-6AF8F75D24EA}"/>
+              </a:ext>
+            </a:extLst>
+          </p:cNvPr>
+          <p:cNvSpPr>
+            <a:spLocks noGrp="1"/>
+          </p:cNvSpPr>
+          <p:nvPr>
+            <p:ph type="title"/>
+          </p:nvPr>
+        </p:nvSpPr>
+        <p:spPr>
+          <a:xfrm>
+            <a:off x="838200" y="18255"/>
+            <a:ext cx="10515600" cy="1325563"/>
+          </a:xfrm>
+        </p:spPr>
+        <p:txBody>
+          <a:bodyPr/>
+          <a:lstStyle/>
+          <a:p>
+            <a:r>
+              <a:rPr lang="it-IT" dirty="0"/>
+              <a:t>Particolato atmosferico</a:t>
+            </a:r>
+          </a:p>
+        </p:txBody>
+      </p:sp>
+      <mc:AlternateContent xmlns:mc="http://schemas.openxmlformats.org/markup-compatibility/2006">
+        <mc:Choice xmlns:a14="http://schemas.microsoft.com/office/drawing/2010/main" Requires="a14">
+          <p:sp>
+            <p:nvSpPr>
+              <p:cNvPr id="6" name="Segnaposto contenuto 5">
+                <a:extLst>
+                  <a:ext uri="{FF2B5EF4-FFF2-40B4-BE49-F238E27FC236}">
+                    <a16:creationId xmlns:a16="http://schemas.microsoft.com/office/drawing/2014/main" id="{0BA1EBE2-A4EC-C2AA-D2D3-8867B20B5B1B}"/>
+                  </a:ext>
+                </a:extLst>
+              </p:cNvPr>
+              <p:cNvSpPr>
+                <a:spLocks noGrp="1"/>
+              </p:cNvSpPr>
+              <p:nvPr>
+                <p:ph idx="1"/>
+              </p:nvPr>
+            </p:nvSpPr>
+            <p:spPr>
+              <a:xfrm>
+                <a:off x="838200" y="984376"/>
+                <a:ext cx="10856976" cy="5654167"/>
+              </a:xfrm>
+            </p:spPr>
+            <p:txBody>
+              <a:bodyPr>
+                <a:normAutofit lnSpcReduction="10000"/>
+              </a:bodyPr>
+              <a:lstStyle/>
+              <a:p>
+                <a:pPr algn="l"/>
+                <a:r>
+                  <a:rPr lang="it-IT" b="0" i="0" dirty="0">
+                    <a:solidFill>
+                      <a:srgbClr val="222222"/>
+                    </a:solidFill>
+                    <a:effectLst/>
+                    <a:latin typeface="Open Sans" panose="020B0606030504020204" pitchFamily="34" charset="0"/>
+                  </a:rPr>
+                  <a:t>Il particolato atmosferico è formato da una miscela complessa di particelle solide e liquide di natura organica o inorganica, sospese nell’aria.</a:t>
+                </a:r>
+                <a:br>
+                  <a:rPr lang="it-IT" b="0" i="0" dirty="0">
+                    <a:solidFill>
+                      <a:srgbClr val="222222"/>
+                    </a:solidFill>
+                    <a:effectLst/>
+                    <a:latin typeface="Open Sans" panose="020B0606030504020204" pitchFamily="34" charset="0"/>
+                  </a:rPr>
+                </a:br>
+                <a:endParaRPr lang="it-IT" sz="1800" b="0" i="0" dirty="0">
+                  <a:solidFill>
+                    <a:srgbClr val="222222"/>
+                  </a:solidFill>
+                  <a:effectLst/>
+                  <a:latin typeface="Open Sans" panose="020B0606030504020204" pitchFamily="34" charset="0"/>
+                </a:endParaRPr>
+              </a:p>
+              <a:p>
+                <a:pPr algn="l"/>
+                <a:r>
+                  <a:rPr lang="it-IT" b="0" i="0" dirty="0">
+                    <a:solidFill>
+                      <a:srgbClr val="222222"/>
+                    </a:solidFill>
+                    <a:effectLst/>
+                    <a:latin typeface="Open Sans" panose="020B0606030504020204" pitchFamily="34" charset="0"/>
+                  </a:rPr>
+                  <a:t>Il particolato si distingue, in base al diametro aerodinamico, in:</a:t>
+                </a:r>
+                <a:br>
+                  <a:rPr lang="it-IT" b="0" i="0" dirty="0">
+                    <a:solidFill>
+                      <a:srgbClr val="222222"/>
+                    </a:solidFill>
+                    <a:effectLst/>
+                    <a:latin typeface="Open Sans" panose="020B0606030504020204" pitchFamily="34" charset="0"/>
+                  </a:rPr>
+                </a:br>
+                <a:endParaRPr lang="it-IT" b="0" i="0" dirty="0">
+                  <a:solidFill>
+                    <a:srgbClr val="222222"/>
+                  </a:solidFill>
+                  <a:effectLst/>
+                  <a:latin typeface="Open Sans" panose="020B0606030504020204" pitchFamily="34" charset="0"/>
+                </a:endParaRPr>
+              </a:p>
+              <a:p>
+                <a:pPr lvl="1">
+                  <a:buFont typeface="Wingdings" panose="05000000000000000000" pitchFamily="2" charset="2"/>
+                  <a:buChar char="Ø"/>
+                </a:pPr>
+                <a:r>
+                  <a:rPr lang="it-IT" b="0" i="0" dirty="0">
+                    <a:solidFill>
+                      <a:srgbClr val="C00000"/>
+                    </a:solidFill>
+                    <a:effectLst/>
+                    <a:latin typeface="Open Sans" panose="020B0606030504020204" pitchFamily="34" charset="0"/>
+                  </a:rPr>
+                  <a:t>PM</a:t>
+                </a:r>
+                <a:r>
+                  <a:rPr lang="it-IT" b="0" i="0" baseline="-25000" dirty="0">
+                    <a:solidFill>
+                      <a:srgbClr val="C00000"/>
+                    </a:solidFill>
+                    <a:effectLst/>
+                    <a:latin typeface="Open Sans" panose="020B0606030504020204" pitchFamily="34" charset="0"/>
+                  </a:rPr>
+                  <a:t>10</a:t>
+                </a:r>
+                <a:r>
+                  <a:rPr lang="it-IT" b="0" i="0" dirty="0">
+                    <a:solidFill>
+                      <a:srgbClr val="222222"/>
+                    </a:solidFill>
+                    <a:effectLst/>
+                    <a:latin typeface="Open Sans" panose="020B0606030504020204" pitchFamily="34" charset="0"/>
+                  </a:rPr>
+                  <a:t> con diametro aerodinamico inferiore a 10 µm, in grado di penetrare nel tratto superiore dell'apparato respiratorio;</a:t>
+                </a:r>
+              </a:p>
+              <a:p>
+                <a:pPr algn="l">
+                  <a:buFont typeface="Wingdings" panose="05000000000000000000" pitchFamily="2" charset="2"/>
+                  <a:buChar char="Ø"/>
+                </a:pPr>
+                <a:endParaRPr lang="it-IT" b="0" i="0" dirty="0">
+                  <a:solidFill>
+                    <a:srgbClr val="222222"/>
+                  </a:solidFill>
+                  <a:effectLst/>
+                  <a:latin typeface="Open Sans" panose="020B0606030504020204" pitchFamily="34" charset="0"/>
+                </a:endParaRPr>
+              </a:p>
+              <a:p>
+                <a:pPr lvl="1">
+                  <a:buFont typeface="Wingdings" panose="05000000000000000000" pitchFamily="2" charset="2"/>
+                  <a:buChar char="Ø"/>
+                </a:pPr>
+                <a:r>
+                  <a:rPr lang="it-IT" b="0" i="0" dirty="0">
+                    <a:solidFill>
+                      <a:srgbClr val="C00000"/>
+                    </a:solidFill>
+                    <a:effectLst/>
+                    <a:latin typeface="Open Sans" panose="020B0606030504020204" pitchFamily="34" charset="0"/>
+                  </a:rPr>
+                  <a:t>PM</a:t>
+                </a:r>
+                <a:r>
+                  <a:rPr lang="it-IT" b="0" i="0" baseline="-25000" dirty="0">
+                    <a:solidFill>
+                      <a:srgbClr val="C00000"/>
+                    </a:solidFill>
+                    <a:effectLst/>
+                    <a:latin typeface="Open Sans" panose="020B0606030504020204" pitchFamily="34" charset="0"/>
+                  </a:rPr>
+                  <a:t>2.5</a:t>
+                </a:r>
+                <a:r>
+                  <a:rPr lang="it-IT" b="0" i="0" dirty="0">
+                    <a:solidFill>
+                      <a:srgbClr val="222222"/>
+                    </a:solidFill>
+                    <a:effectLst/>
+                    <a:latin typeface="Open Sans" panose="020B0606030504020204" pitchFamily="34" charset="0"/>
+                  </a:rPr>
+                  <a:t> con diametro aerodinamico inferiore a 2.5 µm, in grado di raggiungere i polmoni ed i bronchi secondari.</a:t>
+                </a:r>
+              </a:p>
+              <a:p>
+                <a:pPr marL="0" indent="0">
+                  <a:buNone/>
+                </a:pPr>
+                <a:endParaRPr lang="it-IT" dirty="0"/>
+              </a:p>
+              <a:p>
+                <a:r>
+                  <a:rPr lang="it-IT" dirty="0"/>
+                  <a:t>La direttiva europea 2008/50/CE indica come soglia per il PM</a:t>
+                </a:r>
+                <a:r>
+                  <a:rPr lang="it-IT" baseline="-25000" dirty="0"/>
+                  <a:t>10</a:t>
+                </a:r>
+                <a:r>
+                  <a:rPr lang="it-IT" dirty="0"/>
+                  <a:t> il valore </a:t>
+                </a:r>
+                <a14:m>
+                  <m:oMath xmlns:m="http://schemas.openxmlformats.org/officeDocument/2006/math">
+                    <m:r>
+                      <a:rPr lang="it-IT" b="0" i="1" smtClean="0">
+                        <a:solidFill>
+                          <a:srgbClr val="C00000"/>
+                        </a:solidFill>
+                        <a:latin typeface="Cambria Math" panose="02040503050406030204" pitchFamily="18" charset="0"/>
+                      </a:rPr>
+                      <m:t>50 </m:t>
+                    </m:r>
+                    <m:r>
+                      <a:rPr lang="it-IT" b="0" i="1" smtClean="0">
+                        <a:solidFill>
+                          <a:srgbClr val="C00000"/>
+                        </a:solidFill>
+                        <a:latin typeface="Cambria Math" panose="02040503050406030204" pitchFamily="18" charset="0"/>
+                      </a:rPr>
+                      <m:t>𝜇</m:t>
+                    </m:r>
+                    <m:r>
+                      <a:rPr lang="it-IT" b="0" i="1" smtClean="0">
+                        <a:solidFill>
+                          <a:srgbClr val="C00000"/>
+                        </a:solidFill>
+                        <a:latin typeface="Cambria Math" panose="02040503050406030204" pitchFamily="18" charset="0"/>
+                      </a:rPr>
+                      <m:t>𝑔</m:t>
+                    </m:r>
+                    <m:r>
+                      <a:rPr lang="it-IT" b="0" i="1" smtClean="0">
+                        <a:solidFill>
+                          <a:srgbClr val="C00000"/>
+                        </a:solidFill>
+                        <a:latin typeface="Cambria Math" panose="02040503050406030204" pitchFamily="18" charset="0"/>
+                      </a:rPr>
+                      <m:t>/</m:t>
+                    </m:r>
+                    <m:sSup>
+                      <m:sSupPr>
+                        <m:ctrlPr>
+                          <a:rPr lang="it-IT" b="0" i="1" smtClean="0">
+                            <a:solidFill>
+                              <a:srgbClr val="C00000"/>
+                            </a:solidFill>
+                            <a:latin typeface="Cambria Math" panose="02040503050406030204" pitchFamily="18" charset="0"/>
+                          </a:rPr>
+                        </m:ctrlPr>
+                      </m:sSupPr>
+                      <m:e>
+                        <m:r>
+                          <a:rPr lang="it-IT" b="0" i="1" smtClean="0">
+                            <a:solidFill>
+                              <a:srgbClr val="C00000"/>
+                            </a:solidFill>
+                            <a:latin typeface="Cambria Math" panose="02040503050406030204" pitchFamily="18" charset="0"/>
+                          </a:rPr>
+                          <m:t>𝑚</m:t>
+                        </m:r>
+                      </m:e>
+                      <m:sup>
+                        <m:r>
+                          <a:rPr lang="it-IT" b="0" i="1" smtClean="0">
+                            <a:solidFill>
+                              <a:srgbClr val="C00000"/>
+                            </a:solidFill>
+                            <a:latin typeface="Cambria Math" panose="02040503050406030204" pitchFamily="18" charset="0"/>
+                          </a:rPr>
+                          <m:t>3</m:t>
+                        </m:r>
+                      </m:sup>
+                    </m:sSup>
+                  </m:oMath>
+                </a14:m>
+                <a:r>
+                  <a:rPr lang="it-IT" dirty="0"/>
+                  <a:t>, da non superare per più di 35 giorni in un anno.</a:t>
+                </a:r>
+              </a:p>
+              <a:p>
+                <a:endParaRPr lang="it-IT" dirty="0"/>
+              </a:p>
+            </p:txBody>
+          </p:sp>
+        </mc:Choice>
+        <mc:Fallback>
+          <p:sp>
+            <p:nvSpPr>
+              <p:cNvPr id="6" name="Segnaposto contenuto 5">
+                <a:extLst>
+                  <a:ext uri="{FF2B5EF4-FFF2-40B4-BE49-F238E27FC236}">
+                    <a16:creationId xmlns:a16="http://schemas.microsoft.com/office/drawing/2014/main" id="{0BA1EBE2-A4EC-C2AA-D2D3-8867B20B5B1B}"/>
+                  </a:ext>
+                </a:extLst>
+              </p:cNvPr>
+              <p:cNvSpPr>
+                <a:spLocks noGrp="1" noRot="1" noChangeAspect="1" noMove="1" noResize="1" noEditPoints="1" noAdjustHandles="1" noChangeArrowheads="1" noChangeShapeType="1" noTextEdit="1"/>
+              </p:cNvSpPr>
+              <p:nvPr>
+                <p:ph idx="1"/>
+              </p:nvPr>
+            </p:nvSpPr>
+            <p:spPr>
+              <a:xfrm>
+                <a:off x="838200" y="984376"/>
+                <a:ext cx="10856976" cy="5654167"/>
+              </a:xfrm>
+              <a:blipFill>
+                <a:blip r:embed="rId2"/>
+                <a:stretch>
+                  <a:fillRect l="-1011" t="-2478" r="-674"/>
+                </a:stretch>
+              </a:blipFill>
+            </p:spPr>
+            <p:txBody>
+              <a:bodyPr/>
+              <a:lstStyle/>
+              <a:p>
+                <a:r>
+                  <a:rPr lang="it-IT">
+                    <a:noFill/>
+                  </a:rPr>
+                  <a:t> </a:t>
+                </a:r>
+              </a:p>
+            </p:txBody>
+          </p:sp>
+        </mc:Fallback>
+      </mc:AlternateContent>
+    </p:spTree>
+    <p:extLst>
+      <p:ext uri="{BB962C8B-B14F-4D97-AF65-F5344CB8AC3E}">
+        <p14:creationId xmlns:p14="http://schemas.microsoft.com/office/powerpoint/2010/main" val="2131383195"/>
+      </p:ext>
+    </p:extLst>
+  </p:cSld>
+  <p:clrMapOvr>
+    <a:masterClrMapping/>
+  </p:clrMapOvr>
+</p:sld>
+</file>
+
+<file path=ppt/slides/slide8.xml><?xml version="1.0" encoding="utf-8"?>
+<p:sld xmlns:a="http://schemas.openxmlformats.org/drawingml/2006/main" xmlns:r="http://schemas.openxmlformats.org/officeDocument/2006/relationships" xmlns:p="http://schemas.openxmlformats.org/presentationml/2006/main">
+  <p:cSld>
+    <p:spTree>
+      <p:nvGrpSpPr>
+        <p:cNvPr id="1" name=""/>
+        <p:cNvGrpSpPr/>
+        <p:nvPr/>
+      </p:nvGrpSpPr>
+      <p:grpSpPr>
+        <a:xfrm>
+          <a:off x="0" y="0"/>
+          <a:ext cx="0" cy="0"/>
+          <a:chOff x="0" y="0"/>
+          <a:chExt cx="0" cy="0"/>
+        </a:xfrm>
+      </p:grpSpPr>
+      <p:sp>
+        <p:nvSpPr>
+          <p:cNvPr id="2" name="Titolo 1">
+            <a:extLst>
+              <a:ext uri="{FF2B5EF4-FFF2-40B4-BE49-F238E27FC236}">
                 <a16:creationId xmlns:a16="http://schemas.microsoft.com/office/drawing/2014/main" id="{05B6AC50-00AF-F98D-9085-93A5BA135B96}"/>
               </a:ext>
             </a:extLst>
@@ -14837,8 +16412,8 @@
           </a:p>
         </p:txBody>
       </p:sp>
-      <mc:AlternateContent xmlns:mc="http://schemas.openxmlformats.org/markup-compatibility/2006">
-        <mc:Choice xmlns:a14="http://schemas.microsoft.com/office/drawing/2010/main" Requires="a14">
+      <mc:AlternateContent xmlns:mc="http://schemas.openxmlformats.org/markup-compatibility/2006" xmlns:a14="http://schemas.microsoft.com/office/drawing/2010/main">
+        <mc:Choice Requires="a14">
           <p:sp>
             <p:nvSpPr>
               <p:cNvPr id="3" name="Segnaposto contenuto 2">
@@ -15266,7 +16841,7 @@
             </p:txBody>
           </p:sp>
         </mc:Choice>
-        <mc:Fallback>
+        <mc:Fallback xmlns="">
           <p:sp>
             <p:nvSpPr>
               <p:cNvPr id="3" name="Segnaposto contenuto 2">
@@ -15639,7 +17214,7 @@
 </p:sld>
 </file>
 
-<file path=ppt/slides/slide8.xml><?xml version="1.0" encoding="utf-8"?>
+<file path=ppt/slides/slide9.xml><?xml version="1.0" encoding="utf-8"?>
 <p:sld xmlns:a="http://schemas.openxmlformats.org/drawingml/2006/main" xmlns:r="http://schemas.openxmlformats.org/officeDocument/2006/relationships" xmlns:p="http://schemas.openxmlformats.org/presentationml/2006/main">
   <p:cSld>
     <p:spTree>
@@ -16710,1103 +18285,6 @@
 </p:sld>
 </file>
 
-<file path=ppt/slides/slide9.xml><?xml version="1.0" encoding="utf-8"?>
-<p:sld xmlns:a="http://schemas.openxmlformats.org/drawingml/2006/main" xmlns:r="http://schemas.openxmlformats.org/officeDocument/2006/relationships" xmlns:p="http://schemas.openxmlformats.org/presentationml/2006/main">
-  <p:cSld>
-    <p:spTree>
-      <p:nvGrpSpPr>
-        <p:cNvPr id="1" name=""/>
-        <p:cNvGrpSpPr/>
-        <p:nvPr/>
-      </p:nvGrpSpPr>
-      <p:grpSpPr>
-        <a:xfrm>
-          <a:off x="0" y="0"/>
-          <a:ext cx="0" cy="0"/>
-          <a:chOff x="0" y="0"/>
-          <a:chExt cx="0" cy="0"/>
-        </a:xfrm>
-      </p:grpSpPr>
-      <p:sp>
-        <p:nvSpPr>
-          <p:cNvPr id="2" name="Titolo 1">
-            <a:extLst>
-              <a:ext uri="{FF2B5EF4-FFF2-40B4-BE49-F238E27FC236}">
-                <a16:creationId xmlns:a16="http://schemas.microsoft.com/office/drawing/2014/main" id="{576FD4EB-476B-CC76-FB50-2C85D35D72EB}"/>
-              </a:ext>
-            </a:extLst>
-          </p:cNvPr>
-          <p:cNvSpPr>
-            <a:spLocks noGrp="1"/>
-          </p:cNvSpPr>
-          <p:nvPr>
-            <p:ph type="title"/>
-          </p:nvPr>
-        </p:nvSpPr>
-        <p:spPr>
-          <a:xfrm>
-            <a:off x="838200" y="18255"/>
-            <a:ext cx="10515600" cy="1325563"/>
-          </a:xfrm>
-        </p:spPr>
-        <p:txBody>
-          <a:bodyPr/>
-          <a:lstStyle/>
-          <a:p>
-            <a:r>
-              <a:rPr lang="it-IT" dirty="0"/>
-              <a:t>Indici di posizione (2)</a:t>
-            </a:r>
-          </a:p>
-        </p:txBody>
-      </p:sp>
-      <p:sp>
-        <p:nvSpPr>
-          <p:cNvPr id="3" name="Segnaposto contenuto 2">
-            <a:extLst>
-              <a:ext uri="{FF2B5EF4-FFF2-40B4-BE49-F238E27FC236}">
-                <a16:creationId xmlns:a16="http://schemas.microsoft.com/office/drawing/2014/main" id="{D9D5CA66-3C72-7D5D-5FA5-710AA184DBC7}"/>
-              </a:ext>
-            </a:extLst>
-          </p:cNvPr>
-          <p:cNvSpPr>
-            <a:spLocks noGrp="1"/>
-          </p:cNvSpPr>
-          <p:nvPr>
-            <p:ph idx="1"/>
-          </p:nvPr>
-        </p:nvSpPr>
-        <p:spPr>
-          <a:xfrm>
-            <a:off x="890031" y="1070713"/>
-            <a:ext cx="10515600" cy="5500208"/>
-          </a:xfrm>
-        </p:spPr>
-        <p:txBody>
-          <a:bodyPr/>
-          <a:lstStyle/>
-          <a:p>
-            <a:pPr marL="0" indent="0">
-              <a:buNone/>
-            </a:pPr>
-            <a:r>
-              <a:rPr lang="it-IT" dirty="0"/>
-              <a:t>Ad esempio, supponiamo che il peso delle interrogazioni sia una volta e mezza quello delle verifiche e che il lavoro di gruppo abbia un peso doppio rispetto ad una verifica:</a:t>
-            </a:r>
-          </a:p>
-          <a:p>
-            <a:endParaRPr lang="it-IT" dirty="0"/>
-          </a:p>
-        </p:txBody>
-      </p:sp>
-      <p:graphicFrame>
-        <p:nvGraphicFramePr>
-          <p:cNvPr id="4" name="Tabella 3">
-            <a:extLst>
-              <a:ext uri="{FF2B5EF4-FFF2-40B4-BE49-F238E27FC236}">
-                <a16:creationId xmlns:a16="http://schemas.microsoft.com/office/drawing/2014/main" id="{E1D2A518-EE46-6993-3C0F-EBA6A123C44E}"/>
-              </a:ext>
-            </a:extLst>
-          </p:cNvPr>
-          <p:cNvGraphicFramePr>
-            <a:graphicFrameLocks noGrp="1"/>
-          </p:cNvGraphicFramePr>
-          <p:nvPr>
-            <p:extLst>
-              <p:ext uri="{D42A27DB-BD31-4B8C-83A1-F6EECF244321}">
-                <p14:modId xmlns:p14="http://schemas.microsoft.com/office/powerpoint/2010/main" val="1018306441"/>
-              </p:ext>
-            </p:extLst>
-          </p:nvPr>
-        </p:nvGraphicFramePr>
-        <p:xfrm>
-          <a:off x="504967" y="2832080"/>
-          <a:ext cx="11232106" cy="1112520"/>
-        </p:xfrm>
-        <a:graphic>
-          <a:graphicData uri="http://schemas.openxmlformats.org/drawingml/2006/table">
-            <a:tbl>
-              <a:tblPr firstRow="1" bandRow="1">
-                <a:effectLst>
-                  <a:outerShdw blurRad="50800" dist="38100" dir="2700000" algn="tl" rotWithShape="0">
-                    <a:prstClr val="black">
-                      <a:alpha val="40000"/>
-                    </a:prstClr>
-                  </a:outerShdw>
-                </a:effectLst>
-                <a:tableStyleId>{5940675A-B579-460E-94D1-54222C63F5DA}</a:tableStyleId>
-              </a:tblPr>
-              <a:tblGrid>
-                <a:gridCol w="1440720">
-                  <a:extLst>
-                    <a:ext uri="{9D8B030D-6E8A-4147-A177-3AD203B41FA5}">
-                      <a16:colId xmlns:a16="http://schemas.microsoft.com/office/drawing/2014/main" val="1942655463"/>
-                    </a:ext>
-                  </a:extLst>
-                </a:gridCol>
-                <a:gridCol w="1616379">
-                  <a:extLst>
-                    <a:ext uri="{9D8B030D-6E8A-4147-A177-3AD203B41FA5}">
-                      <a16:colId xmlns:a16="http://schemas.microsoft.com/office/drawing/2014/main" val="3739380273"/>
-                    </a:ext>
-                  </a:extLst>
-                </a:gridCol>
-                <a:gridCol w="1265061">
-                  <a:extLst>
-                    <a:ext uri="{9D8B030D-6E8A-4147-A177-3AD203B41FA5}">
-                      <a16:colId xmlns:a16="http://schemas.microsoft.com/office/drawing/2014/main" val="2579236287"/>
-                    </a:ext>
-                  </a:extLst>
-                </a:gridCol>
-                <a:gridCol w="1743183">
-                  <a:extLst>
-                    <a:ext uri="{9D8B030D-6E8A-4147-A177-3AD203B41FA5}">
-                      <a16:colId xmlns:a16="http://schemas.microsoft.com/office/drawing/2014/main" val="3605425459"/>
-                    </a:ext>
-                  </a:extLst>
-                </a:gridCol>
-                <a:gridCol w="1982860">
-                  <a:extLst>
-                    <a:ext uri="{9D8B030D-6E8A-4147-A177-3AD203B41FA5}">
-                      <a16:colId xmlns:a16="http://schemas.microsoft.com/office/drawing/2014/main" val="4105742860"/>
-                    </a:ext>
-                  </a:extLst>
-                </a:gridCol>
-                <a:gridCol w="1743183">
-                  <a:extLst>
-                    <a:ext uri="{9D8B030D-6E8A-4147-A177-3AD203B41FA5}">
-                      <a16:colId xmlns:a16="http://schemas.microsoft.com/office/drawing/2014/main" val="3620964341"/>
-                    </a:ext>
-                  </a:extLst>
-                </a:gridCol>
-                <a:gridCol w="1440720">
-                  <a:extLst>
-                    <a:ext uri="{9D8B030D-6E8A-4147-A177-3AD203B41FA5}">
-                      <a16:colId xmlns:a16="http://schemas.microsoft.com/office/drawing/2014/main" val="3693595725"/>
-                    </a:ext>
-                  </a:extLst>
-                </a:gridCol>
-              </a:tblGrid>
-              <a:tr h="370840">
-                <a:tc>
-                  <a:txBody>
-                    <a:bodyPr/>
-                    <a:lstStyle/>
-                    <a:p>
-                      <a:r>
-                        <a:rPr lang="it-IT" b="1" dirty="0"/>
-                        <a:t>Tipologia</a:t>
-                      </a:r>
-                    </a:p>
-                  </a:txBody>
-                  <a:tcPr/>
-                </a:tc>
-                <a:tc>
-                  <a:txBody>
-                    <a:bodyPr/>
-                    <a:lstStyle/>
-                    <a:p>
-                      <a:pPr algn="ctr"/>
-                      <a:r>
-                        <a:rPr lang="it-IT" dirty="0"/>
-                        <a:t>Interrogazione</a:t>
-                      </a:r>
-                    </a:p>
-                  </a:txBody>
-                  <a:tcPr/>
-                </a:tc>
-                <a:tc>
-                  <a:txBody>
-                    <a:bodyPr/>
-                    <a:lstStyle/>
-                    <a:p>
-                      <a:pPr algn="ctr"/>
-                      <a:r>
-                        <a:rPr lang="it-IT" dirty="0"/>
-                        <a:t>Verifica</a:t>
-                      </a:r>
-                    </a:p>
-                  </a:txBody>
-                  <a:tcPr/>
-                </a:tc>
-                <a:tc>
-                  <a:txBody>
-                    <a:bodyPr/>
-                    <a:lstStyle/>
-                    <a:p>
-                      <a:pPr algn="ctr"/>
-                      <a:r>
-                        <a:rPr lang="it-IT" dirty="0"/>
-                        <a:t>Interrogazione</a:t>
-                      </a:r>
-                    </a:p>
-                  </a:txBody>
-                  <a:tcPr/>
-                </a:tc>
-                <a:tc>
-                  <a:txBody>
-                    <a:bodyPr/>
-                    <a:lstStyle/>
-                    <a:p>
-                      <a:pPr algn="ctr"/>
-                      <a:r>
-                        <a:rPr lang="it-IT" dirty="0"/>
-                        <a:t>Lavoro di gruppo</a:t>
-                      </a:r>
-                    </a:p>
-                  </a:txBody>
-                  <a:tcPr/>
-                </a:tc>
-                <a:tc>
-                  <a:txBody>
-                    <a:bodyPr/>
-                    <a:lstStyle/>
-                    <a:p>
-                      <a:pPr marL="0" marR="0" lvl="0" indent="0" algn="ctr" defTabSz="914400" rtl="0" eaLnBrk="1" fontAlgn="auto" latinLnBrk="0" hangingPunct="1">
-                        <a:lnSpc>
-                          <a:spcPct val="100000"/>
-                        </a:lnSpc>
-                        <a:spcBef>
-                          <a:spcPts val="0"/>
-                        </a:spcBef>
-                        <a:spcAft>
-                          <a:spcPts val="0"/>
-                        </a:spcAft>
-                        <a:buClrTx/>
-                        <a:buSzTx/>
-                        <a:buFontTx/>
-                        <a:buNone/>
-                        <a:tabLst/>
-                        <a:defRPr/>
-                      </a:pPr>
-                      <a:r>
-                        <a:rPr lang="it-IT" dirty="0"/>
-                        <a:t>Interrogazione</a:t>
-                      </a:r>
-                    </a:p>
-                  </a:txBody>
-                  <a:tcPr/>
-                </a:tc>
-                <a:tc>
-                  <a:txBody>
-                    <a:bodyPr/>
-                    <a:lstStyle/>
-                    <a:p>
-                      <a:pPr algn="ctr"/>
-                      <a:r>
-                        <a:rPr lang="it-IT" dirty="0"/>
-                        <a:t>Verifica</a:t>
-                      </a:r>
-                    </a:p>
-                  </a:txBody>
-                  <a:tcPr/>
-                </a:tc>
-                <a:extLst>
-                  <a:ext uri="{0D108BD9-81ED-4DB2-BD59-A6C34878D82A}">
-                    <a16:rowId xmlns:a16="http://schemas.microsoft.com/office/drawing/2014/main" val="3001312577"/>
-                  </a:ext>
-                </a:extLst>
-              </a:tr>
-              <a:tr h="370840">
-                <a:tc>
-                  <a:txBody>
-                    <a:bodyPr/>
-                    <a:lstStyle/>
-                    <a:p>
-                      <a:r>
-                        <a:rPr lang="it-IT" b="1" dirty="0"/>
-                        <a:t>Peso</a:t>
-                      </a:r>
-                    </a:p>
-                  </a:txBody>
-                  <a:tcPr/>
-                </a:tc>
-                <a:tc>
-                  <a:txBody>
-                    <a:bodyPr/>
-                    <a:lstStyle/>
-                    <a:p>
-                      <a:pPr algn="ctr"/>
-                      <a:r>
-                        <a:rPr lang="it-IT" dirty="0"/>
-                        <a:t>1.5</a:t>
-                      </a:r>
-                    </a:p>
-                  </a:txBody>
-                  <a:tcPr/>
-                </a:tc>
-                <a:tc>
-                  <a:txBody>
-                    <a:bodyPr/>
-                    <a:lstStyle/>
-                    <a:p>
-                      <a:pPr algn="ctr"/>
-                      <a:r>
-                        <a:rPr lang="it-IT" dirty="0"/>
-                        <a:t>1</a:t>
-                      </a:r>
-                    </a:p>
-                  </a:txBody>
-                  <a:tcPr/>
-                </a:tc>
-                <a:tc>
-                  <a:txBody>
-                    <a:bodyPr/>
-                    <a:lstStyle/>
-                    <a:p>
-                      <a:pPr algn="ctr"/>
-                      <a:r>
-                        <a:rPr lang="it-IT" dirty="0"/>
-                        <a:t>1.5</a:t>
-                      </a:r>
-                    </a:p>
-                  </a:txBody>
-                  <a:tcPr/>
-                </a:tc>
-                <a:tc>
-                  <a:txBody>
-                    <a:bodyPr/>
-                    <a:lstStyle/>
-                    <a:p>
-                      <a:pPr algn="ctr"/>
-                      <a:r>
-                        <a:rPr lang="it-IT" dirty="0"/>
-                        <a:t>2</a:t>
-                      </a:r>
-                    </a:p>
-                  </a:txBody>
-                  <a:tcPr/>
-                </a:tc>
-                <a:tc>
-                  <a:txBody>
-                    <a:bodyPr/>
-                    <a:lstStyle/>
-                    <a:p>
-                      <a:pPr marL="0" marR="0" lvl="0" indent="0" algn="ctr" defTabSz="914400" rtl="0" eaLnBrk="1" fontAlgn="auto" latinLnBrk="0" hangingPunct="1">
-                        <a:lnSpc>
-                          <a:spcPct val="100000"/>
-                        </a:lnSpc>
-                        <a:spcBef>
-                          <a:spcPts val="0"/>
-                        </a:spcBef>
-                        <a:spcAft>
-                          <a:spcPts val="0"/>
-                        </a:spcAft>
-                        <a:buClrTx/>
-                        <a:buSzTx/>
-                        <a:buFontTx/>
-                        <a:buNone/>
-                        <a:tabLst/>
-                        <a:defRPr/>
-                      </a:pPr>
-                      <a:r>
-                        <a:rPr lang="it-IT" dirty="0"/>
-                        <a:t>1.5</a:t>
-                      </a:r>
-                    </a:p>
-                  </a:txBody>
-                  <a:tcPr/>
-                </a:tc>
-                <a:tc>
-                  <a:txBody>
-                    <a:bodyPr/>
-                    <a:lstStyle/>
-                    <a:p>
-                      <a:pPr algn="ctr"/>
-                      <a:r>
-                        <a:rPr lang="it-IT" dirty="0"/>
-                        <a:t>1</a:t>
-                      </a:r>
-                    </a:p>
-                  </a:txBody>
-                  <a:tcPr/>
-                </a:tc>
-                <a:extLst>
-                  <a:ext uri="{0D108BD9-81ED-4DB2-BD59-A6C34878D82A}">
-                    <a16:rowId xmlns:a16="http://schemas.microsoft.com/office/drawing/2014/main" val="665166438"/>
-                  </a:ext>
-                </a:extLst>
-              </a:tr>
-              <a:tr h="370840">
-                <a:tc>
-                  <a:txBody>
-                    <a:bodyPr/>
-                    <a:lstStyle/>
-                    <a:p>
-                      <a:r>
-                        <a:rPr lang="it-IT" b="1" dirty="0"/>
-                        <a:t>Voto</a:t>
-                      </a:r>
-                    </a:p>
-                  </a:txBody>
-                  <a:tcPr/>
-                </a:tc>
-                <a:tc>
-                  <a:txBody>
-                    <a:bodyPr/>
-                    <a:lstStyle/>
-                    <a:p>
-                      <a:pPr algn="ctr"/>
-                      <a:r>
-                        <a:rPr lang="it-IT" dirty="0"/>
-                        <a:t>2</a:t>
-                      </a:r>
-                    </a:p>
-                  </a:txBody>
-                  <a:tcPr/>
-                </a:tc>
-                <a:tc>
-                  <a:txBody>
-                    <a:bodyPr/>
-                    <a:lstStyle/>
-                    <a:p>
-                      <a:pPr algn="ctr"/>
-                      <a:r>
-                        <a:rPr lang="it-IT" dirty="0"/>
-                        <a:t>8</a:t>
-                      </a:r>
-                    </a:p>
-                  </a:txBody>
-                  <a:tcPr/>
-                </a:tc>
-                <a:tc>
-                  <a:txBody>
-                    <a:bodyPr/>
-                    <a:lstStyle/>
-                    <a:p>
-                      <a:pPr algn="ctr"/>
-                      <a:r>
-                        <a:rPr lang="it-IT" dirty="0"/>
-                        <a:t>7</a:t>
-                      </a:r>
-                    </a:p>
-                  </a:txBody>
-                  <a:tcPr/>
-                </a:tc>
-                <a:tc>
-                  <a:txBody>
-                    <a:bodyPr/>
-                    <a:lstStyle/>
-                    <a:p>
-                      <a:pPr algn="ctr"/>
-                      <a:r>
-                        <a:rPr lang="it-IT" dirty="0"/>
-                        <a:t>8.5</a:t>
-                      </a:r>
-                    </a:p>
-                  </a:txBody>
-                  <a:tcPr/>
-                </a:tc>
-                <a:tc>
-                  <a:txBody>
-                    <a:bodyPr/>
-                    <a:lstStyle/>
-                    <a:p>
-                      <a:pPr algn="ctr"/>
-                      <a:r>
-                        <a:rPr lang="it-IT" dirty="0"/>
-                        <a:t>7</a:t>
-                      </a:r>
-                    </a:p>
-                  </a:txBody>
-                  <a:tcPr/>
-                </a:tc>
-                <a:tc>
-                  <a:txBody>
-                    <a:bodyPr/>
-                    <a:lstStyle/>
-                    <a:p>
-                      <a:pPr algn="ctr"/>
-                      <a:r>
-                        <a:rPr lang="it-IT" dirty="0"/>
-                        <a:t>6.5</a:t>
-                      </a:r>
-                    </a:p>
-                  </a:txBody>
-                  <a:tcPr/>
-                </a:tc>
-                <a:extLst>
-                  <a:ext uri="{0D108BD9-81ED-4DB2-BD59-A6C34878D82A}">
-                    <a16:rowId xmlns:a16="http://schemas.microsoft.com/office/drawing/2014/main" val="620613140"/>
-                  </a:ext>
-                </a:extLst>
-              </a:tr>
-            </a:tbl>
-          </a:graphicData>
-        </a:graphic>
-      </p:graphicFrame>
-      <mc:AlternateContent xmlns:mc="http://schemas.openxmlformats.org/markup-compatibility/2006" xmlns:a14="http://schemas.microsoft.com/office/drawing/2010/main">
-        <mc:Choice Requires="a14">
-          <p:sp>
-            <p:nvSpPr>
-              <p:cNvPr id="7" name="CasellaDiTesto 6">
-                <a:extLst>
-                  <a:ext uri="{FF2B5EF4-FFF2-40B4-BE49-F238E27FC236}">
-                    <a16:creationId xmlns:a16="http://schemas.microsoft.com/office/drawing/2014/main" id="{76C9FA75-FA3F-0373-430E-97945A15D0E2}"/>
-                  </a:ext>
-                </a:extLst>
-              </p:cNvPr>
-              <p:cNvSpPr txBox="1"/>
-              <p:nvPr/>
-            </p:nvSpPr>
-            <p:spPr>
-              <a:xfrm>
-                <a:off x="1539896" y="4512491"/>
-                <a:ext cx="7124386" cy="745269"/>
-              </a:xfrm>
-              <a:prstGeom prst="rect">
-                <a:avLst/>
-              </a:prstGeom>
-              <a:noFill/>
-            </p:spPr>
-            <p:txBody>
-              <a:bodyPr wrap="none" lIns="0" tIns="0" rIns="0" bIns="0" rtlCol="0">
-                <a:spAutoFit/>
-              </a:bodyPr>
-              <a:lstStyle/>
-              <a:p>
-                <a14:m>
-                  <m:oMath xmlns:m="http://schemas.openxmlformats.org/officeDocument/2006/math">
-                    <m:sSup>
-                      <m:sSupPr>
-                        <m:ctrlPr>
-                          <a:rPr lang="it-IT" sz="2800" b="0" i="1" smtClean="0">
-                            <a:latin typeface="Cambria Math" panose="02040503050406030204" pitchFamily="18" charset="0"/>
-                          </a:rPr>
-                        </m:ctrlPr>
-                      </m:sSupPr>
-                      <m:e>
-                        <m:r>
-                          <a:rPr lang="it-IT" sz="2800" b="0" i="1" smtClean="0">
-                            <a:latin typeface="Cambria Math" panose="02040503050406030204" pitchFamily="18" charset="0"/>
-                          </a:rPr>
-                          <m:t>𝜇</m:t>
-                        </m:r>
-                      </m:e>
-                      <m:sup>
-                        <m:r>
-                          <a:rPr lang="it-IT" sz="2800" b="0" i="1" smtClean="0">
-                            <a:latin typeface="Cambria Math" panose="02040503050406030204" pitchFamily="18" charset="0"/>
-                          </a:rPr>
-                          <m:t>𝑊</m:t>
-                        </m:r>
-                      </m:sup>
-                    </m:sSup>
-                    <m:r>
-                      <a:rPr lang="it-IT" sz="2800" b="0" i="1" smtClean="0">
-                        <a:latin typeface="Cambria Math" panose="02040503050406030204" pitchFamily="18" charset="0"/>
-                      </a:rPr>
-                      <m:t>=</m:t>
-                    </m:r>
-                    <m:f>
-                      <m:fPr>
-                        <m:ctrlPr>
-                          <a:rPr lang="it-IT" sz="2800" b="0" i="1" smtClean="0">
-                            <a:latin typeface="Cambria Math" panose="02040503050406030204" pitchFamily="18" charset="0"/>
-                          </a:rPr>
-                        </m:ctrlPr>
-                      </m:fPr>
-                      <m:num>
-                        <m:d>
-                          <m:dPr>
-                            <m:ctrlPr>
-                              <a:rPr lang="it-IT" sz="2800" b="0" i="1" smtClean="0">
-                                <a:latin typeface="Cambria Math" panose="02040503050406030204" pitchFamily="18" charset="0"/>
-                              </a:rPr>
-                            </m:ctrlPr>
-                          </m:dPr>
-                          <m:e>
-                            <m:d>
-                              <m:dPr>
-                                <m:ctrlPr>
-                                  <a:rPr lang="it-IT" sz="2800" b="0" i="1" smtClean="0">
-                                    <a:latin typeface="Cambria Math" panose="02040503050406030204" pitchFamily="18" charset="0"/>
-                                  </a:rPr>
-                                </m:ctrlPr>
-                              </m:dPr>
-                              <m:e>
-                                <m:r>
-                                  <a:rPr lang="it-IT" sz="2800" b="0" i="1" smtClean="0">
-                                    <a:latin typeface="Cambria Math" panose="02040503050406030204" pitchFamily="18" charset="0"/>
-                                  </a:rPr>
-                                  <m:t>1.5∗2</m:t>
-                                </m:r>
-                              </m:e>
-                            </m:d>
-                            <m:r>
-                              <a:rPr lang="it-IT" sz="2800" b="0" i="1" smtClean="0">
-                                <a:latin typeface="Cambria Math" panose="02040503050406030204" pitchFamily="18" charset="0"/>
-                              </a:rPr>
-                              <m:t>+</m:t>
-                            </m:r>
-                            <m:d>
-                              <m:dPr>
-                                <m:ctrlPr>
-                                  <a:rPr lang="it-IT" sz="2800" b="0" i="1" smtClean="0">
-                                    <a:latin typeface="Cambria Math" panose="02040503050406030204" pitchFamily="18" charset="0"/>
-                                  </a:rPr>
-                                </m:ctrlPr>
-                              </m:dPr>
-                              <m:e>
-                                <m:r>
-                                  <a:rPr lang="it-IT" sz="2800" b="0" i="1" smtClean="0">
-                                    <a:latin typeface="Cambria Math" panose="02040503050406030204" pitchFamily="18" charset="0"/>
-                                  </a:rPr>
-                                  <m:t>1∗8</m:t>
-                                </m:r>
-                              </m:e>
-                            </m:d>
-                            <m:r>
-                              <a:rPr lang="it-IT" sz="2800" b="0" i="1" smtClean="0">
-                                <a:latin typeface="Cambria Math" panose="02040503050406030204" pitchFamily="18" charset="0"/>
-                              </a:rPr>
-                              <m:t>+</m:t>
-                            </m:r>
-                            <m:d>
-                              <m:dPr>
-                                <m:ctrlPr>
-                                  <a:rPr lang="it-IT" sz="2800" b="0" i="1" smtClean="0">
-                                    <a:latin typeface="Cambria Math" panose="02040503050406030204" pitchFamily="18" charset="0"/>
-                                  </a:rPr>
-                                </m:ctrlPr>
-                              </m:dPr>
-                              <m:e>
-                                <m:r>
-                                  <a:rPr lang="it-IT" sz="2800" b="0" i="1" smtClean="0">
-                                    <a:latin typeface="Cambria Math" panose="02040503050406030204" pitchFamily="18" charset="0"/>
-                                  </a:rPr>
-                                  <m:t>1.5∗7</m:t>
-                                </m:r>
-                              </m:e>
-                            </m:d>
-                            <m:r>
-                              <a:rPr lang="it-IT" sz="2800" b="0" i="1" smtClean="0">
-                                <a:latin typeface="Cambria Math" panose="02040503050406030204" pitchFamily="18" charset="0"/>
-                              </a:rPr>
-                              <m:t>+</m:t>
-                            </m:r>
-                            <m:d>
-                              <m:dPr>
-                                <m:ctrlPr>
-                                  <a:rPr lang="it-IT" sz="2800" b="0" i="1" smtClean="0">
-                                    <a:latin typeface="Cambria Math" panose="02040503050406030204" pitchFamily="18" charset="0"/>
-                                  </a:rPr>
-                                </m:ctrlPr>
-                              </m:dPr>
-                              <m:e>
-                                <m:r>
-                                  <a:rPr lang="it-IT" sz="2800" b="0" i="1" smtClean="0">
-                                    <a:latin typeface="Cambria Math" panose="02040503050406030204" pitchFamily="18" charset="0"/>
-                                  </a:rPr>
-                                  <m:t>2∗8.5</m:t>
-                                </m:r>
-                              </m:e>
-                            </m:d>
-                            <m:r>
-                              <a:rPr lang="it-IT" sz="2800" b="0" i="1" smtClean="0">
-                                <a:latin typeface="Cambria Math" panose="02040503050406030204" pitchFamily="18" charset="0"/>
-                              </a:rPr>
-                              <m:t>+</m:t>
-                            </m:r>
-                            <m:d>
-                              <m:dPr>
-                                <m:ctrlPr>
-                                  <a:rPr lang="it-IT" sz="2800" b="0" i="1" smtClean="0">
-                                    <a:latin typeface="Cambria Math" panose="02040503050406030204" pitchFamily="18" charset="0"/>
-                                  </a:rPr>
-                                </m:ctrlPr>
-                              </m:dPr>
-                              <m:e>
-                                <m:r>
-                                  <a:rPr lang="it-IT" sz="2800" b="0" i="1" smtClean="0">
-                                    <a:latin typeface="Cambria Math" panose="02040503050406030204" pitchFamily="18" charset="0"/>
-                                  </a:rPr>
-                                  <m:t>1.5∗7</m:t>
-                                </m:r>
-                              </m:e>
-                            </m:d>
-                            <m:r>
-                              <a:rPr lang="it-IT" sz="2800" b="0" i="1" smtClean="0">
-                                <a:latin typeface="Cambria Math" panose="02040503050406030204" pitchFamily="18" charset="0"/>
-                              </a:rPr>
-                              <m:t>+</m:t>
-                            </m:r>
-                            <m:d>
-                              <m:dPr>
-                                <m:ctrlPr>
-                                  <a:rPr lang="it-IT" sz="2800" b="0" i="1" smtClean="0">
-                                    <a:latin typeface="Cambria Math" panose="02040503050406030204" pitchFamily="18" charset="0"/>
-                                  </a:rPr>
-                                </m:ctrlPr>
-                              </m:dPr>
-                              <m:e>
-                                <m:r>
-                                  <a:rPr lang="it-IT" sz="2800" b="0" i="1" smtClean="0">
-                                    <a:latin typeface="Cambria Math" panose="02040503050406030204" pitchFamily="18" charset="0"/>
-                                  </a:rPr>
-                                  <m:t>1∗6.5</m:t>
-                                </m:r>
-                              </m:e>
-                            </m:d>
-                          </m:e>
-                        </m:d>
-                      </m:num>
-                      <m:den>
-                        <m:r>
-                          <a:rPr lang="it-IT" sz="2800" b="0" i="1" smtClean="0">
-                            <a:latin typeface="Cambria Math" panose="02040503050406030204" pitchFamily="18" charset="0"/>
-                          </a:rPr>
-                          <m:t>(1.5+1+2+1.5+2+1)</m:t>
-                        </m:r>
-                      </m:den>
-                    </m:f>
-                  </m:oMath>
-                </a14:m>
-                <a:r>
-                  <a:rPr lang="it-IT" sz="2000" dirty="0"/>
-                  <a:t> </a:t>
-                </a:r>
-              </a:p>
-            </p:txBody>
-          </p:sp>
-        </mc:Choice>
-        <mc:Fallback xmlns="">
-          <p:sp>
-            <p:nvSpPr>
-              <p:cNvPr id="7" name="CasellaDiTesto 6">
-                <a:extLst>
-                  <a:ext uri="{FF2B5EF4-FFF2-40B4-BE49-F238E27FC236}">
-                    <a16:creationId xmlns:a16="http://schemas.microsoft.com/office/drawing/2014/main" id="{76C9FA75-FA3F-0373-430E-97945A15D0E2}"/>
-                  </a:ext>
-                </a:extLst>
-              </p:cNvPr>
-              <p:cNvSpPr txBox="1">
-                <a:spLocks noRot="1" noChangeAspect="1" noMove="1" noResize="1" noEditPoints="1" noAdjustHandles="1" noChangeArrowheads="1" noChangeShapeType="1" noTextEdit="1"/>
-              </p:cNvSpPr>
-              <p:nvPr/>
-            </p:nvSpPr>
-            <p:spPr>
-              <a:xfrm>
-                <a:off x="1539896" y="4512491"/>
-                <a:ext cx="7124386" cy="745269"/>
-              </a:xfrm>
-              <a:prstGeom prst="rect">
-                <a:avLst/>
-              </a:prstGeom>
-              <a:blipFill>
-                <a:blip r:embed="rId2"/>
-                <a:stretch>
-                  <a:fillRect/>
-                </a:stretch>
-              </a:blipFill>
-            </p:spPr>
-            <p:txBody>
-              <a:bodyPr/>
-              <a:lstStyle/>
-              <a:p>
-                <a:r>
-                  <a:rPr lang="it-IT">
-                    <a:noFill/>
-                  </a:rPr>
-                  <a:t> </a:t>
-                </a:r>
-              </a:p>
-            </p:txBody>
-          </p:sp>
-        </mc:Fallback>
-      </mc:AlternateContent>
-      <mc:AlternateContent xmlns:mc="http://schemas.openxmlformats.org/markup-compatibility/2006" xmlns:a14="http://schemas.microsoft.com/office/drawing/2010/main">
-        <mc:Choice Requires="a14">
-          <p:sp>
-            <p:nvSpPr>
-              <p:cNvPr id="10" name="CasellaDiTesto 9">
-                <a:extLst>
-                  <a:ext uri="{FF2B5EF4-FFF2-40B4-BE49-F238E27FC236}">
-                    <a16:creationId xmlns:a16="http://schemas.microsoft.com/office/drawing/2014/main" id="{A7DA95E3-50F3-8D63-E89B-12C3834211E2}"/>
-                  </a:ext>
-                </a:extLst>
-              </p:cNvPr>
-              <p:cNvSpPr txBox="1"/>
-              <p:nvPr/>
-            </p:nvSpPr>
-            <p:spPr>
-              <a:xfrm>
-                <a:off x="2148967" y="5605281"/>
-                <a:ext cx="9843144" cy="618374"/>
-              </a:xfrm>
-              <a:prstGeom prst="rect">
-                <a:avLst/>
-              </a:prstGeom>
-              <a:noFill/>
-            </p:spPr>
-            <p:txBody>
-              <a:bodyPr wrap="none" lIns="0" tIns="0" rIns="0" bIns="0" rtlCol="0">
-                <a:spAutoFit/>
-              </a:bodyPr>
-              <a:lstStyle/>
-              <a:p>
-                <a14:m>
-                  <m:oMath xmlns:m="http://schemas.openxmlformats.org/officeDocument/2006/math">
-                    <m:r>
-                      <a:rPr lang="it-IT" sz="2800" b="0" i="1" smtClean="0">
-                        <a:latin typeface="Cambria Math" panose="02040503050406030204" pitchFamily="18" charset="0"/>
-                      </a:rPr>
-                      <m:t>=</m:t>
-                    </m:r>
-                    <m:f>
-                      <m:fPr>
-                        <m:ctrlPr>
-                          <a:rPr lang="it-IT" sz="2800" b="0" i="1" smtClean="0">
-                            <a:latin typeface="Cambria Math" panose="02040503050406030204" pitchFamily="18" charset="0"/>
-                          </a:rPr>
-                        </m:ctrlPr>
-                      </m:fPr>
-                      <m:num>
-                        <m:r>
-                          <a:rPr lang="it-IT" sz="2800" b="0" i="1" smtClean="0">
-                            <a:latin typeface="Cambria Math" panose="02040503050406030204" pitchFamily="18" charset="0"/>
-                          </a:rPr>
-                          <m:t>1.5</m:t>
-                        </m:r>
-                      </m:num>
-                      <m:den>
-                        <m:r>
-                          <a:rPr lang="it-IT" sz="2800" b="0" i="1" smtClean="0">
-                            <a:latin typeface="Cambria Math" panose="02040503050406030204" pitchFamily="18" charset="0"/>
-                          </a:rPr>
-                          <m:t>8.5</m:t>
-                        </m:r>
-                      </m:den>
-                    </m:f>
-                    <m:r>
-                      <a:rPr lang="it-IT" sz="2800" b="0" i="1" smtClean="0">
-                        <a:latin typeface="Cambria Math" panose="02040503050406030204" pitchFamily="18" charset="0"/>
-                      </a:rPr>
-                      <m:t>∗2+</m:t>
-                    </m:r>
-                    <m:f>
-                      <m:fPr>
-                        <m:ctrlPr>
-                          <a:rPr lang="it-IT" sz="2800" b="0" i="1" smtClean="0">
-                            <a:latin typeface="Cambria Math" panose="02040503050406030204" pitchFamily="18" charset="0"/>
-                          </a:rPr>
-                        </m:ctrlPr>
-                      </m:fPr>
-                      <m:num>
-                        <m:r>
-                          <a:rPr lang="it-IT" sz="2800" b="0" i="1" smtClean="0">
-                            <a:latin typeface="Cambria Math" panose="02040503050406030204" pitchFamily="18" charset="0"/>
-                          </a:rPr>
-                          <m:t>1</m:t>
-                        </m:r>
-                      </m:num>
-                      <m:den>
-                        <m:r>
-                          <a:rPr lang="it-IT" sz="2800" i="1">
-                            <a:latin typeface="Cambria Math" panose="02040503050406030204" pitchFamily="18" charset="0"/>
-                          </a:rPr>
-                          <m:t>8.5</m:t>
-                        </m:r>
-                      </m:den>
-                    </m:f>
-                    <m:r>
-                      <a:rPr lang="it-IT" sz="2800" b="0" i="1" smtClean="0">
-                        <a:latin typeface="Cambria Math" panose="02040503050406030204" pitchFamily="18" charset="0"/>
-                      </a:rPr>
-                      <m:t>∗8+</m:t>
-                    </m:r>
-                    <m:f>
-                      <m:fPr>
-                        <m:ctrlPr>
-                          <a:rPr lang="it-IT" sz="2800" b="0" i="1" smtClean="0">
-                            <a:latin typeface="Cambria Math" panose="02040503050406030204" pitchFamily="18" charset="0"/>
-                          </a:rPr>
-                        </m:ctrlPr>
-                      </m:fPr>
-                      <m:num>
-                        <m:r>
-                          <a:rPr lang="it-IT" sz="2800" b="0" i="1" smtClean="0">
-                            <a:latin typeface="Cambria Math" panose="02040503050406030204" pitchFamily="18" charset="0"/>
-                          </a:rPr>
-                          <m:t>1.5</m:t>
-                        </m:r>
-                      </m:num>
-                      <m:den>
-                        <m:r>
-                          <a:rPr lang="it-IT" sz="2800" i="1">
-                            <a:latin typeface="Cambria Math" panose="02040503050406030204" pitchFamily="18" charset="0"/>
-                          </a:rPr>
-                          <m:t>8.5</m:t>
-                        </m:r>
-                      </m:den>
-                    </m:f>
-                    <m:r>
-                      <a:rPr lang="it-IT" sz="2800" b="0" i="1" smtClean="0">
-                        <a:latin typeface="Cambria Math" panose="02040503050406030204" pitchFamily="18" charset="0"/>
-                      </a:rPr>
-                      <m:t>∗7+</m:t>
-                    </m:r>
-                    <m:f>
-                      <m:fPr>
-                        <m:ctrlPr>
-                          <a:rPr lang="it-IT" sz="2800" b="0" i="1" smtClean="0">
-                            <a:latin typeface="Cambria Math" panose="02040503050406030204" pitchFamily="18" charset="0"/>
-                          </a:rPr>
-                        </m:ctrlPr>
-                      </m:fPr>
-                      <m:num>
-                        <m:r>
-                          <a:rPr lang="it-IT" sz="2800" b="0" i="1" smtClean="0">
-                            <a:latin typeface="Cambria Math" panose="02040503050406030204" pitchFamily="18" charset="0"/>
-                          </a:rPr>
-                          <m:t>2</m:t>
-                        </m:r>
-                      </m:num>
-                      <m:den>
-                        <m:r>
-                          <a:rPr lang="it-IT" sz="2800" i="1">
-                            <a:latin typeface="Cambria Math" panose="02040503050406030204" pitchFamily="18" charset="0"/>
-                          </a:rPr>
-                          <m:t>8.5</m:t>
-                        </m:r>
-                      </m:den>
-                    </m:f>
-                    <m:r>
-                      <a:rPr lang="it-IT" sz="2800" b="0" i="1" smtClean="0">
-                        <a:latin typeface="Cambria Math" panose="02040503050406030204" pitchFamily="18" charset="0"/>
-                      </a:rPr>
-                      <m:t>∗8.5+</m:t>
-                    </m:r>
-                    <m:f>
-                      <m:fPr>
-                        <m:ctrlPr>
-                          <a:rPr lang="it-IT" sz="2800" b="0" i="1" smtClean="0">
-                            <a:latin typeface="Cambria Math" panose="02040503050406030204" pitchFamily="18" charset="0"/>
-                          </a:rPr>
-                        </m:ctrlPr>
-                      </m:fPr>
-                      <m:num>
-                        <m:r>
-                          <a:rPr lang="it-IT" sz="2800" b="0" i="1" smtClean="0">
-                            <a:latin typeface="Cambria Math" panose="02040503050406030204" pitchFamily="18" charset="0"/>
-                          </a:rPr>
-                          <m:t>1.5</m:t>
-                        </m:r>
-                      </m:num>
-                      <m:den>
-                        <m:r>
-                          <a:rPr lang="it-IT" sz="2800" i="1">
-                            <a:latin typeface="Cambria Math" panose="02040503050406030204" pitchFamily="18" charset="0"/>
-                          </a:rPr>
-                          <m:t>8.5</m:t>
-                        </m:r>
-                      </m:den>
-                    </m:f>
-                    <m:r>
-                      <a:rPr lang="it-IT" sz="2800" b="0" i="1" smtClean="0">
-                        <a:latin typeface="Cambria Math" panose="02040503050406030204" pitchFamily="18" charset="0"/>
-                      </a:rPr>
-                      <m:t>∗7+</m:t>
-                    </m:r>
-                    <m:f>
-                      <m:fPr>
-                        <m:ctrlPr>
-                          <a:rPr lang="it-IT" sz="2800" b="0" i="1" smtClean="0">
-                            <a:latin typeface="Cambria Math" panose="02040503050406030204" pitchFamily="18" charset="0"/>
-                          </a:rPr>
-                        </m:ctrlPr>
-                      </m:fPr>
-                      <m:num>
-                        <m:r>
-                          <a:rPr lang="it-IT" sz="2800" b="0" i="1" smtClean="0">
-                            <a:latin typeface="Cambria Math" panose="02040503050406030204" pitchFamily="18" charset="0"/>
-                          </a:rPr>
-                          <m:t>1</m:t>
-                        </m:r>
-                      </m:num>
-                      <m:den>
-                        <m:r>
-                          <a:rPr lang="it-IT" sz="2800" i="1">
-                            <a:latin typeface="Cambria Math" panose="02040503050406030204" pitchFamily="18" charset="0"/>
-                          </a:rPr>
-                          <m:t>8.5</m:t>
-                        </m:r>
-                      </m:den>
-                    </m:f>
-                    <m:r>
-                      <a:rPr lang="it-IT" sz="2800" b="0" i="1" smtClean="0">
-                        <a:latin typeface="Cambria Math" panose="02040503050406030204" pitchFamily="18" charset="0"/>
-                      </a:rPr>
-                      <m:t>∗6.5=6.529</m:t>
-                    </m:r>
-                  </m:oMath>
-                </a14:m>
-                <a:r>
-                  <a:rPr lang="it-IT" sz="2000" dirty="0"/>
-                  <a:t>  </a:t>
-                </a:r>
-              </a:p>
-            </p:txBody>
-          </p:sp>
-        </mc:Choice>
-        <mc:Fallback xmlns="">
-          <p:sp>
-            <p:nvSpPr>
-              <p:cNvPr id="10" name="CasellaDiTesto 9">
-                <a:extLst>
-                  <a:ext uri="{FF2B5EF4-FFF2-40B4-BE49-F238E27FC236}">
-                    <a16:creationId xmlns:a16="http://schemas.microsoft.com/office/drawing/2014/main" id="{A7DA95E3-50F3-8D63-E89B-12C3834211E2}"/>
-                  </a:ext>
-                </a:extLst>
-              </p:cNvPr>
-              <p:cNvSpPr txBox="1">
-                <a:spLocks noRot="1" noChangeAspect="1" noMove="1" noResize="1" noEditPoints="1" noAdjustHandles="1" noChangeArrowheads="1" noChangeShapeType="1" noTextEdit="1"/>
-              </p:cNvSpPr>
-              <p:nvPr/>
-            </p:nvSpPr>
-            <p:spPr>
-              <a:xfrm>
-                <a:off x="2148967" y="5605281"/>
-                <a:ext cx="9843144" cy="618374"/>
-              </a:xfrm>
-              <a:prstGeom prst="rect">
-                <a:avLst/>
-              </a:prstGeom>
-              <a:blipFill>
-                <a:blip r:embed="rId3"/>
-                <a:stretch>
-                  <a:fillRect/>
-                </a:stretch>
-              </a:blipFill>
-            </p:spPr>
-            <p:txBody>
-              <a:bodyPr/>
-              <a:lstStyle/>
-              <a:p>
-                <a:r>
-                  <a:rPr lang="it-IT">
-                    <a:noFill/>
-                  </a:rPr>
-                  <a:t> </a:t>
-                </a:r>
-              </a:p>
-            </p:txBody>
-          </p:sp>
-        </mc:Fallback>
-      </mc:AlternateContent>
-    </p:spTree>
-    <p:extLst>
-      <p:ext uri="{BB962C8B-B14F-4D97-AF65-F5344CB8AC3E}">
-        <p14:creationId xmlns:p14="http://schemas.microsoft.com/office/powerpoint/2010/main" val="621611489"/>
-      </p:ext>
-    </p:extLst>
-  </p:cSld>
-  <p:clrMapOvr>
-    <a:masterClrMapping/>
-  </p:clrMapOvr>
-</p:sld>
-</file>
-
 <file path=ppt/theme/theme1.xml><?xml version="1.0" encoding="utf-8"?>
 <a:theme xmlns:a="http://schemas.openxmlformats.org/drawingml/2006/main" name="Tema di Office">
   <a:themeElements>

--- a/IntroR/BSTAT5 - IntroR - 1.pptx
+++ b/IntroR/BSTAT5 - IntroR - 1.pptx
@@ -6,12 +6,12 @@
   </p:sldMasterIdLst>
   <p:sldIdLst>
     <p:sldId id="256" r:id="rId2"/>
-    <p:sldId id="257" r:id="rId3"/>
-    <p:sldId id="271" r:id="rId4"/>
-    <p:sldId id="259" r:id="rId5"/>
-    <p:sldId id="279" r:id="rId6"/>
-    <p:sldId id="258" r:id="rId7"/>
-    <p:sldId id="280" r:id="rId8"/>
+    <p:sldId id="271" r:id="rId3"/>
+    <p:sldId id="259" r:id="rId4"/>
+    <p:sldId id="279" r:id="rId5"/>
+    <p:sldId id="258" r:id="rId6"/>
+    <p:sldId id="280" r:id="rId7"/>
+    <p:sldId id="283" r:id="rId8"/>
     <p:sldId id="260" r:id="rId9"/>
     <p:sldId id="261" r:id="rId10"/>
     <p:sldId id="262" r:id="rId11"/>
@@ -24,12 +24,12 @@
     <p:sldId id="272" r:id="rId18"/>
     <p:sldId id="273" r:id="rId19"/>
     <p:sldId id="265" r:id="rId20"/>
-    <p:sldId id="275" r:id="rId21"/>
-    <p:sldId id="276" r:id="rId22"/>
-    <p:sldId id="277" r:id="rId23"/>
-    <p:sldId id="278" r:id="rId24"/>
-    <p:sldId id="269" r:id="rId25"/>
-    <p:sldId id="270" r:id="rId26"/>
+    <p:sldId id="269" r:id="rId21"/>
+    <p:sldId id="270" r:id="rId22"/>
+    <p:sldId id="275" r:id="rId23"/>
+    <p:sldId id="276" r:id="rId24"/>
+    <p:sldId id="277" r:id="rId25"/>
+    <p:sldId id="278" r:id="rId26"/>
     <p:sldId id="282" r:id="rId27"/>
   </p:sldIdLst>
   <p:sldSz cx="12192000" cy="6858000"/>
@@ -284,7 +284,7 @@
           <a:p>
             <a:fld id="{9BC484E4-5986-4641-8001-5AB15EC72EEF}" type="datetimeFigureOut">
               <a:rPr lang="it-IT" smtClean="0"/>
-              <a:t>04/02/2025</a:t>
+              <a:t>05/02/2025</a:t>
             </a:fld>
             <a:endParaRPr lang="it-IT"/>
           </a:p>
@@ -482,7 +482,7 @@
           <a:p>
             <a:fld id="{9BC484E4-5986-4641-8001-5AB15EC72EEF}" type="datetimeFigureOut">
               <a:rPr lang="it-IT" smtClean="0"/>
-              <a:t>04/02/2025</a:t>
+              <a:t>05/02/2025</a:t>
             </a:fld>
             <a:endParaRPr lang="it-IT"/>
           </a:p>
@@ -690,7 +690,7 @@
           <a:p>
             <a:fld id="{9BC484E4-5986-4641-8001-5AB15EC72EEF}" type="datetimeFigureOut">
               <a:rPr lang="it-IT" smtClean="0"/>
-              <a:t>04/02/2025</a:t>
+              <a:t>05/02/2025</a:t>
             </a:fld>
             <a:endParaRPr lang="it-IT"/>
           </a:p>
@@ -888,7 +888,7 @@
           <a:p>
             <a:fld id="{9BC484E4-5986-4641-8001-5AB15EC72EEF}" type="datetimeFigureOut">
               <a:rPr lang="it-IT" smtClean="0"/>
-              <a:t>04/02/2025</a:t>
+              <a:t>05/02/2025</a:t>
             </a:fld>
             <a:endParaRPr lang="it-IT"/>
           </a:p>
@@ -1163,7 +1163,7 @@
           <a:p>
             <a:fld id="{9BC484E4-5986-4641-8001-5AB15EC72EEF}" type="datetimeFigureOut">
               <a:rPr lang="it-IT" smtClean="0"/>
-              <a:t>04/02/2025</a:t>
+              <a:t>05/02/2025</a:t>
             </a:fld>
             <a:endParaRPr lang="it-IT"/>
           </a:p>
@@ -1428,7 +1428,7 @@
           <a:p>
             <a:fld id="{9BC484E4-5986-4641-8001-5AB15EC72EEF}" type="datetimeFigureOut">
               <a:rPr lang="it-IT" smtClean="0"/>
-              <a:t>04/02/2025</a:t>
+              <a:t>05/02/2025</a:t>
             </a:fld>
             <a:endParaRPr lang="it-IT"/>
           </a:p>
@@ -1840,7 +1840,7 @@
           <a:p>
             <a:fld id="{9BC484E4-5986-4641-8001-5AB15EC72EEF}" type="datetimeFigureOut">
               <a:rPr lang="it-IT" smtClean="0"/>
-              <a:t>04/02/2025</a:t>
+              <a:t>05/02/2025</a:t>
             </a:fld>
             <a:endParaRPr lang="it-IT"/>
           </a:p>
@@ -1981,7 +1981,7 @@
           <a:p>
             <a:fld id="{9BC484E4-5986-4641-8001-5AB15EC72EEF}" type="datetimeFigureOut">
               <a:rPr lang="it-IT" smtClean="0"/>
-              <a:t>04/02/2025</a:t>
+              <a:t>05/02/2025</a:t>
             </a:fld>
             <a:endParaRPr lang="it-IT"/>
           </a:p>
@@ -2094,7 +2094,7 @@
           <a:p>
             <a:fld id="{9BC484E4-5986-4641-8001-5AB15EC72EEF}" type="datetimeFigureOut">
               <a:rPr lang="it-IT" smtClean="0"/>
-              <a:t>04/02/2025</a:t>
+              <a:t>05/02/2025</a:t>
             </a:fld>
             <a:endParaRPr lang="it-IT"/>
           </a:p>
@@ -2405,7 +2405,7 @@
           <a:p>
             <a:fld id="{9BC484E4-5986-4641-8001-5AB15EC72EEF}" type="datetimeFigureOut">
               <a:rPr lang="it-IT" smtClean="0"/>
-              <a:t>04/02/2025</a:t>
+              <a:t>05/02/2025</a:t>
             </a:fld>
             <a:endParaRPr lang="it-IT"/>
           </a:p>
@@ -2693,7 +2693,7 @@
           <a:p>
             <a:fld id="{9BC484E4-5986-4641-8001-5AB15EC72EEF}" type="datetimeFigureOut">
               <a:rPr lang="it-IT" smtClean="0"/>
-              <a:t>04/02/2025</a:t>
+              <a:t>05/02/2025</a:t>
             </a:fld>
             <a:endParaRPr lang="it-IT"/>
           </a:p>
@@ -2934,7 +2934,7 @@
           <a:p>
             <a:fld id="{9BC484E4-5986-4641-8001-5AB15EC72EEF}" type="datetimeFigureOut">
               <a:rPr lang="it-IT" smtClean="0"/>
-              <a:t>04/02/2025</a:t>
+              <a:t>05/02/2025</a:t>
             </a:fld>
             <a:endParaRPr lang="it-IT"/>
           </a:p>
@@ -8138,8 +8138,8 @@
           </a:p>
         </p:txBody>
       </p:sp>
-      <mc:AlternateContent xmlns:mc="http://schemas.openxmlformats.org/markup-compatibility/2006" xmlns:a14="http://schemas.microsoft.com/office/drawing/2010/main">
-        <mc:Choice Requires="a14">
+      <mc:AlternateContent xmlns:mc="http://schemas.openxmlformats.org/markup-compatibility/2006">
+        <mc:Choice xmlns:a14="http://schemas.microsoft.com/office/drawing/2010/main" Requires="a14">
           <p:sp>
             <p:nvSpPr>
               <p:cNvPr id="3" name="Segnaposto contenuto 2">
@@ -8177,8 +8177,16 @@
                   <a:t>Varianza</a:t>
                 </a:r>
                 <a:r>
+                  <a:rPr lang="it-IT" dirty="0">
+                    <a:solidFill>
+                      <a:srgbClr val="C00000"/>
+                    </a:solidFill>
+                  </a:rPr>
+                  <a:t>.</a:t>
+                </a:r>
+                <a:r>
                   <a:rPr lang="it-IT" dirty="0"/>
-                  <a:t>. La varianza è la media del quadrato degli scarti di ogni </a:t>
+                  <a:t> La varianza è la media del quadrato degli scarti di ogni </a:t>
                 </a:r>
                 <a14:m>
                   <m:oMath xmlns:m="http://schemas.openxmlformats.org/officeDocument/2006/math">
@@ -8508,7 +8516,7 @@
             </p:txBody>
           </p:sp>
         </mc:Choice>
-        <mc:Fallback xmlns="">
+        <mc:Fallback>
           <p:sp>
             <p:nvSpPr>
               <p:cNvPr id="3" name="Segnaposto contenuto 2">
@@ -9301,10 +9309,105 @@
             <p:ph idx="1"/>
           </p:nvPr>
         </p:nvSpPr>
-        <p:spPr/>
+        <p:spPr>
+          <a:xfrm>
+            <a:off x="838200" y="1097280"/>
+            <a:ext cx="10515600" cy="5632703"/>
+          </a:xfrm>
+        </p:spPr>
         <p:txBody>
-          <a:bodyPr/>
+          <a:bodyPr>
+            <a:normAutofit/>
+          </a:bodyPr>
           <a:lstStyle/>
+          <a:p>
+            <a:pPr marL="0" indent="0">
+              <a:buNone/>
+            </a:pPr>
+            <a:r>
+              <a:rPr lang="it-IT" dirty="0"/>
+              <a:t>Sintetizzare i dati anche tramite grafici è utile per diversi motivi:</a:t>
+            </a:r>
+          </a:p>
+          <a:p>
+            <a:endParaRPr lang="it-IT" sz="900" dirty="0"/>
+          </a:p>
+          <a:p>
+            <a:pPr lvl="1">
+              <a:buFont typeface="Wingdings" panose="05000000000000000000" pitchFamily="2" charset="2"/>
+              <a:buChar char="Ø"/>
+            </a:pPr>
+            <a:r>
+              <a:rPr lang="it-IT" b="1" dirty="0"/>
+              <a:t>Identificare pattern e valori anomali.</a:t>
+            </a:r>
+            <a:r>
+              <a:rPr lang="it-IT" dirty="0"/>
+              <a:t> Rappresentazioni grafiche permettono di individuare andamenti e anomalie che le statistiche di sintesi da sole non possono evidenziare.</a:t>
+            </a:r>
+            <a:br>
+              <a:rPr lang="it-IT" dirty="0"/>
+            </a:br>
+            <a:endParaRPr lang="it-IT" dirty="0"/>
+          </a:p>
+          <a:p>
+            <a:pPr lvl="1">
+              <a:buFont typeface="Wingdings" panose="05000000000000000000" pitchFamily="2" charset="2"/>
+              <a:buChar char="Ø"/>
+            </a:pPr>
+            <a:r>
+              <a:rPr lang="it-IT" b="1" dirty="0"/>
+              <a:t>Confrontare</a:t>
+            </a:r>
+            <a:r>
+              <a:rPr lang="it-IT" dirty="0"/>
+              <a:t> dataset diversi o distribuzioni nel tempo è più intuitivo con grafici sovrapposti rispetto a una tabella di numeri.</a:t>
+            </a:r>
+            <a:br>
+              <a:rPr lang="it-IT" dirty="0"/>
+            </a:br>
+            <a:endParaRPr lang="it-IT" dirty="0"/>
+          </a:p>
+          <a:p>
+            <a:pPr lvl="1">
+              <a:buFont typeface="Wingdings" panose="05000000000000000000" pitchFamily="2" charset="2"/>
+              <a:buChar char="Ø"/>
+            </a:pPr>
+            <a:r>
+              <a:rPr lang="it-IT" b="1" dirty="0"/>
+              <a:t>Comunicare in modo efficace.</a:t>
+            </a:r>
+            <a:r>
+              <a:rPr lang="it-IT" dirty="0"/>
+              <a:t> Un’immagine è più immediata di una lista di statistiche, rendendo le informazioni più accessibili anche a chi non ha esperienza avanzata in statistica.</a:t>
+            </a:r>
+            <a:br>
+              <a:rPr lang="it-IT" dirty="0"/>
+            </a:br>
+            <a:endParaRPr lang="it-IT" dirty="0"/>
+          </a:p>
+          <a:p>
+            <a:pPr lvl="1">
+              <a:buFont typeface="Wingdings" panose="05000000000000000000" pitchFamily="2" charset="2"/>
+              <a:buChar char="Ø"/>
+            </a:pPr>
+            <a:r>
+              <a:rPr lang="it-IT" b="1" dirty="0"/>
+              <a:t>Paradosso di </a:t>
+            </a:r>
+            <a:r>
+              <a:rPr lang="it-IT" b="1" dirty="0" err="1"/>
+              <a:t>Anscombe</a:t>
+            </a:r>
+            <a:r>
+              <a:rPr lang="it-IT" b="1" dirty="0"/>
+              <a:t>:</a:t>
+            </a:r>
+            <a:r>
+              <a:rPr lang="it-IT" dirty="0"/>
+              <a:t> dataset differenti possono portare alle stesse statistiche di sintesi, ma mostrare strutture anche molto diverse nei dati.</a:t>
+            </a:r>
+          </a:p>
           <a:p>
             <a:endParaRPr lang="it-IT" dirty="0"/>
           </a:p>
@@ -9579,7 +9682,7 @@
           <p:cNvPr id="2" name="Titolo 1">
             <a:extLst>
               <a:ext uri="{FF2B5EF4-FFF2-40B4-BE49-F238E27FC236}">
-                <a16:creationId xmlns:a16="http://schemas.microsoft.com/office/drawing/2014/main" id="{C9B61216-B7CA-995E-6862-CA49E84DE4AF}"/>
+                <a16:creationId xmlns:a16="http://schemas.microsoft.com/office/drawing/2014/main" id="{E2984A12-E4F0-4EB5-B4D6-BB62957F1D2E}"/>
               </a:ext>
             </a:extLst>
           </p:cNvPr>
@@ -9590,68 +9693,257 @@
             <p:ph type="title"/>
           </p:nvPr>
         </p:nvSpPr>
-        <p:spPr/>
+        <p:spPr>
+          <a:xfrm>
+            <a:off x="838200" y="18255"/>
+            <a:ext cx="10515600" cy="1325563"/>
+          </a:xfrm>
+        </p:spPr>
         <p:txBody>
           <a:bodyPr/>
           <a:lstStyle/>
           <a:p>
             <a:r>
               <a:rPr lang="it-IT" dirty="0"/>
-              <a:t>DA AGGIUNGERE</a:t>
+              <a:t>Notazione</a:t>
             </a:r>
           </a:p>
         </p:txBody>
       </p:sp>
-      <p:sp>
-        <p:nvSpPr>
-          <p:cNvPr id="3" name="Segnaposto contenuto 2">
-            <a:extLst>
-              <a:ext uri="{FF2B5EF4-FFF2-40B4-BE49-F238E27FC236}">
-                <a16:creationId xmlns:a16="http://schemas.microsoft.com/office/drawing/2014/main" id="{D16C14D3-239D-ED61-0D13-7333B7C88B52}"/>
-              </a:ext>
-            </a:extLst>
-          </p:cNvPr>
-          <p:cNvSpPr>
-            <a:spLocks noGrp="1"/>
-          </p:cNvSpPr>
-          <p:nvPr>
-            <p:ph idx="1"/>
-          </p:nvPr>
-        </p:nvSpPr>
-        <p:spPr/>
-        <p:txBody>
-          <a:bodyPr/>
-          <a:lstStyle/>
-          <a:p>
-            <a:r>
-              <a:rPr lang="it-IT" strike="sngStrike" dirty="0"/>
-              <a:t>Matrice dei dati</a:t>
-            </a:r>
-          </a:p>
-          <a:p>
-            <a:r>
-              <a:rPr lang="it-IT" strike="sngStrike" dirty="0"/>
-              <a:t>Tipologia di variabili</a:t>
-            </a:r>
-          </a:p>
-          <a:p>
-            <a:r>
-              <a:rPr lang="it-IT" dirty="0"/>
-              <a:t>Valori mancanti</a:t>
-            </a:r>
-          </a:p>
-          <a:p>
-            <a:r>
-              <a:rPr lang="it-IT" dirty="0"/>
-              <a:t>Condizioni logiche</a:t>
-            </a:r>
-          </a:p>
-        </p:txBody>
-      </p:sp>
+      <mc:AlternateContent xmlns:mc="http://schemas.openxmlformats.org/markup-compatibility/2006">
+        <mc:Choice xmlns:a14="http://schemas.microsoft.com/office/drawing/2010/main" Requires="a14">
+          <p:sp>
+            <p:nvSpPr>
+              <p:cNvPr id="3" name="Segnaposto contenuto 2">
+                <a:extLst>
+                  <a:ext uri="{FF2B5EF4-FFF2-40B4-BE49-F238E27FC236}">
+                    <a16:creationId xmlns:a16="http://schemas.microsoft.com/office/drawing/2014/main" id="{4D4950C1-3060-4C90-AB4B-4F698C765677}"/>
+                  </a:ext>
+                </a:extLst>
+              </p:cNvPr>
+              <p:cNvSpPr>
+                <a:spLocks noGrp="1"/>
+              </p:cNvSpPr>
+              <p:nvPr>
+                <p:ph idx="1"/>
+              </p:nvPr>
+            </p:nvSpPr>
+            <p:spPr>
+              <a:xfrm>
+                <a:off x="838200" y="1087785"/>
+                <a:ext cx="10515600" cy="5329937"/>
+              </a:xfrm>
+            </p:spPr>
+            <p:txBody>
+              <a:bodyPr/>
+              <a:lstStyle/>
+              <a:p>
+                <a:r>
+                  <a:rPr lang="it-IT" dirty="0">
+                    <a:solidFill>
+                      <a:srgbClr val="C00000"/>
+                    </a:solidFill>
+                  </a:rPr>
+                  <a:t>Popolazione: </a:t>
+                </a:r>
+                <a:r>
+                  <a:rPr lang="it-IT" dirty="0"/>
+                  <a:t>insieme di tutte le entità che siamo interessati a studiare (persone, città, transazioni, rilevazioni, ecc.).</a:t>
+                </a:r>
+                <a:br>
+                  <a:rPr lang="it-IT" dirty="0"/>
+                </a:br>
+                <a:endParaRPr lang="it-IT" sz="2000" dirty="0"/>
+              </a:p>
+              <a:p>
+                <a:r>
+                  <a:rPr lang="it-IT" dirty="0">
+                    <a:solidFill>
+                      <a:srgbClr val="C00000"/>
+                    </a:solidFill>
+                  </a:rPr>
+                  <a:t>Unità statistica: </a:t>
+                </a:r>
+                <a:r>
+                  <a:rPr lang="it-IT" dirty="0"/>
+                  <a:t>singole entità che compongono la popolazione.</a:t>
+                </a:r>
+                <a:br>
+                  <a:rPr lang="it-IT" dirty="0"/>
+                </a:br>
+                <a:endParaRPr lang="it-IT" sz="2000" dirty="0"/>
+              </a:p>
+              <a:p>
+                <a:r>
+                  <a:rPr lang="it-IT" dirty="0">
+                    <a:solidFill>
+                      <a:srgbClr val="C00000"/>
+                    </a:solidFill>
+                  </a:rPr>
+                  <a:t>Variabile: </a:t>
+                </a:r>
+                <a:r>
+                  <a:rPr lang="it-IT" dirty="0"/>
+                  <a:t>caratteristica delle unità statistiche che siamo interessati a studiare. I valori di una variabile tendono a </a:t>
+                </a:r>
+                <a:r>
+                  <a:rPr lang="it-IT" i="1" dirty="0"/>
+                  <a:t>variare</a:t>
+                </a:r>
+                <a:r>
+                  <a:rPr lang="it-IT" dirty="0"/>
+                  <a:t> da una unità statistica all’altra. Le indicheremo con lettere maiuscole: </a:t>
+                </a:r>
+                <a14:m>
+                  <m:oMath xmlns:m="http://schemas.openxmlformats.org/officeDocument/2006/math">
+                    <m:r>
+                      <a:rPr lang="it-IT" b="0" i="1" smtClean="0">
+                        <a:latin typeface="Cambria Math" panose="02040503050406030204" pitchFamily="18" charset="0"/>
+                      </a:rPr>
+                      <m:t>𝑋</m:t>
+                    </m:r>
+                    <m:r>
+                      <a:rPr lang="it-IT" b="0" i="1" smtClean="0">
+                        <a:latin typeface="Cambria Math" panose="02040503050406030204" pitchFamily="18" charset="0"/>
+                      </a:rPr>
+                      <m:t>, </m:t>
+                    </m:r>
+                    <m:r>
+                      <a:rPr lang="it-IT" b="0" i="1" smtClean="0">
+                        <a:latin typeface="Cambria Math" panose="02040503050406030204" pitchFamily="18" charset="0"/>
+                      </a:rPr>
+                      <m:t>𝑌</m:t>
+                    </m:r>
+                  </m:oMath>
+                </a14:m>
+                <a:r>
+                  <a:rPr lang="it-IT" dirty="0"/>
+                  <a:t> e </a:t>
+                </a:r>
+                <a14:m>
+                  <m:oMath xmlns:m="http://schemas.openxmlformats.org/officeDocument/2006/math">
+                    <m:r>
+                      <a:rPr lang="it-IT" b="0" i="1" smtClean="0">
+                        <a:latin typeface="Cambria Math" panose="02040503050406030204" pitchFamily="18" charset="0"/>
+                      </a:rPr>
+                      <m:t>𝑍</m:t>
+                    </m:r>
+                  </m:oMath>
+                </a14:m>
+                <a:r>
+                  <a:rPr lang="it-IT" dirty="0"/>
+                  <a:t>.</a:t>
+                </a:r>
+                <a:br>
+                  <a:rPr lang="it-IT" dirty="0"/>
+                </a:br>
+                <a:endParaRPr lang="it-IT" sz="2000" dirty="0"/>
+              </a:p>
+              <a:p>
+                <a:r>
+                  <a:rPr lang="it-IT" dirty="0">
+                    <a:solidFill>
+                      <a:srgbClr val="C00000"/>
+                    </a:solidFill>
+                  </a:rPr>
+                  <a:t>Modalità: </a:t>
+                </a:r>
+                <a:r>
+                  <a:rPr lang="it-IT" dirty="0"/>
+                  <a:t>sono i valori che le variabili possono assumere. Le indicheremo con lettere maiuscole: </a:t>
+                </a:r>
+                <a14:m>
+                  <m:oMath xmlns:m="http://schemas.openxmlformats.org/officeDocument/2006/math">
+                    <m:r>
+                      <a:rPr lang="it-IT" b="0" i="1" smtClean="0">
+                        <a:latin typeface="Cambria Math" panose="02040503050406030204" pitchFamily="18" charset="0"/>
+                      </a:rPr>
+                      <m:t>𝑥</m:t>
+                    </m:r>
+                    <m:r>
+                      <a:rPr lang="it-IT" b="0" i="1" smtClean="0">
+                        <a:latin typeface="Cambria Math" panose="02040503050406030204" pitchFamily="18" charset="0"/>
+                      </a:rPr>
+                      <m:t>, </m:t>
+                    </m:r>
+                    <m:r>
+                      <a:rPr lang="it-IT" b="0" i="1" smtClean="0">
+                        <a:latin typeface="Cambria Math" panose="02040503050406030204" pitchFamily="18" charset="0"/>
+                      </a:rPr>
+                      <m:t>𝑦</m:t>
+                    </m:r>
+                  </m:oMath>
+                </a14:m>
+                <a:r>
+                  <a:rPr lang="it-IT" dirty="0"/>
+                  <a:t> e </a:t>
+                </a:r>
+                <a14:m>
+                  <m:oMath xmlns:m="http://schemas.openxmlformats.org/officeDocument/2006/math">
+                    <m:r>
+                      <a:rPr lang="it-IT" b="0" i="1" smtClean="0">
+                        <a:latin typeface="Cambria Math" panose="02040503050406030204" pitchFamily="18" charset="0"/>
+                      </a:rPr>
+                      <m:t>𝑧</m:t>
+                    </m:r>
+                  </m:oMath>
+                </a14:m>
+                <a:r>
+                  <a:rPr lang="it-IT" dirty="0"/>
+                  <a:t>.</a:t>
+                </a:r>
+              </a:p>
+            </p:txBody>
+          </p:sp>
+        </mc:Choice>
+        <mc:Fallback>
+          <p:sp>
+            <p:nvSpPr>
+              <p:cNvPr id="3" name="Segnaposto contenuto 2">
+                <a:extLst>
+                  <a:ext uri="{FF2B5EF4-FFF2-40B4-BE49-F238E27FC236}">
+                    <a16:creationId xmlns:a16="http://schemas.microsoft.com/office/drawing/2014/main" id="{4D4950C1-3060-4C90-AB4B-4F698C765677}"/>
+                  </a:ext>
+                </a:extLst>
+              </p:cNvPr>
+              <p:cNvSpPr>
+                <a:spLocks noGrp="1" noRot="1" noChangeAspect="1" noMove="1" noResize="1" noEditPoints="1" noAdjustHandles="1" noChangeArrowheads="1" noChangeShapeType="1" noTextEdit="1"/>
+              </p:cNvSpPr>
+              <p:nvPr>
+                <p:ph idx="1"/>
+              </p:nvPr>
+            </p:nvSpPr>
+            <p:spPr>
+              <a:xfrm>
+                <a:off x="838200" y="1087785"/>
+                <a:ext cx="10515600" cy="5329937"/>
+              </a:xfrm>
+              <a:blipFill>
+                <a:blip r:embed="rId2"/>
+                <a:stretch>
+                  <a:fillRect l="-1043" t="-1943" r="-522"/>
+                </a:stretch>
+              </a:blipFill>
+            </p:spPr>
+            <p:txBody>
+              <a:bodyPr/>
+              <a:lstStyle/>
+              <a:p>
+                <a:r>
+                  <a:rPr lang="it-IT">
+                    <a:noFill/>
+                  </a:rPr>
+                  <a:t> </a:t>
+                </a:r>
+              </a:p>
+            </p:txBody>
+          </p:sp>
+        </mc:Fallback>
+      </mc:AlternateContent>
     </p:spTree>
     <p:extLst>
       <p:ext uri="{BB962C8B-B14F-4D97-AF65-F5344CB8AC3E}">
-        <p14:creationId xmlns:p14="http://schemas.microsoft.com/office/powerpoint/2010/main" val="1276302644"/>
+        <p14:creationId xmlns:p14="http://schemas.microsoft.com/office/powerpoint/2010/main" val="361182223"/>
       </p:ext>
     </p:extLst>
   </p:cSld>
@@ -9662,6 +9954,202 @@
 </file>
 
 <file path=ppt/slides/slide20.xml><?xml version="1.0" encoding="utf-8"?>
+<p:sld xmlns:a="http://schemas.openxmlformats.org/drawingml/2006/main" xmlns:r="http://schemas.openxmlformats.org/officeDocument/2006/relationships" xmlns:p="http://schemas.openxmlformats.org/presentationml/2006/main">
+  <p:cSld>
+    <p:spTree>
+      <p:nvGrpSpPr>
+        <p:cNvPr id="1" name=""/>
+        <p:cNvGrpSpPr/>
+        <p:nvPr/>
+      </p:nvGrpSpPr>
+      <p:grpSpPr>
+        <a:xfrm>
+          <a:off x="0" y="0"/>
+          <a:ext cx="0" cy="0"/>
+          <a:chOff x="0" y="0"/>
+          <a:chExt cx="0" cy="0"/>
+        </a:xfrm>
+      </p:grpSpPr>
+      <p:sp>
+        <p:nvSpPr>
+          <p:cNvPr id="2" name="Titolo 1">
+            <a:extLst>
+              <a:ext uri="{FF2B5EF4-FFF2-40B4-BE49-F238E27FC236}">
+                <a16:creationId xmlns:a16="http://schemas.microsoft.com/office/drawing/2014/main" id="{344B8799-E9C0-4B0C-AE2D-1F63B2C10052}"/>
+              </a:ext>
+            </a:extLst>
+          </p:cNvPr>
+          <p:cNvSpPr>
+            <a:spLocks noGrp="1"/>
+          </p:cNvSpPr>
+          <p:nvPr>
+            <p:ph type="title"/>
+          </p:nvPr>
+        </p:nvSpPr>
+        <p:spPr>
+          <a:xfrm>
+            <a:off x="838199" y="18255"/>
+            <a:ext cx="10515600" cy="1325563"/>
+          </a:xfrm>
+        </p:spPr>
+        <p:txBody>
+          <a:bodyPr/>
+          <a:lstStyle/>
+          <a:p>
+            <a:r>
+              <a:rPr lang="it-IT" dirty="0"/>
+              <a:t>Tipologia punti</a:t>
+            </a:r>
+          </a:p>
+        </p:txBody>
+      </p:sp>
+      <p:pic>
+        <p:nvPicPr>
+          <p:cNvPr id="5" name="Segnaposto contenuto 4">
+            <a:extLst>
+              <a:ext uri="{FF2B5EF4-FFF2-40B4-BE49-F238E27FC236}">
+                <a16:creationId xmlns:a16="http://schemas.microsoft.com/office/drawing/2014/main" id="{83904F76-3F7A-4744-A9FD-E0BC5F1FE866}"/>
+              </a:ext>
+            </a:extLst>
+          </p:cNvPr>
+          <p:cNvPicPr>
+            <a:picLocks noGrp="1" noChangeAspect="1"/>
+          </p:cNvPicPr>
+          <p:nvPr>
+            <p:ph idx="1"/>
+          </p:nvPr>
+        </p:nvPicPr>
+        <p:blipFill>
+          <a:blip r:embed="rId2">
+            <a:extLst>
+              <a:ext uri="{28A0092B-C50C-407E-A947-70E740481C1C}">
+                <a14:useLocalDpi xmlns:a14="http://schemas.microsoft.com/office/drawing/2010/main" val="0"/>
+              </a:ext>
+            </a:extLst>
+          </a:blip>
+          <a:stretch>
+            <a:fillRect/>
+          </a:stretch>
+        </p:blipFill>
+        <p:spPr>
+          <a:xfrm>
+            <a:off x="2928578" y="1343818"/>
+            <a:ext cx="5826932" cy="5240193"/>
+          </a:xfrm>
+        </p:spPr>
+      </p:pic>
+    </p:spTree>
+    <p:extLst>
+      <p:ext uri="{BB962C8B-B14F-4D97-AF65-F5344CB8AC3E}">
+        <p14:creationId xmlns:p14="http://schemas.microsoft.com/office/powerpoint/2010/main" val="1330872198"/>
+      </p:ext>
+    </p:extLst>
+  </p:cSld>
+  <p:clrMapOvr>
+    <a:masterClrMapping/>
+  </p:clrMapOvr>
+</p:sld>
+</file>
+
+<file path=ppt/slides/slide21.xml><?xml version="1.0" encoding="utf-8"?>
+<p:sld xmlns:a="http://schemas.openxmlformats.org/drawingml/2006/main" xmlns:r="http://schemas.openxmlformats.org/officeDocument/2006/relationships" xmlns:p="http://schemas.openxmlformats.org/presentationml/2006/main">
+  <p:cSld>
+    <p:spTree>
+      <p:nvGrpSpPr>
+        <p:cNvPr id="1" name=""/>
+        <p:cNvGrpSpPr/>
+        <p:nvPr/>
+      </p:nvGrpSpPr>
+      <p:grpSpPr>
+        <a:xfrm>
+          <a:off x="0" y="0"/>
+          <a:ext cx="0" cy="0"/>
+          <a:chOff x="0" y="0"/>
+          <a:chExt cx="0" cy="0"/>
+        </a:xfrm>
+      </p:grpSpPr>
+      <p:sp>
+        <p:nvSpPr>
+          <p:cNvPr id="2" name="Titolo 1">
+            <a:extLst>
+              <a:ext uri="{FF2B5EF4-FFF2-40B4-BE49-F238E27FC236}">
+                <a16:creationId xmlns:a16="http://schemas.microsoft.com/office/drawing/2014/main" id="{CCF94974-FB81-4E10-8BD2-CDD527C268AF}"/>
+              </a:ext>
+            </a:extLst>
+          </p:cNvPr>
+          <p:cNvSpPr>
+            <a:spLocks noGrp="1"/>
+          </p:cNvSpPr>
+          <p:nvPr>
+            <p:ph type="title"/>
+          </p:nvPr>
+        </p:nvSpPr>
+        <p:spPr>
+          <a:xfrm>
+            <a:off x="838200" y="18255"/>
+            <a:ext cx="10515600" cy="1325563"/>
+          </a:xfrm>
+        </p:spPr>
+        <p:txBody>
+          <a:bodyPr/>
+          <a:lstStyle/>
+          <a:p>
+            <a:r>
+              <a:rPr lang="it-IT" dirty="0"/>
+              <a:t>Tipologia linee</a:t>
+            </a:r>
+          </a:p>
+        </p:txBody>
+      </p:sp>
+      <p:pic>
+        <p:nvPicPr>
+          <p:cNvPr id="5" name="Segnaposto contenuto 4">
+            <a:extLst>
+              <a:ext uri="{FF2B5EF4-FFF2-40B4-BE49-F238E27FC236}">
+                <a16:creationId xmlns:a16="http://schemas.microsoft.com/office/drawing/2014/main" id="{415170CA-291C-4C8F-BE03-58F537A41A17}"/>
+              </a:ext>
+            </a:extLst>
+          </p:cNvPr>
+          <p:cNvPicPr>
+            <a:picLocks noGrp="1" noChangeAspect="1"/>
+          </p:cNvPicPr>
+          <p:nvPr>
+            <p:ph idx="1"/>
+          </p:nvPr>
+        </p:nvPicPr>
+        <p:blipFill>
+          <a:blip r:embed="rId2">
+            <a:extLst>
+              <a:ext uri="{28A0092B-C50C-407E-A947-70E740481C1C}">
+                <a14:useLocalDpi xmlns:a14="http://schemas.microsoft.com/office/drawing/2010/main" val="0"/>
+              </a:ext>
+            </a:extLst>
+          </a:blip>
+          <a:stretch>
+            <a:fillRect/>
+          </a:stretch>
+        </p:blipFill>
+        <p:spPr>
+          <a:xfrm>
+            <a:off x="3350316" y="1343818"/>
+            <a:ext cx="5176167" cy="5176167"/>
+          </a:xfrm>
+        </p:spPr>
+      </p:pic>
+    </p:spTree>
+    <p:extLst>
+      <p:ext uri="{BB962C8B-B14F-4D97-AF65-F5344CB8AC3E}">
+        <p14:creationId xmlns:p14="http://schemas.microsoft.com/office/powerpoint/2010/main" val="4013241099"/>
+      </p:ext>
+    </p:extLst>
+  </p:cSld>
+  <p:clrMapOvr>
+    <a:masterClrMapping/>
+  </p:clrMapOvr>
+</p:sld>
+</file>
+
+<file path=ppt/slides/slide22.xml><?xml version="1.0" encoding="utf-8"?>
 <p:sld xmlns:a="http://schemas.openxmlformats.org/drawingml/2006/main" xmlns:r="http://schemas.openxmlformats.org/officeDocument/2006/relationships" xmlns:p="http://schemas.openxmlformats.org/presentationml/2006/main">
   <p:cSld>
     <p:spTree>
@@ -10394,7 +10882,7 @@
 </p:sld>
 </file>
 
-<file path=ppt/slides/slide21.xml><?xml version="1.0" encoding="utf-8"?>
+<file path=ppt/slides/slide23.xml><?xml version="1.0" encoding="utf-8"?>
 <p:sld xmlns:a="http://schemas.openxmlformats.org/drawingml/2006/main" xmlns:r="http://schemas.openxmlformats.org/officeDocument/2006/relationships" xmlns:p="http://schemas.openxmlformats.org/presentationml/2006/main">
   <p:cSld>
     <p:spTree>
@@ -10619,7 +11107,7 @@
 </p:sld>
 </file>
 
-<file path=ppt/slides/slide22.xml><?xml version="1.0" encoding="utf-8"?>
+<file path=ppt/slides/slide24.xml><?xml version="1.0" encoding="utf-8"?>
 <p:sld xmlns:a="http://schemas.openxmlformats.org/drawingml/2006/main" xmlns:r="http://schemas.openxmlformats.org/officeDocument/2006/relationships" xmlns:p="http://schemas.openxmlformats.org/presentationml/2006/main">
   <p:cSld>
     <p:spTree>
@@ -11449,7 +11937,7 @@
 </p:sld>
 </file>
 
-<file path=ppt/slides/slide23.xml><?xml version="1.0" encoding="utf-8"?>
+<file path=ppt/slides/slide25.xml><?xml version="1.0" encoding="utf-8"?>
 <p:sld xmlns:a="http://schemas.openxmlformats.org/drawingml/2006/main" xmlns:r="http://schemas.openxmlformats.org/officeDocument/2006/relationships" xmlns:p="http://schemas.openxmlformats.org/presentationml/2006/main">
   <p:cSld>
     <p:spTree>
@@ -11557,202 +12045,6 @@
 </p:sld>
 </file>
 
-<file path=ppt/slides/slide24.xml><?xml version="1.0" encoding="utf-8"?>
-<p:sld xmlns:a="http://schemas.openxmlformats.org/drawingml/2006/main" xmlns:r="http://schemas.openxmlformats.org/officeDocument/2006/relationships" xmlns:p="http://schemas.openxmlformats.org/presentationml/2006/main">
-  <p:cSld>
-    <p:spTree>
-      <p:nvGrpSpPr>
-        <p:cNvPr id="1" name=""/>
-        <p:cNvGrpSpPr/>
-        <p:nvPr/>
-      </p:nvGrpSpPr>
-      <p:grpSpPr>
-        <a:xfrm>
-          <a:off x="0" y="0"/>
-          <a:ext cx="0" cy="0"/>
-          <a:chOff x="0" y="0"/>
-          <a:chExt cx="0" cy="0"/>
-        </a:xfrm>
-      </p:grpSpPr>
-      <p:sp>
-        <p:nvSpPr>
-          <p:cNvPr id="2" name="Titolo 1">
-            <a:extLst>
-              <a:ext uri="{FF2B5EF4-FFF2-40B4-BE49-F238E27FC236}">
-                <a16:creationId xmlns:a16="http://schemas.microsoft.com/office/drawing/2014/main" id="{344B8799-E9C0-4B0C-AE2D-1F63B2C10052}"/>
-              </a:ext>
-            </a:extLst>
-          </p:cNvPr>
-          <p:cNvSpPr>
-            <a:spLocks noGrp="1"/>
-          </p:cNvSpPr>
-          <p:nvPr>
-            <p:ph type="title"/>
-          </p:nvPr>
-        </p:nvSpPr>
-        <p:spPr>
-          <a:xfrm>
-            <a:off x="838199" y="18255"/>
-            <a:ext cx="10515600" cy="1325563"/>
-          </a:xfrm>
-        </p:spPr>
-        <p:txBody>
-          <a:bodyPr/>
-          <a:lstStyle/>
-          <a:p>
-            <a:r>
-              <a:rPr lang="it-IT" dirty="0"/>
-              <a:t>Tipologia punti</a:t>
-            </a:r>
-          </a:p>
-        </p:txBody>
-      </p:sp>
-      <p:pic>
-        <p:nvPicPr>
-          <p:cNvPr id="5" name="Segnaposto contenuto 4">
-            <a:extLst>
-              <a:ext uri="{FF2B5EF4-FFF2-40B4-BE49-F238E27FC236}">
-                <a16:creationId xmlns:a16="http://schemas.microsoft.com/office/drawing/2014/main" id="{83904F76-3F7A-4744-A9FD-E0BC5F1FE866}"/>
-              </a:ext>
-            </a:extLst>
-          </p:cNvPr>
-          <p:cNvPicPr>
-            <a:picLocks noGrp="1" noChangeAspect="1"/>
-          </p:cNvPicPr>
-          <p:nvPr>
-            <p:ph idx="1"/>
-          </p:nvPr>
-        </p:nvPicPr>
-        <p:blipFill>
-          <a:blip r:embed="rId2">
-            <a:extLst>
-              <a:ext uri="{28A0092B-C50C-407E-A947-70E740481C1C}">
-                <a14:useLocalDpi xmlns:a14="http://schemas.microsoft.com/office/drawing/2010/main" val="0"/>
-              </a:ext>
-            </a:extLst>
-          </a:blip>
-          <a:stretch>
-            <a:fillRect/>
-          </a:stretch>
-        </p:blipFill>
-        <p:spPr>
-          <a:xfrm>
-            <a:off x="2928578" y="1343818"/>
-            <a:ext cx="5826932" cy="5240193"/>
-          </a:xfrm>
-        </p:spPr>
-      </p:pic>
-    </p:spTree>
-    <p:extLst>
-      <p:ext uri="{BB962C8B-B14F-4D97-AF65-F5344CB8AC3E}">
-        <p14:creationId xmlns:p14="http://schemas.microsoft.com/office/powerpoint/2010/main" val="1330872198"/>
-      </p:ext>
-    </p:extLst>
-  </p:cSld>
-  <p:clrMapOvr>
-    <a:masterClrMapping/>
-  </p:clrMapOvr>
-</p:sld>
-</file>
-
-<file path=ppt/slides/slide25.xml><?xml version="1.0" encoding="utf-8"?>
-<p:sld xmlns:a="http://schemas.openxmlformats.org/drawingml/2006/main" xmlns:r="http://schemas.openxmlformats.org/officeDocument/2006/relationships" xmlns:p="http://schemas.openxmlformats.org/presentationml/2006/main">
-  <p:cSld>
-    <p:spTree>
-      <p:nvGrpSpPr>
-        <p:cNvPr id="1" name=""/>
-        <p:cNvGrpSpPr/>
-        <p:nvPr/>
-      </p:nvGrpSpPr>
-      <p:grpSpPr>
-        <a:xfrm>
-          <a:off x="0" y="0"/>
-          <a:ext cx="0" cy="0"/>
-          <a:chOff x="0" y="0"/>
-          <a:chExt cx="0" cy="0"/>
-        </a:xfrm>
-      </p:grpSpPr>
-      <p:sp>
-        <p:nvSpPr>
-          <p:cNvPr id="2" name="Titolo 1">
-            <a:extLst>
-              <a:ext uri="{FF2B5EF4-FFF2-40B4-BE49-F238E27FC236}">
-                <a16:creationId xmlns:a16="http://schemas.microsoft.com/office/drawing/2014/main" id="{CCF94974-FB81-4E10-8BD2-CDD527C268AF}"/>
-              </a:ext>
-            </a:extLst>
-          </p:cNvPr>
-          <p:cNvSpPr>
-            <a:spLocks noGrp="1"/>
-          </p:cNvSpPr>
-          <p:nvPr>
-            <p:ph type="title"/>
-          </p:nvPr>
-        </p:nvSpPr>
-        <p:spPr>
-          <a:xfrm>
-            <a:off x="838200" y="18255"/>
-            <a:ext cx="10515600" cy="1325563"/>
-          </a:xfrm>
-        </p:spPr>
-        <p:txBody>
-          <a:bodyPr/>
-          <a:lstStyle/>
-          <a:p>
-            <a:r>
-              <a:rPr lang="it-IT" dirty="0"/>
-              <a:t>Tipologia linee</a:t>
-            </a:r>
-          </a:p>
-        </p:txBody>
-      </p:sp>
-      <p:pic>
-        <p:nvPicPr>
-          <p:cNvPr id="5" name="Segnaposto contenuto 4">
-            <a:extLst>
-              <a:ext uri="{FF2B5EF4-FFF2-40B4-BE49-F238E27FC236}">
-                <a16:creationId xmlns:a16="http://schemas.microsoft.com/office/drawing/2014/main" id="{415170CA-291C-4C8F-BE03-58F537A41A17}"/>
-              </a:ext>
-            </a:extLst>
-          </p:cNvPr>
-          <p:cNvPicPr>
-            <a:picLocks noGrp="1" noChangeAspect="1"/>
-          </p:cNvPicPr>
-          <p:nvPr>
-            <p:ph idx="1"/>
-          </p:nvPr>
-        </p:nvPicPr>
-        <p:blipFill>
-          <a:blip r:embed="rId2">
-            <a:extLst>
-              <a:ext uri="{28A0092B-C50C-407E-A947-70E740481C1C}">
-                <a14:useLocalDpi xmlns:a14="http://schemas.microsoft.com/office/drawing/2010/main" val="0"/>
-              </a:ext>
-            </a:extLst>
-          </a:blip>
-          <a:stretch>
-            <a:fillRect/>
-          </a:stretch>
-        </p:blipFill>
-        <p:spPr>
-          <a:xfrm>
-            <a:off x="3350316" y="1343818"/>
-            <a:ext cx="5176167" cy="5176167"/>
-          </a:xfrm>
-        </p:spPr>
-      </p:pic>
-    </p:spTree>
-    <p:extLst>
-      <p:ext uri="{BB962C8B-B14F-4D97-AF65-F5344CB8AC3E}">
-        <p14:creationId xmlns:p14="http://schemas.microsoft.com/office/powerpoint/2010/main" val="4013241099"/>
-      </p:ext>
-    </p:extLst>
-  </p:cSld>
-  <p:clrMapOvr>
-    <a:masterClrMapping/>
-  </p:clrMapOvr>
-</p:sld>
-</file>
-
 <file path=ppt/slides/slide26.xml><?xml version="1.0" encoding="utf-8"?>
 <p:sld xmlns:a="http://schemas.openxmlformats.org/drawingml/2006/main" xmlns:r="http://schemas.openxmlformats.org/officeDocument/2006/relationships" xmlns:p="http://schemas.openxmlformats.org/presentationml/2006/main">
   <p:cSld>
@@ -11847,299 +12139,6 @@
 </file>
 
 <file path=ppt/slides/slide3.xml><?xml version="1.0" encoding="utf-8"?>
-<p:sld xmlns:a="http://schemas.openxmlformats.org/drawingml/2006/main" xmlns:r="http://schemas.openxmlformats.org/officeDocument/2006/relationships" xmlns:p="http://schemas.openxmlformats.org/presentationml/2006/main">
-  <p:cSld>
-    <p:spTree>
-      <p:nvGrpSpPr>
-        <p:cNvPr id="1" name=""/>
-        <p:cNvGrpSpPr/>
-        <p:nvPr/>
-      </p:nvGrpSpPr>
-      <p:grpSpPr>
-        <a:xfrm>
-          <a:off x="0" y="0"/>
-          <a:ext cx="0" cy="0"/>
-          <a:chOff x="0" y="0"/>
-          <a:chExt cx="0" cy="0"/>
-        </a:xfrm>
-      </p:grpSpPr>
-      <p:sp>
-        <p:nvSpPr>
-          <p:cNvPr id="2" name="Titolo 1">
-            <a:extLst>
-              <a:ext uri="{FF2B5EF4-FFF2-40B4-BE49-F238E27FC236}">
-                <a16:creationId xmlns:a16="http://schemas.microsoft.com/office/drawing/2014/main" id="{E2984A12-E4F0-4EB5-B4D6-BB62957F1D2E}"/>
-              </a:ext>
-            </a:extLst>
-          </p:cNvPr>
-          <p:cNvSpPr>
-            <a:spLocks noGrp="1"/>
-          </p:cNvSpPr>
-          <p:nvPr>
-            <p:ph type="title"/>
-          </p:nvPr>
-        </p:nvSpPr>
-        <p:spPr>
-          <a:xfrm>
-            <a:off x="838200" y="18255"/>
-            <a:ext cx="10515600" cy="1325563"/>
-          </a:xfrm>
-        </p:spPr>
-        <p:txBody>
-          <a:bodyPr/>
-          <a:lstStyle/>
-          <a:p>
-            <a:r>
-              <a:rPr lang="it-IT" dirty="0"/>
-              <a:t>Notazione</a:t>
-            </a:r>
-          </a:p>
-        </p:txBody>
-      </p:sp>
-      <mc:AlternateContent xmlns:mc="http://schemas.openxmlformats.org/markup-compatibility/2006" xmlns:a14="http://schemas.microsoft.com/office/drawing/2010/main">
-        <mc:Choice Requires="a14">
-          <p:sp>
-            <p:nvSpPr>
-              <p:cNvPr id="3" name="Segnaposto contenuto 2">
-                <a:extLst>
-                  <a:ext uri="{FF2B5EF4-FFF2-40B4-BE49-F238E27FC236}">
-                    <a16:creationId xmlns:a16="http://schemas.microsoft.com/office/drawing/2014/main" id="{4D4950C1-3060-4C90-AB4B-4F698C765677}"/>
-                  </a:ext>
-                </a:extLst>
-              </p:cNvPr>
-              <p:cNvSpPr>
-                <a:spLocks noGrp="1"/>
-              </p:cNvSpPr>
-              <p:nvPr>
-                <p:ph idx="1"/>
-              </p:nvPr>
-            </p:nvSpPr>
-            <p:spPr>
-              <a:xfrm>
-                <a:off x="838200" y="1087785"/>
-                <a:ext cx="10515600" cy="5329937"/>
-              </a:xfrm>
-            </p:spPr>
-            <p:txBody>
-              <a:bodyPr/>
-              <a:lstStyle/>
-              <a:p>
-                <a:r>
-                  <a:rPr lang="it-IT" dirty="0">
-                    <a:solidFill>
-                      <a:srgbClr val="C00000"/>
-                    </a:solidFill>
-                  </a:rPr>
-                  <a:t>Popolazione: </a:t>
-                </a:r>
-                <a:r>
-                  <a:rPr lang="it-IT" dirty="0"/>
-                  <a:t>insieme di tutte le entità che siamo interessati a studiare (persone, città, transazioni, rilevazioni, ecc.).</a:t>
-                </a:r>
-                <a:br>
-                  <a:rPr lang="it-IT" dirty="0"/>
-                </a:br>
-                <a:endParaRPr lang="it-IT" sz="1600" dirty="0"/>
-              </a:p>
-              <a:p>
-                <a:r>
-                  <a:rPr lang="it-IT" dirty="0">
-                    <a:solidFill>
-                      <a:srgbClr val="C00000"/>
-                    </a:solidFill>
-                  </a:rPr>
-                  <a:t>Unità statistica: </a:t>
-                </a:r>
-                <a:r>
-                  <a:rPr lang="it-IT" dirty="0"/>
-                  <a:t>singole entità che compongono la popolazione.</a:t>
-                </a:r>
-                <a:br>
-                  <a:rPr lang="it-IT" dirty="0"/>
-                </a:br>
-                <a:endParaRPr lang="it-IT" sz="1600" dirty="0"/>
-              </a:p>
-              <a:p>
-                <a:r>
-                  <a:rPr lang="it-IT" dirty="0">
-                    <a:solidFill>
-                      <a:srgbClr val="C00000"/>
-                    </a:solidFill>
-                  </a:rPr>
-                  <a:t>Variabile: </a:t>
-                </a:r>
-                <a:r>
-                  <a:rPr lang="it-IT" dirty="0"/>
-                  <a:t>caratteristica delle unità statistiche che siamo interessati a studiare. I valori di una variabile tendono a </a:t>
-                </a:r>
-                <a:r>
-                  <a:rPr lang="it-IT" i="1" dirty="0"/>
-                  <a:t>variare</a:t>
-                </a:r>
-                <a:r>
-                  <a:rPr lang="it-IT" dirty="0"/>
-                  <a:t> da una unità statistica all’altra. Le indicheremo con lettere maiuscole: </a:t>
-                </a:r>
-                <a14:m>
-                  <m:oMath xmlns:m="http://schemas.openxmlformats.org/officeDocument/2006/math">
-                    <m:r>
-                      <a:rPr lang="it-IT" b="0" i="1" smtClean="0">
-                        <a:latin typeface="Cambria Math" panose="02040503050406030204" pitchFamily="18" charset="0"/>
-                      </a:rPr>
-                      <m:t>𝑋</m:t>
-                    </m:r>
-                    <m:r>
-                      <a:rPr lang="it-IT" b="0" i="1" smtClean="0">
-                        <a:latin typeface="Cambria Math" panose="02040503050406030204" pitchFamily="18" charset="0"/>
-                      </a:rPr>
-                      <m:t>, </m:t>
-                    </m:r>
-                    <m:r>
-                      <a:rPr lang="it-IT" b="0" i="1" smtClean="0">
-                        <a:latin typeface="Cambria Math" panose="02040503050406030204" pitchFamily="18" charset="0"/>
-                      </a:rPr>
-                      <m:t>𝑌</m:t>
-                    </m:r>
-                  </m:oMath>
-                </a14:m>
-                <a:r>
-                  <a:rPr lang="it-IT" dirty="0"/>
-                  <a:t> e </a:t>
-                </a:r>
-                <a14:m>
-                  <m:oMath xmlns:m="http://schemas.openxmlformats.org/officeDocument/2006/math">
-                    <m:r>
-                      <a:rPr lang="it-IT" b="0" i="1" smtClean="0">
-                        <a:latin typeface="Cambria Math" panose="02040503050406030204" pitchFamily="18" charset="0"/>
-                      </a:rPr>
-                      <m:t>𝑍</m:t>
-                    </m:r>
-                  </m:oMath>
-                </a14:m>
-                <a:r>
-                  <a:rPr lang="it-IT" dirty="0"/>
-                  <a:t>.</a:t>
-                </a:r>
-                <a:br>
-                  <a:rPr lang="it-IT" dirty="0"/>
-                </a:br>
-                <a:endParaRPr lang="it-IT" sz="1600" dirty="0"/>
-              </a:p>
-              <a:p>
-                <a:r>
-                  <a:rPr lang="it-IT" dirty="0">
-                    <a:solidFill>
-                      <a:srgbClr val="C00000"/>
-                    </a:solidFill>
-                  </a:rPr>
-                  <a:t>Modalità: </a:t>
-                </a:r>
-                <a:r>
-                  <a:rPr lang="it-IT" dirty="0"/>
-                  <a:t>sono i valori che le variabili possono assumere. Le indicheremo con lettere maiuscole: </a:t>
-                </a:r>
-                <a14:m>
-                  <m:oMath xmlns:m="http://schemas.openxmlformats.org/officeDocument/2006/math">
-                    <m:r>
-                      <a:rPr lang="it-IT" b="0" i="1" smtClean="0">
-                        <a:latin typeface="Cambria Math" panose="02040503050406030204" pitchFamily="18" charset="0"/>
-                      </a:rPr>
-                      <m:t>𝑥</m:t>
-                    </m:r>
-                    <m:r>
-                      <a:rPr lang="it-IT" b="0" i="1" smtClean="0">
-                        <a:latin typeface="Cambria Math" panose="02040503050406030204" pitchFamily="18" charset="0"/>
-                      </a:rPr>
-                      <m:t>, </m:t>
-                    </m:r>
-                    <m:r>
-                      <a:rPr lang="it-IT" b="0" i="1" smtClean="0">
-                        <a:latin typeface="Cambria Math" panose="02040503050406030204" pitchFamily="18" charset="0"/>
-                      </a:rPr>
-                      <m:t>𝑦</m:t>
-                    </m:r>
-                  </m:oMath>
-                </a14:m>
-                <a:r>
-                  <a:rPr lang="it-IT" dirty="0"/>
-                  <a:t> e </a:t>
-                </a:r>
-                <a14:m>
-                  <m:oMath xmlns:m="http://schemas.openxmlformats.org/officeDocument/2006/math">
-                    <m:r>
-                      <a:rPr lang="it-IT" b="0" i="1" smtClean="0">
-                        <a:latin typeface="Cambria Math" panose="02040503050406030204" pitchFamily="18" charset="0"/>
-                      </a:rPr>
-                      <m:t>𝑧</m:t>
-                    </m:r>
-                  </m:oMath>
-                </a14:m>
-                <a:r>
-                  <a:rPr lang="it-IT" dirty="0"/>
-                  <a:t>.</a:t>
-                </a:r>
-              </a:p>
-            </p:txBody>
-          </p:sp>
-        </mc:Choice>
-        <mc:Fallback xmlns="">
-          <p:sp>
-            <p:nvSpPr>
-              <p:cNvPr id="3" name="Segnaposto contenuto 2">
-                <a:extLst>
-                  <a:ext uri="{FF2B5EF4-FFF2-40B4-BE49-F238E27FC236}">
-                    <a16:creationId xmlns:a16="http://schemas.microsoft.com/office/drawing/2014/main" id="{4D4950C1-3060-4C90-AB4B-4F698C765677}"/>
-                  </a:ext>
-                </a:extLst>
-              </p:cNvPr>
-              <p:cNvSpPr>
-                <a:spLocks noGrp="1" noRot="1" noChangeAspect="1" noMove="1" noResize="1" noEditPoints="1" noAdjustHandles="1" noChangeArrowheads="1" noChangeShapeType="1" noTextEdit="1"/>
-              </p:cNvSpPr>
-              <p:nvPr>
-                <p:ph idx="1"/>
-              </p:nvPr>
-            </p:nvSpPr>
-            <p:spPr>
-              <a:xfrm>
-                <a:off x="838200" y="1087785"/>
-                <a:ext cx="10515600" cy="5329937"/>
-              </a:xfrm>
-              <a:blipFill>
-                <a:blip r:embed="rId2"/>
-                <a:stretch>
-                  <a:fillRect l="-1043" t="-1943" r="-522"/>
-                </a:stretch>
-              </a:blipFill>
-            </p:spPr>
-            <p:txBody>
-              <a:bodyPr/>
-              <a:lstStyle/>
-              <a:p>
-                <a:r>
-                  <a:rPr lang="it-IT">
-                    <a:noFill/>
-                  </a:rPr>
-                  <a:t> </a:t>
-                </a:r>
-              </a:p>
-            </p:txBody>
-          </p:sp>
-        </mc:Fallback>
-      </mc:AlternateContent>
-    </p:spTree>
-    <p:extLst>
-      <p:ext uri="{BB962C8B-B14F-4D97-AF65-F5344CB8AC3E}">
-        <p14:creationId xmlns:p14="http://schemas.microsoft.com/office/powerpoint/2010/main" val="361182223"/>
-      </p:ext>
-    </p:extLst>
-  </p:cSld>
-  <p:clrMapOvr>
-    <a:masterClrMapping/>
-  </p:clrMapOvr>
-</p:sld>
-</file>
-
-<file path=ppt/slides/slide4.xml><?xml version="1.0" encoding="utf-8"?>
 <p:sld xmlns:a="http://schemas.openxmlformats.org/drawingml/2006/main" xmlns:r="http://schemas.openxmlformats.org/officeDocument/2006/relationships" xmlns:p="http://schemas.openxmlformats.org/presentationml/2006/main">
   <p:cSld>
     <p:spTree>
@@ -12298,7 +12297,7 @@
 </p:sld>
 </file>
 
-<file path=ppt/slides/slide5.xml><?xml version="1.0" encoding="utf-8"?>
+<file path=ppt/slides/slide4.xml><?xml version="1.0" encoding="utf-8"?>
 <p:sld xmlns:a="http://schemas.openxmlformats.org/drawingml/2006/main" xmlns:r="http://schemas.openxmlformats.org/officeDocument/2006/relationships" xmlns:p="http://schemas.openxmlformats.org/presentationml/2006/main">
   <p:cSld>
     <p:spTree>
@@ -12448,7 +12447,7 @@
 </p:sld>
 </file>
 
-<file path=ppt/slides/slide6.xml><?xml version="1.0" encoding="utf-8"?>
+<file path=ppt/slides/slide5.xml><?xml version="1.0" encoding="utf-8"?>
 <p:sld xmlns:a="http://schemas.openxmlformats.org/drawingml/2006/main" xmlns:r="http://schemas.openxmlformats.org/officeDocument/2006/relationships" xmlns:p="http://schemas.openxmlformats.org/presentationml/2006/main">
   <p:cSld>
     <p:spTree>
@@ -15984,7 +15983,7 @@
 </p:sld>
 </file>
 
-<file path=ppt/slides/slide7.xml><?xml version="1.0" encoding="utf-8"?>
+<file path=ppt/slides/slide6.xml><?xml version="1.0" encoding="utf-8"?>
 <p:sld xmlns:a="http://schemas.openxmlformats.org/drawingml/2006/main" xmlns:r="http://schemas.openxmlformats.org/officeDocument/2006/relationships" xmlns:p="http://schemas.openxmlformats.org/presentationml/2006/main">
   <p:cSld>
     <p:spTree>
@@ -16034,8 +16033,8 @@
           </a:p>
         </p:txBody>
       </p:sp>
-      <mc:AlternateContent xmlns:mc="http://schemas.openxmlformats.org/markup-compatibility/2006">
-        <mc:Choice xmlns:a14="http://schemas.microsoft.com/office/drawing/2010/main" Requires="a14">
+      <mc:AlternateContent xmlns:mc="http://schemas.openxmlformats.org/markup-compatibility/2006" xmlns:a14="http://schemas.microsoft.com/office/drawing/2010/main">
+        <mc:Choice Requires="a14">
           <p:sp>
             <p:nvSpPr>
               <p:cNvPr id="6" name="Segnaposto contenuto 5">
@@ -16310,7 +16309,7 @@
             </p:txBody>
           </p:sp>
         </mc:Choice>
-        <mc:Fallback>
+        <mc:Fallback xmlns="">
           <p:sp>
             <p:nvSpPr>
               <p:cNvPr id="6" name="Segnaposto contenuto 5">
@@ -16358,6 +16357,213 @@
     <p:extLst>
       <p:ext uri="{BB962C8B-B14F-4D97-AF65-F5344CB8AC3E}">
         <p14:creationId xmlns:p14="http://schemas.microsoft.com/office/powerpoint/2010/main" val="2131383195"/>
+      </p:ext>
+    </p:extLst>
+  </p:cSld>
+  <p:clrMapOvr>
+    <a:masterClrMapping/>
+  </p:clrMapOvr>
+</p:sld>
+</file>
+
+<file path=ppt/slides/slide7.xml><?xml version="1.0" encoding="utf-8"?>
+<p:sld xmlns:a="http://schemas.openxmlformats.org/drawingml/2006/main" xmlns:r="http://schemas.openxmlformats.org/officeDocument/2006/relationships" xmlns:p="http://schemas.openxmlformats.org/presentationml/2006/main">
+  <p:cSld>
+    <p:spTree>
+      <p:nvGrpSpPr>
+        <p:cNvPr id="1" name=""/>
+        <p:cNvGrpSpPr/>
+        <p:nvPr/>
+      </p:nvGrpSpPr>
+      <p:grpSpPr>
+        <a:xfrm>
+          <a:off x="0" y="0"/>
+          <a:ext cx="0" cy="0"/>
+          <a:chOff x="0" y="0"/>
+          <a:chExt cx="0" cy="0"/>
+        </a:xfrm>
+      </p:grpSpPr>
+      <p:sp>
+        <p:nvSpPr>
+          <p:cNvPr id="2" name="Titolo 1">
+            <a:extLst>
+              <a:ext uri="{FF2B5EF4-FFF2-40B4-BE49-F238E27FC236}">
+                <a16:creationId xmlns:a16="http://schemas.microsoft.com/office/drawing/2014/main" id="{FFBA6EBF-3627-772A-C225-2710E1A9A610}"/>
+              </a:ext>
+            </a:extLst>
+          </p:cNvPr>
+          <p:cNvSpPr>
+            <a:spLocks noGrp="1"/>
+          </p:cNvSpPr>
+          <p:nvPr>
+            <p:ph type="title"/>
+          </p:nvPr>
+        </p:nvSpPr>
+        <p:spPr>
+          <a:xfrm>
+            <a:off x="838200" y="18255"/>
+            <a:ext cx="10515600" cy="1325563"/>
+          </a:xfrm>
+        </p:spPr>
+        <p:txBody>
+          <a:bodyPr/>
+          <a:lstStyle/>
+          <a:p>
+            <a:r>
+              <a:rPr lang="it-IT" dirty="0"/>
+              <a:t>Condizioni Logiche in R</a:t>
+            </a:r>
+          </a:p>
+        </p:txBody>
+      </p:sp>
+      <p:sp>
+        <p:nvSpPr>
+          <p:cNvPr id="3" name="Segnaposto contenuto 2">
+            <a:extLst>
+              <a:ext uri="{FF2B5EF4-FFF2-40B4-BE49-F238E27FC236}">
+                <a16:creationId xmlns:a16="http://schemas.microsoft.com/office/drawing/2014/main" id="{15173F28-6421-0F3D-5F58-F51FE90C992A}"/>
+              </a:ext>
+            </a:extLst>
+          </p:cNvPr>
+          <p:cNvSpPr>
+            <a:spLocks noGrp="1"/>
+          </p:cNvSpPr>
+          <p:nvPr>
+            <p:ph idx="1"/>
+          </p:nvPr>
+        </p:nvSpPr>
+        <p:spPr>
+          <a:xfrm>
+            <a:off x="838200" y="1124362"/>
+            <a:ext cx="10515600" cy="5322158"/>
+          </a:xfrm>
+        </p:spPr>
+        <p:txBody>
+          <a:bodyPr/>
+          <a:lstStyle/>
+          <a:p>
+            <a:r>
+              <a:rPr lang="it-IT" dirty="0">
+                <a:solidFill>
+                  <a:srgbClr val="C00000"/>
+                </a:solidFill>
+              </a:rPr>
+              <a:t>Uguaglianza:</a:t>
+            </a:r>
+            <a:r>
+              <a:rPr lang="it-IT" dirty="0"/>
+              <a:t> 	     x == y</a:t>
+            </a:r>
+          </a:p>
+          <a:p>
+            <a:r>
+              <a:rPr lang="it-IT" dirty="0">
+                <a:solidFill>
+                  <a:srgbClr val="C00000"/>
+                </a:solidFill>
+              </a:rPr>
+              <a:t>Diverso da:</a:t>
+            </a:r>
+            <a:r>
+              <a:rPr lang="it-IT" dirty="0"/>
+              <a:t> 	     x !=  y</a:t>
+            </a:r>
+          </a:p>
+          <a:p>
+            <a:r>
+              <a:rPr lang="it-IT" dirty="0">
+                <a:solidFill>
+                  <a:srgbClr val="C00000"/>
+                </a:solidFill>
+              </a:rPr>
+              <a:t>Disuguaglianze:      </a:t>
+            </a:r>
+            <a:r>
+              <a:rPr lang="it-IT" dirty="0"/>
+              <a:t>x  &gt;  y;      x &gt;= y;       x &lt; y;        x &lt;= y</a:t>
+            </a:r>
+          </a:p>
+          <a:p>
+            <a:endParaRPr lang="it-IT" dirty="0"/>
+          </a:p>
+          <a:p>
+            <a:pPr marL="0" indent="0">
+              <a:buNone/>
+            </a:pPr>
+            <a:r>
+              <a:rPr lang="it-IT" dirty="0"/>
+              <a:t>Connettori logici:</a:t>
+            </a:r>
+          </a:p>
+          <a:p>
+            <a:r>
+              <a:rPr lang="it-IT" dirty="0">
+                <a:solidFill>
+                  <a:srgbClr val="C00000"/>
+                </a:solidFill>
+              </a:rPr>
+              <a:t>And: </a:t>
+            </a:r>
+            <a:r>
+              <a:rPr lang="it-IT" dirty="0"/>
+              <a:t>restituisce TRUE se entrambe le condizione sono TRUE</a:t>
+            </a:r>
+            <a:br>
+              <a:rPr lang="it-IT" dirty="0"/>
+            </a:br>
+            <a:r>
+              <a:rPr lang="it-IT" dirty="0"/>
+              <a:t>				(x == y) &amp; (x &gt;= z)</a:t>
+            </a:r>
+          </a:p>
+          <a:p>
+            <a:r>
+              <a:rPr lang="it-IT" dirty="0">
+                <a:solidFill>
+                  <a:srgbClr val="C00000"/>
+                </a:solidFill>
+              </a:rPr>
+              <a:t>Or: </a:t>
+            </a:r>
+            <a:r>
+              <a:rPr lang="it-IT" dirty="0"/>
+              <a:t>restituisce TRUE se almeno una condizione è TRUE</a:t>
+            </a:r>
+            <a:br>
+              <a:rPr lang="it-IT" dirty="0"/>
+            </a:br>
+            <a:r>
+              <a:rPr lang="it-IT" dirty="0"/>
+              <a:t>				(x == y) | (x &gt;= z)</a:t>
+            </a:r>
+          </a:p>
+          <a:p>
+            <a:r>
+              <a:rPr lang="it-IT" dirty="0">
+                <a:solidFill>
+                  <a:srgbClr val="C00000"/>
+                </a:solidFill>
+              </a:rPr>
+              <a:t>Not: </a:t>
+            </a:r>
+            <a:r>
+              <a:rPr lang="it-IT" dirty="0"/>
+              <a:t>nega la condizione</a:t>
+            </a:r>
+            <a:br>
+              <a:rPr lang="it-IT" dirty="0"/>
+            </a:br>
+            <a:r>
+              <a:rPr lang="it-IT" dirty="0"/>
+              <a:t>				     !(x &gt;=y)</a:t>
+            </a:r>
+          </a:p>
+        </p:txBody>
+      </p:sp>
+    </p:spTree>
+    <p:extLst>
+      <p:ext uri="{BB962C8B-B14F-4D97-AF65-F5344CB8AC3E}">
+        <p14:creationId xmlns:p14="http://schemas.microsoft.com/office/powerpoint/2010/main" val="3586325194"/>
       </p:ext>
     </p:extLst>
   </p:cSld>
